--- a/中間発表_マイマイマー.pptx
+++ b/中間発表_マイマイマー.pptx
@@ -4,8 +4,20 @@
   <p:sldMasterIdLst>
     <p:sldMasterId id="2147483648" r:id="rId1"/>
   </p:sldMasterIdLst>
+  <p:notesMasterIdLst>
+    <p:notesMasterId r:id="rId12"/>
+  </p:notesMasterIdLst>
   <p:sldIdLst>
     <p:sldId id="256" r:id="rId2"/>
+    <p:sldId id="264" r:id="rId3"/>
+    <p:sldId id="266" r:id="rId4"/>
+    <p:sldId id="258" r:id="rId5"/>
+    <p:sldId id="267" r:id="rId6"/>
+    <p:sldId id="263" r:id="rId7"/>
+    <p:sldId id="268" r:id="rId8"/>
+    <p:sldId id="260" r:id="rId9"/>
+    <p:sldId id="269" r:id="rId10"/>
+    <p:sldId id="261" r:id="rId11"/>
   </p:sldIdLst>
   <p:sldSz cx="12192000" cy="6858000"/>
   <p:notesSz cx="6858000" cy="9144000"/>
@@ -104,7 +116,792 @@
       </a:defRPr>
     </a:lvl9pPr>
   </p:defaultTextStyle>
+  <p:extLst>
+    <p:ext uri="{EFAFB233-063F-42B5-8137-9DF3F51BA10A}">
+      <p15:sldGuideLst xmlns:p15="http://schemas.microsoft.com/office/powerpoint/2012/main"/>
+    </p:ext>
+  </p:extLst>
 </p:presentation>
+</file>
+
+<file path=ppt/notesMasters/notesMaster1.xml><?xml version="1.0" encoding="utf-8"?>
+<p:notesMaster xmlns:a="http://schemas.openxmlformats.org/drawingml/2006/main" xmlns:r="http://schemas.openxmlformats.org/officeDocument/2006/relationships" xmlns:p="http://schemas.openxmlformats.org/presentationml/2006/main">
+  <p:cSld>
+    <p:bg>
+      <p:bgRef idx="1001">
+        <a:schemeClr val="bg1"/>
+      </p:bgRef>
+    </p:bg>
+    <p:spTree>
+      <p:nvGrpSpPr>
+        <p:cNvPr id="1" name=""/>
+        <p:cNvGrpSpPr/>
+        <p:nvPr/>
+      </p:nvGrpSpPr>
+      <p:grpSpPr>
+        <a:xfrm>
+          <a:off x="0" y="0"/>
+          <a:ext cx="0" cy="0"/>
+          <a:chOff x="0" y="0"/>
+          <a:chExt cx="0" cy="0"/>
+        </a:xfrm>
+      </p:grpSpPr>
+      <p:sp>
+        <p:nvSpPr>
+          <p:cNvPr id="2" name="ヘッダー プレースホルダー 1"/>
+          <p:cNvSpPr>
+            <a:spLocks noGrp="1"/>
+          </p:cNvSpPr>
+          <p:nvPr>
+            <p:ph type="hdr" sz="quarter"/>
+          </p:nvPr>
+        </p:nvSpPr>
+        <p:spPr>
+          <a:xfrm>
+            <a:off x="0" y="0"/>
+            <a:ext cx="2971800" cy="458788"/>
+          </a:xfrm>
+          <a:prstGeom prst="rect">
+            <a:avLst/>
+          </a:prstGeom>
+        </p:spPr>
+        <p:txBody>
+          <a:bodyPr vert="horz" lIns="91440" tIns="45720" rIns="91440" bIns="45720" rtlCol="0"/>
+          <a:lstStyle>
+            <a:lvl1pPr algn="l">
+              <a:defRPr sz="1200"/>
+            </a:lvl1pPr>
+          </a:lstStyle>
+          <a:p>
+            <a:endParaRPr kumimoji="1" lang="ja-JP" altLang="en-US"/>
+          </a:p>
+        </p:txBody>
+      </p:sp>
+      <p:sp>
+        <p:nvSpPr>
+          <p:cNvPr id="3" name="日付プレースホルダー 2"/>
+          <p:cNvSpPr>
+            <a:spLocks noGrp="1"/>
+          </p:cNvSpPr>
+          <p:nvPr>
+            <p:ph type="dt" idx="1"/>
+          </p:nvPr>
+        </p:nvSpPr>
+        <p:spPr>
+          <a:xfrm>
+            <a:off x="3884613" y="0"/>
+            <a:ext cx="2971800" cy="458788"/>
+          </a:xfrm>
+          <a:prstGeom prst="rect">
+            <a:avLst/>
+          </a:prstGeom>
+        </p:spPr>
+        <p:txBody>
+          <a:bodyPr vert="horz" lIns="91440" tIns="45720" rIns="91440" bIns="45720" rtlCol="0"/>
+          <a:lstStyle>
+            <a:lvl1pPr algn="r">
+              <a:defRPr sz="1200"/>
+            </a:lvl1pPr>
+          </a:lstStyle>
+          <a:p>
+            <a:fld id="{12FFA3EE-D5AE-4B2B-88A9-A0DA8EDF7A12}" type="datetimeFigureOut">
+              <a:rPr kumimoji="1" lang="ja-JP" altLang="en-US" smtClean="0"/>
+              <a:t>2025/8/9</a:t>
+            </a:fld>
+            <a:endParaRPr kumimoji="1" lang="ja-JP" altLang="en-US"/>
+          </a:p>
+        </p:txBody>
+      </p:sp>
+      <p:sp>
+        <p:nvSpPr>
+          <p:cNvPr id="4" name="スライド イメージ プレースホルダー 3"/>
+          <p:cNvSpPr>
+            <a:spLocks noGrp="1" noRot="1" noChangeAspect="1"/>
+          </p:cNvSpPr>
+          <p:nvPr>
+            <p:ph type="sldImg" idx="2"/>
+          </p:nvPr>
+        </p:nvSpPr>
+        <p:spPr>
+          <a:xfrm>
+            <a:off x="685800" y="1143000"/>
+            <a:ext cx="5486400" cy="3086100"/>
+          </a:xfrm>
+          <a:prstGeom prst="rect">
+            <a:avLst/>
+          </a:prstGeom>
+          <a:noFill/>
+          <a:ln w="12700">
+            <a:solidFill>
+              <a:prstClr val="black"/>
+            </a:solidFill>
+          </a:ln>
+        </p:spPr>
+        <p:txBody>
+          <a:bodyPr vert="horz" lIns="91440" tIns="45720" rIns="91440" bIns="45720" rtlCol="0" anchor="ctr"/>
+          <a:lstStyle/>
+          <a:p>
+            <a:endParaRPr lang="ja-JP" altLang="en-US"/>
+          </a:p>
+        </p:txBody>
+      </p:sp>
+      <p:sp>
+        <p:nvSpPr>
+          <p:cNvPr id="5" name="ノート プレースホルダー 4"/>
+          <p:cNvSpPr>
+            <a:spLocks noGrp="1"/>
+          </p:cNvSpPr>
+          <p:nvPr>
+            <p:ph type="body" sz="quarter" idx="3"/>
+          </p:nvPr>
+        </p:nvSpPr>
+        <p:spPr>
+          <a:xfrm>
+            <a:off x="685800" y="4400550"/>
+            <a:ext cx="5486400" cy="3600450"/>
+          </a:xfrm>
+          <a:prstGeom prst="rect">
+            <a:avLst/>
+          </a:prstGeom>
+        </p:spPr>
+        <p:txBody>
+          <a:bodyPr vert="horz" lIns="91440" tIns="45720" rIns="91440" bIns="45720" rtlCol="0"/>
+          <a:lstStyle/>
+          <a:p>
+            <a:pPr lvl="0"/>
+            <a:r>
+              <a:rPr kumimoji="1" lang="ja-JP" altLang="en-US"/>
+              <a:t>マスター テキストの書式設定</a:t>
+            </a:r>
+          </a:p>
+          <a:p>
+            <a:pPr lvl="1"/>
+            <a:r>
+              <a:rPr kumimoji="1" lang="ja-JP" altLang="en-US"/>
+              <a:t>第 </a:t>
+            </a:r>
+            <a:r>
+              <a:rPr kumimoji="1" lang="en-US" altLang="ja-JP"/>
+              <a:t>2 </a:t>
+            </a:r>
+            <a:r>
+              <a:rPr kumimoji="1" lang="ja-JP" altLang="en-US"/>
+              <a:t>レベル</a:t>
+            </a:r>
+          </a:p>
+          <a:p>
+            <a:pPr lvl="2"/>
+            <a:r>
+              <a:rPr kumimoji="1" lang="ja-JP" altLang="en-US"/>
+              <a:t>第 </a:t>
+            </a:r>
+            <a:r>
+              <a:rPr kumimoji="1" lang="en-US" altLang="ja-JP"/>
+              <a:t>3 </a:t>
+            </a:r>
+            <a:r>
+              <a:rPr kumimoji="1" lang="ja-JP" altLang="en-US"/>
+              <a:t>レベル</a:t>
+            </a:r>
+          </a:p>
+          <a:p>
+            <a:pPr lvl="3"/>
+            <a:r>
+              <a:rPr kumimoji="1" lang="ja-JP" altLang="en-US"/>
+              <a:t>第 </a:t>
+            </a:r>
+            <a:r>
+              <a:rPr kumimoji="1" lang="en-US" altLang="ja-JP"/>
+              <a:t>4 </a:t>
+            </a:r>
+            <a:r>
+              <a:rPr kumimoji="1" lang="ja-JP" altLang="en-US"/>
+              <a:t>レベル</a:t>
+            </a:r>
+          </a:p>
+          <a:p>
+            <a:pPr lvl="4"/>
+            <a:r>
+              <a:rPr kumimoji="1" lang="ja-JP" altLang="en-US"/>
+              <a:t>第 </a:t>
+            </a:r>
+            <a:r>
+              <a:rPr kumimoji="1" lang="en-US" altLang="ja-JP"/>
+              <a:t>5 </a:t>
+            </a:r>
+            <a:r>
+              <a:rPr kumimoji="1" lang="ja-JP" altLang="en-US"/>
+              <a:t>レベル</a:t>
+            </a:r>
+          </a:p>
+        </p:txBody>
+      </p:sp>
+      <p:sp>
+        <p:nvSpPr>
+          <p:cNvPr id="6" name="フッター プレースホルダー 5"/>
+          <p:cNvSpPr>
+            <a:spLocks noGrp="1"/>
+          </p:cNvSpPr>
+          <p:nvPr>
+            <p:ph type="ftr" sz="quarter" idx="4"/>
+          </p:nvPr>
+        </p:nvSpPr>
+        <p:spPr>
+          <a:xfrm>
+            <a:off x="0" y="8685213"/>
+            <a:ext cx="2971800" cy="458787"/>
+          </a:xfrm>
+          <a:prstGeom prst="rect">
+            <a:avLst/>
+          </a:prstGeom>
+        </p:spPr>
+        <p:txBody>
+          <a:bodyPr vert="horz" lIns="91440" tIns="45720" rIns="91440" bIns="45720" rtlCol="0" anchor="b"/>
+          <a:lstStyle>
+            <a:lvl1pPr algn="l">
+              <a:defRPr sz="1200"/>
+            </a:lvl1pPr>
+          </a:lstStyle>
+          <a:p>
+            <a:endParaRPr kumimoji="1" lang="ja-JP" altLang="en-US"/>
+          </a:p>
+        </p:txBody>
+      </p:sp>
+      <p:sp>
+        <p:nvSpPr>
+          <p:cNvPr id="7" name="スライド番号プレースホルダー 6"/>
+          <p:cNvSpPr>
+            <a:spLocks noGrp="1"/>
+          </p:cNvSpPr>
+          <p:nvPr>
+            <p:ph type="sldNum" sz="quarter" idx="5"/>
+          </p:nvPr>
+        </p:nvSpPr>
+        <p:spPr>
+          <a:xfrm>
+            <a:off x="3884613" y="8685213"/>
+            <a:ext cx="2971800" cy="458787"/>
+          </a:xfrm>
+          <a:prstGeom prst="rect">
+            <a:avLst/>
+          </a:prstGeom>
+        </p:spPr>
+        <p:txBody>
+          <a:bodyPr vert="horz" lIns="91440" tIns="45720" rIns="91440" bIns="45720" rtlCol="0" anchor="b"/>
+          <a:lstStyle>
+            <a:lvl1pPr algn="r">
+              <a:defRPr sz="1200"/>
+            </a:lvl1pPr>
+          </a:lstStyle>
+          <a:p>
+            <a:fld id="{2C816E13-BFD3-424A-AA05-F70BE99174FC}" type="slidenum">
+              <a:rPr kumimoji="1" lang="ja-JP" altLang="en-US" smtClean="0"/>
+              <a:t>‹#›</a:t>
+            </a:fld>
+            <a:endParaRPr kumimoji="1" lang="ja-JP" altLang="en-US"/>
+          </a:p>
+        </p:txBody>
+      </p:sp>
+    </p:spTree>
+    <p:extLst>
+      <p:ext uri="{BB962C8B-B14F-4D97-AF65-F5344CB8AC3E}">
+        <p14:creationId xmlns:p14="http://schemas.microsoft.com/office/powerpoint/2010/main" val="141884022"/>
+      </p:ext>
+    </p:extLst>
+  </p:cSld>
+  <p:clrMap bg1="lt1" tx1="dk1" bg2="lt2" tx2="dk2" accent1="accent1" accent2="accent2" accent3="accent3" accent4="accent4" accent5="accent5" accent6="accent6" hlink="hlink" folHlink="folHlink"/>
+  <p:notesStyle>
+    <a:lvl1pPr marL="0" algn="l" defTabSz="914400" rtl="0" eaLnBrk="1" latinLnBrk="0" hangingPunct="1">
+      <a:defRPr kumimoji="1" sz="1200" kern="1200">
+        <a:solidFill>
+          <a:schemeClr val="tx1"/>
+        </a:solidFill>
+        <a:latin typeface="+mn-lt"/>
+        <a:ea typeface="+mn-ea"/>
+        <a:cs typeface="+mn-cs"/>
+      </a:defRPr>
+    </a:lvl1pPr>
+    <a:lvl2pPr marL="457200" algn="l" defTabSz="914400" rtl="0" eaLnBrk="1" latinLnBrk="0" hangingPunct="1">
+      <a:defRPr kumimoji="1" sz="1200" kern="1200">
+        <a:solidFill>
+          <a:schemeClr val="tx1"/>
+        </a:solidFill>
+        <a:latin typeface="+mn-lt"/>
+        <a:ea typeface="+mn-ea"/>
+        <a:cs typeface="+mn-cs"/>
+      </a:defRPr>
+    </a:lvl2pPr>
+    <a:lvl3pPr marL="914400" algn="l" defTabSz="914400" rtl="0" eaLnBrk="1" latinLnBrk="0" hangingPunct="1">
+      <a:defRPr kumimoji="1" sz="1200" kern="1200">
+        <a:solidFill>
+          <a:schemeClr val="tx1"/>
+        </a:solidFill>
+        <a:latin typeface="+mn-lt"/>
+        <a:ea typeface="+mn-ea"/>
+        <a:cs typeface="+mn-cs"/>
+      </a:defRPr>
+    </a:lvl3pPr>
+    <a:lvl4pPr marL="1371600" algn="l" defTabSz="914400" rtl="0" eaLnBrk="1" latinLnBrk="0" hangingPunct="1">
+      <a:defRPr kumimoji="1" sz="1200" kern="1200">
+        <a:solidFill>
+          <a:schemeClr val="tx1"/>
+        </a:solidFill>
+        <a:latin typeface="+mn-lt"/>
+        <a:ea typeface="+mn-ea"/>
+        <a:cs typeface="+mn-cs"/>
+      </a:defRPr>
+    </a:lvl4pPr>
+    <a:lvl5pPr marL="1828800" algn="l" defTabSz="914400" rtl="0" eaLnBrk="1" latinLnBrk="0" hangingPunct="1">
+      <a:defRPr kumimoji="1" sz="1200" kern="1200">
+        <a:solidFill>
+          <a:schemeClr val="tx1"/>
+        </a:solidFill>
+        <a:latin typeface="+mn-lt"/>
+        <a:ea typeface="+mn-ea"/>
+        <a:cs typeface="+mn-cs"/>
+      </a:defRPr>
+    </a:lvl5pPr>
+    <a:lvl6pPr marL="2286000" algn="l" defTabSz="914400" rtl="0" eaLnBrk="1" latinLnBrk="0" hangingPunct="1">
+      <a:defRPr kumimoji="1" sz="1200" kern="1200">
+        <a:solidFill>
+          <a:schemeClr val="tx1"/>
+        </a:solidFill>
+        <a:latin typeface="+mn-lt"/>
+        <a:ea typeface="+mn-ea"/>
+        <a:cs typeface="+mn-cs"/>
+      </a:defRPr>
+    </a:lvl6pPr>
+    <a:lvl7pPr marL="2743200" algn="l" defTabSz="914400" rtl="0" eaLnBrk="1" latinLnBrk="0" hangingPunct="1">
+      <a:defRPr kumimoji="1" sz="1200" kern="1200">
+        <a:solidFill>
+          <a:schemeClr val="tx1"/>
+        </a:solidFill>
+        <a:latin typeface="+mn-lt"/>
+        <a:ea typeface="+mn-ea"/>
+        <a:cs typeface="+mn-cs"/>
+      </a:defRPr>
+    </a:lvl7pPr>
+    <a:lvl8pPr marL="3200400" algn="l" defTabSz="914400" rtl="0" eaLnBrk="1" latinLnBrk="0" hangingPunct="1">
+      <a:defRPr kumimoji="1" sz="1200" kern="1200">
+        <a:solidFill>
+          <a:schemeClr val="tx1"/>
+        </a:solidFill>
+        <a:latin typeface="+mn-lt"/>
+        <a:ea typeface="+mn-ea"/>
+        <a:cs typeface="+mn-cs"/>
+      </a:defRPr>
+    </a:lvl8pPr>
+    <a:lvl9pPr marL="3657600" algn="l" defTabSz="914400" rtl="0" eaLnBrk="1" latinLnBrk="0" hangingPunct="1">
+      <a:defRPr kumimoji="1" sz="1200" kern="1200">
+        <a:solidFill>
+          <a:schemeClr val="tx1"/>
+        </a:solidFill>
+        <a:latin typeface="+mn-lt"/>
+        <a:ea typeface="+mn-ea"/>
+        <a:cs typeface="+mn-cs"/>
+      </a:defRPr>
+    </a:lvl9pPr>
+  </p:notesStyle>
+</p:notesMaster>
+</file>
+
+<file path=ppt/notesSlides/notesSlide1.xml><?xml version="1.0" encoding="utf-8"?>
+<p:notes xmlns:a="http://schemas.openxmlformats.org/drawingml/2006/main" xmlns:r="http://schemas.openxmlformats.org/officeDocument/2006/relationships" xmlns:p="http://schemas.openxmlformats.org/presentationml/2006/main">
+  <p:cSld>
+    <p:spTree>
+      <p:nvGrpSpPr>
+        <p:cNvPr id="1" name=""/>
+        <p:cNvGrpSpPr/>
+        <p:nvPr/>
+      </p:nvGrpSpPr>
+      <p:grpSpPr>
+        <a:xfrm>
+          <a:off x="0" y="0"/>
+          <a:ext cx="0" cy="0"/>
+          <a:chOff x="0" y="0"/>
+          <a:chExt cx="0" cy="0"/>
+        </a:xfrm>
+      </p:grpSpPr>
+      <p:sp>
+        <p:nvSpPr>
+          <p:cNvPr id="2" name="スライド イメージ プレースホルダー 1"/>
+          <p:cNvSpPr>
+            <a:spLocks noGrp="1" noRot="1" noChangeAspect="1"/>
+          </p:cNvSpPr>
+          <p:nvPr>
+            <p:ph type="sldImg"/>
+          </p:nvPr>
+        </p:nvSpPr>
+        <p:spPr/>
+      </p:sp>
+      <p:sp>
+        <p:nvSpPr>
+          <p:cNvPr id="3" name="ノート プレースホルダー 2"/>
+          <p:cNvSpPr>
+            <a:spLocks noGrp="1"/>
+          </p:cNvSpPr>
+          <p:nvPr>
+            <p:ph type="body" idx="1"/>
+          </p:nvPr>
+        </p:nvSpPr>
+        <p:spPr/>
+        <p:txBody>
+          <a:bodyPr/>
+          <a:lstStyle/>
+          <a:p>
+            <a:r>
+              <a:rPr kumimoji="1" lang="ja-JP" altLang="en-US" dirty="0"/>
+              <a:t>この二つが課題と考えてそれぞれ次のような解決策を考えました</a:t>
+            </a:r>
+          </a:p>
+        </p:txBody>
+      </p:sp>
+      <p:sp>
+        <p:nvSpPr>
+          <p:cNvPr id="4" name="スライド番号プレースホルダー 3"/>
+          <p:cNvSpPr>
+            <a:spLocks noGrp="1"/>
+          </p:cNvSpPr>
+          <p:nvPr>
+            <p:ph type="sldNum" sz="quarter" idx="5"/>
+          </p:nvPr>
+        </p:nvSpPr>
+        <p:spPr/>
+        <p:txBody>
+          <a:bodyPr/>
+          <a:lstStyle/>
+          <a:p>
+            <a:fld id="{2C816E13-BFD3-424A-AA05-F70BE99174FC}" type="slidenum">
+              <a:rPr kumimoji="1" lang="ja-JP" altLang="en-US" smtClean="0"/>
+              <a:t>2</a:t>
+            </a:fld>
+            <a:endParaRPr kumimoji="1" lang="ja-JP" altLang="en-US"/>
+          </a:p>
+        </p:txBody>
+      </p:sp>
+    </p:spTree>
+    <p:extLst>
+      <p:ext uri="{BB962C8B-B14F-4D97-AF65-F5344CB8AC3E}">
+        <p14:creationId xmlns:p14="http://schemas.microsoft.com/office/powerpoint/2010/main" val="1842382477"/>
+      </p:ext>
+    </p:extLst>
+  </p:cSld>
+  <p:clrMapOvr>
+    <a:masterClrMapping/>
+  </p:clrMapOvr>
+</p:notes>
+</file>
+
+<file path=ppt/notesSlides/notesSlide2.xml><?xml version="1.0" encoding="utf-8"?>
+<p:notes xmlns:a="http://schemas.openxmlformats.org/drawingml/2006/main" xmlns:r="http://schemas.openxmlformats.org/officeDocument/2006/relationships" xmlns:p="http://schemas.openxmlformats.org/presentationml/2006/main">
+  <p:cSld>
+    <p:spTree>
+      <p:nvGrpSpPr>
+        <p:cNvPr id="1" name=""/>
+        <p:cNvGrpSpPr/>
+        <p:nvPr/>
+      </p:nvGrpSpPr>
+      <p:grpSpPr>
+        <a:xfrm>
+          <a:off x="0" y="0"/>
+          <a:ext cx="0" cy="0"/>
+          <a:chOff x="0" y="0"/>
+          <a:chExt cx="0" cy="0"/>
+        </a:xfrm>
+      </p:grpSpPr>
+      <p:sp>
+        <p:nvSpPr>
+          <p:cNvPr id="2" name="スライド イメージ プレースホルダー 1"/>
+          <p:cNvSpPr>
+            <a:spLocks noGrp="1" noRot="1" noChangeAspect="1"/>
+          </p:cNvSpPr>
+          <p:nvPr>
+            <p:ph type="sldImg"/>
+          </p:nvPr>
+        </p:nvSpPr>
+        <p:spPr/>
+      </p:sp>
+      <p:sp>
+        <p:nvSpPr>
+          <p:cNvPr id="3" name="ノート プレースホルダー 2"/>
+          <p:cNvSpPr>
+            <a:spLocks noGrp="1"/>
+          </p:cNvSpPr>
+          <p:nvPr>
+            <p:ph type="body" idx="1"/>
+          </p:nvPr>
+        </p:nvSpPr>
+        <p:spPr/>
+        <p:txBody>
+          <a:bodyPr/>
+          <a:lstStyle/>
+          <a:p>
+            <a:endParaRPr kumimoji="1" lang="ja-JP" altLang="en-US" dirty="0"/>
+          </a:p>
+        </p:txBody>
+      </p:sp>
+      <p:sp>
+        <p:nvSpPr>
+          <p:cNvPr id="4" name="スライド番号プレースホルダー 3"/>
+          <p:cNvSpPr>
+            <a:spLocks noGrp="1"/>
+          </p:cNvSpPr>
+          <p:nvPr>
+            <p:ph type="sldNum" sz="quarter" idx="5"/>
+          </p:nvPr>
+        </p:nvSpPr>
+        <p:spPr/>
+        <p:txBody>
+          <a:bodyPr/>
+          <a:lstStyle/>
+          <a:p>
+            <a:fld id="{2C816E13-BFD3-424A-AA05-F70BE99174FC}" type="slidenum">
+              <a:rPr kumimoji="1" lang="ja-JP" altLang="en-US" smtClean="0"/>
+              <a:t>3</a:t>
+            </a:fld>
+            <a:endParaRPr kumimoji="1" lang="ja-JP" altLang="en-US"/>
+          </a:p>
+        </p:txBody>
+      </p:sp>
+    </p:spTree>
+    <p:extLst>
+      <p:ext uri="{BB962C8B-B14F-4D97-AF65-F5344CB8AC3E}">
+        <p14:creationId xmlns:p14="http://schemas.microsoft.com/office/powerpoint/2010/main" val="2767341790"/>
+      </p:ext>
+    </p:extLst>
+  </p:cSld>
+  <p:clrMapOvr>
+    <a:masterClrMapping/>
+  </p:clrMapOvr>
+</p:notes>
+</file>
+
+<file path=ppt/notesSlides/notesSlide3.xml><?xml version="1.0" encoding="utf-8"?>
+<p:notes xmlns:a="http://schemas.openxmlformats.org/drawingml/2006/main" xmlns:r="http://schemas.openxmlformats.org/officeDocument/2006/relationships" xmlns:p="http://schemas.openxmlformats.org/presentationml/2006/main">
+  <p:cSld>
+    <p:spTree>
+      <p:nvGrpSpPr>
+        <p:cNvPr id="1" name=""/>
+        <p:cNvGrpSpPr/>
+        <p:nvPr/>
+      </p:nvGrpSpPr>
+      <p:grpSpPr>
+        <a:xfrm>
+          <a:off x="0" y="0"/>
+          <a:ext cx="0" cy="0"/>
+          <a:chOff x="0" y="0"/>
+          <a:chExt cx="0" cy="0"/>
+        </a:xfrm>
+      </p:grpSpPr>
+      <p:sp>
+        <p:nvSpPr>
+          <p:cNvPr id="2" name="スライド イメージ プレースホルダー 1"/>
+          <p:cNvSpPr>
+            <a:spLocks noGrp="1" noRot="1" noChangeAspect="1"/>
+          </p:cNvSpPr>
+          <p:nvPr>
+            <p:ph type="sldImg"/>
+          </p:nvPr>
+        </p:nvSpPr>
+        <p:spPr/>
+      </p:sp>
+      <p:sp>
+        <p:nvSpPr>
+          <p:cNvPr id="3" name="ノート プレースホルダー 2"/>
+          <p:cNvSpPr>
+            <a:spLocks noGrp="1"/>
+          </p:cNvSpPr>
+          <p:nvPr>
+            <p:ph type="body" idx="1"/>
+          </p:nvPr>
+        </p:nvSpPr>
+        <p:spPr/>
+        <p:txBody>
+          <a:bodyPr/>
+          <a:lstStyle/>
+          <a:p>
+            <a:pPr marL="0" marR="0" lvl="0" indent="0" algn="l" defTabSz="914400" rtl="0" eaLnBrk="1" fontAlgn="auto" latinLnBrk="0" hangingPunct="1">
+              <a:lnSpc>
+                <a:spcPct val="100000"/>
+              </a:lnSpc>
+              <a:spcBef>
+                <a:spcPts val="0"/>
+              </a:spcBef>
+              <a:spcAft>
+                <a:spcPts val="0"/>
+              </a:spcAft>
+              <a:buClrTx/>
+              <a:buSzTx/>
+              <a:buFontTx/>
+              <a:buNone/>
+              <a:tabLst/>
+              <a:defRPr/>
+            </a:pPr>
+            <a:r>
+              <a:rPr kumimoji="1" lang="ja-JP" altLang="en-US" dirty="0"/>
+              <a:t>入力されたデータは一度</a:t>
+            </a:r>
+            <a:r>
+              <a:rPr kumimoji="1" lang="en-US" altLang="ja-JP" dirty="0"/>
+              <a:t>Cloud</a:t>
+            </a:r>
+            <a:r>
+              <a:rPr kumimoji="1" lang="ja-JP" altLang="en-US" dirty="0"/>
+              <a:t>　</a:t>
+            </a:r>
+            <a:r>
+              <a:rPr kumimoji="1" lang="en-US" altLang="ja-JP" dirty="0" err="1"/>
+              <a:t>Firestore</a:t>
+            </a:r>
+            <a:r>
+              <a:rPr kumimoji="1" lang="ja-JP" altLang="en-US" dirty="0"/>
+              <a:t>に送られそこで管理されるため、いつでも必要な時に情報をスプレッドシートの形式で利用することが可能</a:t>
+            </a:r>
+            <a:endParaRPr kumimoji="1" lang="en-US" altLang="ja-JP" dirty="0"/>
+          </a:p>
+          <a:p>
+            <a:r>
+              <a:rPr kumimoji="1" lang="ja-JP" altLang="en-US" dirty="0"/>
+              <a:t>活用例としましては、スプレッドシートを生かして、ソート機能やグラフ作成機能で視覚的にわかりやすく情報を整理できることなど</a:t>
+            </a:r>
+          </a:p>
+        </p:txBody>
+      </p:sp>
+      <p:sp>
+        <p:nvSpPr>
+          <p:cNvPr id="4" name="スライド番号プレースホルダー 3"/>
+          <p:cNvSpPr>
+            <a:spLocks noGrp="1"/>
+          </p:cNvSpPr>
+          <p:nvPr>
+            <p:ph type="sldNum" sz="quarter" idx="5"/>
+          </p:nvPr>
+        </p:nvSpPr>
+        <p:spPr/>
+        <p:txBody>
+          <a:bodyPr/>
+          <a:lstStyle/>
+          <a:p>
+            <a:fld id="{2C816E13-BFD3-424A-AA05-F70BE99174FC}" type="slidenum">
+              <a:rPr kumimoji="1" lang="ja-JP" altLang="en-US" smtClean="0"/>
+              <a:t>5</a:t>
+            </a:fld>
+            <a:endParaRPr kumimoji="1" lang="ja-JP" altLang="en-US"/>
+          </a:p>
+        </p:txBody>
+      </p:sp>
+    </p:spTree>
+    <p:extLst>
+      <p:ext uri="{BB962C8B-B14F-4D97-AF65-F5344CB8AC3E}">
+        <p14:creationId xmlns:p14="http://schemas.microsoft.com/office/powerpoint/2010/main" val="3256224724"/>
+      </p:ext>
+    </p:extLst>
+  </p:cSld>
+  <p:clrMapOvr>
+    <a:masterClrMapping/>
+  </p:clrMapOvr>
+</p:notes>
+</file>
+
+<file path=ppt/notesSlides/notesSlide4.xml><?xml version="1.0" encoding="utf-8"?>
+<p:notes xmlns:a="http://schemas.openxmlformats.org/drawingml/2006/main" xmlns:r="http://schemas.openxmlformats.org/officeDocument/2006/relationships" xmlns:p="http://schemas.openxmlformats.org/presentationml/2006/main">
+  <p:cSld>
+    <p:spTree>
+      <p:nvGrpSpPr>
+        <p:cNvPr id="1" name=""/>
+        <p:cNvGrpSpPr/>
+        <p:nvPr/>
+      </p:nvGrpSpPr>
+      <p:grpSpPr>
+        <a:xfrm>
+          <a:off x="0" y="0"/>
+          <a:ext cx="0" cy="0"/>
+          <a:chOff x="0" y="0"/>
+          <a:chExt cx="0" cy="0"/>
+        </a:xfrm>
+      </p:grpSpPr>
+      <p:sp>
+        <p:nvSpPr>
+          <p:cNvPr id="2" name="スライド イメージ プレースホルダー 1"/>
+          <p:cNvSpPr>
+            <a:spLocks noGrp="1" noRot="1" noChangeAspect="1"/>
+          </p:cNvSpPr>
+          <p:nvPr>
+            <p:ph type="sldImg"/>
+          </p:nvPr>
+        </p:nvSpPr>
+        <p:spPr/>
+      </p:sp>
+      <p:sp>
+        <p:nvSpPr>
+          <p:cNvPr id="3" name="ノート プレースホルダー 2"/>
+          <p:cNvSpPr>
+            <a:spLocks noGrp="1"/>
+          </p:cNvSpPr>
+          <p:nvPr>
+            <p:ph type="body" idx="1"/>
+          </p:nvPr>
+        </p:nvSpPr>
+        <p:spPr/>
+        <p:txBody>
+          <a:bodyPr/>
+          <a:lstStyle/>
+          <a:p>
+            <a:r>
+              <a:rPr kumimoji="1" lang="ja-JP" altLang="en-US" dirty="0"/>
+              <a:t>検査項目が変わる可能性</a:t>
+            </a:r>
+            <a:endParaRPr kumimoji="1" lang="en-US" altLang="ja-JP" dirty="0"/>
+          </a:p>
+          <a:p>
+            <a:r>
+              <a:rPr kumimoji="1" lang="ja-JP" altLang="en-US" dirty="0"/>
+              <a:t>水道法の変更など</a:t>
+            </a:r>
+            <a:endParaRPr kumimoji="1" lang="en-US" altLang="ja-JP" dirty="0"/>
+          </a:p>
+          <a:p>
+            <a:r>
+              <a:rPr kumimoji="1" lang="ja-JP" altLang="en-US" dirty="0"/>
+              <a:t>基準値が厳しくなってしまう可能性もあるのでエラーの出る範囲の調整などもできるようにしたいと考えています。</a:t>
+            </a:r>
+          </a:p>
+        </p:txBody>
+      </p:sp>
+      <p:sp>
+        <p:nvSpPr>
+          <p:cNvPr id="4" name="スライド番号プレースホルダー 3"/>
+          <p:cNvSpPr>
+            <a:spLocks noGrp="1"/>
+          </p:cNvSpPr>
+          <p:nvPr>
+            <p:ph type="sldNum" sz="quarter" idx="5"/>
+          </p:nvPr>
+        </p:nvSpPr>
+        <p:spPr/>
+        <p:txBody>
+          <a:bodyPr/>
+          <a:lstStyle/>
+          <a:p>
+            <a:fld id="{2C816E13-BFD3-424A-AA05-F70BE99174FC}" type="slidenum">
+              <a:rPr kumimoji="1" lang="ja-JP" altLang="en-US" smtClean="0"/>
+              <a:t>9</a:t>
+            </a:fld>
+            <a:endParaRPr kumimoji="1" lang="ja-JP" altLang="en-US"/>
+          </a:p>
+        </p:txBody>
+      </p:sp>
+    </p:spTree>
+    <p:extLst>
+      <p:ext uri="{BB962C8B-B14F-4D97-AF65-F5344CB8AC3E}">
+        <p14:creationId xmlns:p14="http://schemas.microsoft.com/office/powerpoint/2010/main" val="2056023996"/>
+      </p:ext>
+    </p:extLst>
+  </p:cSld>
+  <p:clrMapOvr>
+    <a:masterClrMapping/>
+  </p:clrMapOvr>
+</p:notes>
 </file>
 
 <file path=ppt/slideLayouts/slideLayout1.xml><?xml version="1.0" encoding="utf-8"?>
@@ -2996,9 +3793,12 @@
 <p:sldMaster xmlns:a="http://schemas.openxmlformats.org/drawingml/2006/main" xmlns:r="http://schemas.openxmlformats.org/officeDocument/2006/relationships" xmlns:p="http://schemas.openxmlformats.org/presentationml/2006/main">
   <p:cSld>
     <p:bg>
-      <p:bgRef idx="1001">
-        <a:schemeClr val="bg1"/>
-      </p:bgRef>
+      <p:bgPr>
+        <a:solidFill>
+          <a:schemeClr val="bg1"/>
+        </a:solidFill>
+        <a:effectLst/>
+      </p:bgPr>
     </p:bg>
     <p:spTree>
       <p:nvGrpSpPr>
@@ -3611,6 +4411,72 @@
       </p:grpSpPr>
       <p:sp>
         <p:nvSpPr>
+          <p:cNvPr id="5" name="Rectangle 7">
+            <a:extLst>
+              <a:ext uri="{FF2B5EF4-FFF2-40B4-BE49-F238E27FC236}">
+                <a16:creationId xmlns:a16="http://schemas.microsoft.com/office/drawing/2014/main" id="{5AADD842-7469-481F-AEF2-DDA7D3A9ABB0}"/>
+              </a:ext>
+              <a:ext uri="{C183D7F6-B498-43B3-948B-1728B52AA6E4}">
+                <adec:decorative xmlns:adec="http://schemas.microsoft.com/office/drawing/2017/decorative" val="1"/>
+              </a:ext>
+            </a:extLst>
+          </p:cNvPr>
+          <p:cNvSpPr>
+            <a:spLocks noGrp="1" noRot="1" noChangeAspect="1" noMove="1" noResize="1" noEditPoints="1" noAdjustHandles="1" noChangeArrowheads="1" noChangeShapeType="1" noTextEdit="1"/>
+          </p:cNvSpPr>
+          <p:nvPr>
+            <p:extLst>
+              <p:ext uri="{386F3935-93C4-4BCD-93E2-E3B085C9AB24}">
+                <p16:designElem xmlns:p16="http://schemas.microsoft.com/office/powerpoint/2015/main" val="1"/>
+              </p:ext>
+            </p:extLst>
+          </p:nvPr>
+        </p:nvSpPr>
+        <p:spPr>
+          <a:xfrm>
+            <a:off x="10" y="0"/>
+            <a:ext cx="12191990" cy="2358677"/>
+          </a:xfrm>
+          <a:prstGeom prst="rect">
+            <a:avLst/>
+          </a:prstGeom>
+          <a:solidFill>
+            <a:schemeClr val="tx1">
+              <a:lumMod val="85000"/>
+              <a:lumOff val="15000"/>
+            </a:schemeClr>
+          </a:solidFill>
+          <a:ln>
+            <a:noFill/>
+          </a:ln>
+        </p:spPr>
+        <p:style>
+          <a:lnRef idx="2">
+            <a:schemeClr val="accent1">
+              <a:shade val="50000"/>
+            </a:schemeClr>
+          </a:lnRef>
+          <a:fillRef idx="1">
+            <a:schemeClr val="accent1"/>
+          </a:fillRef>
+          <a:effectRef idx="0">
+            <a:schemeClr val="accent1"/>
+          </a:effectRef>
+          <a:fontRef idx="minor">
+            <a:schemeClr val="lt1"/>
+          </a:fontRef>
+        </p:style>
+        <p:txBody>
+          <a:bodyPr rtlCol="0" anchor="ctr"/>
+          <a:lstStyle/>
+          <a:p>
+            <a:pPr algn="ctr"/>
+            <a:endParaRPr lang="en-US"/>
+          </a:p>
+        </p:txBody>
+      </p:sp>
+      <p:sp>
+        <p:nvSpPr>
           <p:cNvPr id="2" name="タイトル 1">
             <a:extLst>
               <a:ext uri="{FF2B5EF4-FFF2-40B4-BE49-F238E27FC236}">
@@ -3625,12 +4491,104 @@
             <p:ph type="ctrTitle"/>
           </p:nvPr>
         </p:nvSpPr>
-        <p:spPr/>
-        <p:txBody>
-          <a:bodyPr/>
-          <a:lstStyle/>
-          <a:p>
-            <a:endParaRPr kumimoji="1" lang="ja-JP" altLang="en-US"/>
+        <p:spPr>
+          <a:xfrm>
+            <a:off x="1155558" y="637763"/>
+            <a:ext cx="9889797" cy="1413144"/>
+          </a:xfrm>
+        </p:spPr>
+        <p:txBody>
+          <a:bodyPr anchor="b">
+            <a:normAutofit/>
+          </a:bodyPr>
+          <a:lstStyle/>
+          <a:p>
+            <a:pPr algn="l"/>
+            <a:r>
+              <a:rPr kumimoji="1" lang="ja-JP" altLang="en-US" sz="4400" dirty="0">
+                <a:solidFill>
+                  <a:schemeClr val="bg1"/>
+                </a:solidFill>
+              </a:rPr>
+              <a:t>中間発表</a:t>
+            </a:r>
+            <a:br>
+              <a:rPr kumimoji="1" lang="en-US" altLang="ja-JP" sz="4400" dirty="0">
+                <a:solidFill>
+                  <a:schemeClr val="bg1"/>
+                </a:solidFill>
+              </a:rPr>
+            </a:br>
+            <a:endParaRPr kumimoji="1" lang="ja-JP" altLang="en-US" sz="4400" dirty="0">
+              <a:solidFill>
+                <a:schemeClr val="bg1"/>
+              </a:solidFill>
+            </a:endParaRPr>
+          </a:p>
+        </p:txBody>
+      </p:sp>
+      <p:sp>
+        <p:nvSpPr>
+          <p:cNvPr id="6" name="Rectangle 9">
+            <a:extLst>
+              <a:ext uri="{FF2B5EF4-FFF2-40B4-BE49-F238E27FC236}">
+                <a16:creationId xmlns:a16="http://schemas.microsoft.com/office/drawing/2014/main" id="{94058847-87A2-48B5-B733-C9FC6F0FF769}"/>
+              </a:ext>
+              <a:ext uri="{C183D7F6-B498-43B3-948B-1728B52AA6E4}">
+                <adec:decorative xmlns:adec="http://schemas.microsoft.com/office/drawing/2017/decorative" val="1"/>
+              </a:ext>
+            </a:extLst>
+          </p:cNvPr>
+          <p:cNvSpPr>
+            <a:spLocks noGrp="1" noRot="1" noChangeAspect="1" noMove="1" noResize="1" noEditPoints="1" noAdjustHandles="1" noChangeArrowheads="1" noChangeShapeType="1" noTextEdit="1"/>
+          </p:cNvSpPr>
+          <p:nvPr>
+            <p:extLst>
+              <p:ext uri="{386F3935-93C4-4BCD-93E2-E3B085C9AB24}">
+                <p16:designElem xmlns:p16="http://schemas.microsoft.com/office/powerpoint/2015/main" val="1"/>
+              </p:ext>
+            </p:extLst>
+          </p:nvPr>
+        </p:nvSpPr>
+        <p:spPr>
+          <a:xfrm>
+            <a:off x="0" y="2358676"/>
+            <a:ext cx="12191990" cy="4545429"/>
+          </a:xfrm>
+          <a:prstGeom prst="rect">
+            <a:avLst/>
+          </a:prstGeom>
+          <a:solidFill>
+            <a:schemeClr val="bg1">
+              <a:lumMod val="95000"/>
+            </a:schemeClr>
+          </a:solidFill>
+          <a:ln>
+            <a:noFill/>
+          </a:ln>
+        </p:spPr>
+        <p:style>
+          <a:lnRef idx="2">
+            <a:schemeClr val="accent1">
+              <a:shade val="50000"/>
+            </a:schemeClr>
+          </a:lnRef>
+          <a:fillRef idx="1">
+            <a:schemeClr val="accent1"/>
+          </a:fillRef>
+          <a:effectRef idx="0">
+            <a:schemeClr val="accent1"/>
+          </a:effectRef>
+          <a:fontRef idx="minor">
+            <a:schemeClr val="lt1"/>
+          </a:fontRef>
+        </p:style>
+        <p:txBody>
+          <a:bodyPr rtlCol="0" anchor="ctr"/>
+          <a:lstStyle/>
+          <a:p>
+            <a:pPr algn="ctr"/>
+            <a:endParaRPr lang="en-US"/>
           </a:p>
         </p:txBody>
       </p:sp>
@@ -3650,12 +4608,115 @@
             <p:ph type="subTitle" idx="1"/>
           </p:nvPr>
         </p:nvSpPr>
-        <p:spPr/>
-        <p:txBody>
-          <a:bodyPr/>
-          <a:lstStyle/>
-          <a:p>
-            <a:endParaRPr kumimoji="1" lang="ja-JP" altLang="en-US"/>
+        <p:spPr>
+          <a:xfrm>
+            <a:off x="1155558" y="3100284"/>
+            <a:ext cx="9889793" cy="3114237"/>
+          </a:xfrm>
+        </p:spPr>
+        <p:txBody>
+          <a:bodyPr anchor="t">
+            <a:normAutofit/>
+          </a:bodyPr>
+          <a:lstStyle/>
+          <a:p>
+            <a:pPr algn="l"/>
+            <a:r>
+              <a:rPr lang="ja-JP" altLang="en-US" sz="2800" b="1" dirty="0"/>
+              <a:t>テーマ：葛尾村の水道管理を効率化するアプリを作る</a:t>
+            </a:r>
+            <a:endParaRPr lang="en-US" altLang="ja-JP" sz="2800" b="1" dirty="0"/>
+          </a:p>
+          <a:p>
+            <a:pPr algn="l"/>
+            <a:endParaRPr lang="en-US" altLang="ja-JP" sz="2800" b="1" dirty="0"/>
+          </a:p>
+          <a:p>
+            <a:pPr algn="l"/>
+            <a:r>
+              <a:rPr lang="ja-JP" altLang="en-US" sz="2800" b="1" dirty="0"/>
+              <a:t>チーム：マイマイマー</a:t>
+            </a:r>
+            <a:endParaRPr kumimoji="1" lang="en-US" altLang="ja-JP" sz="2800" b="1" dirty="0"/>
+          </a:p>
+          <a:p>
+            <a:pPr algn="l"/>
+            <a:r>
+              <a:rPr kumimoji="1" lang="ja-JP" altLang="en-US" dirty="0"/>
+              <a:t>折笠雄翔</a:t>
+            </a:r>
+            <a:endParaRPr kumimoji="1" lang="en-US" altLang="ja-JP" dirty="0"/>
+          </a:p>
+          <a:p>
+            <a:pPr algn="l"/>
+            <a:r>
+              <a:rPr lang="ja-JP" altLang="en-US" dirty="0"/>
+              <a:t>長谷川雄大</a:t>
+            </a:r>
+            <a:endParaRPr kumimoji="1" lang="ja-JP" altLang="en-US" dirty="0"/>
+          </a:p>
+        </p:txBody>
+      </p:sp>
+      <p:sp>
+        <p:nvSpPr>
+          <p:cNvPr id="7" name="Rectangle 11">
+            <a:extLst>
+              <a:ext uri="{FF2B5EF4-FFF2-40B4-BE49-F238E27FC236}">
+                <a16:creationId xmlns:a16="http://schemas.microsoft.com/office/drawing/2014/main" id="{38CE886A-266A-45DB-B141-3271799F49BD}"/>
+              </a:ext>
+              <a:ext uri="{C183D7F6-B498-43B3-948B-1728B52AA6E4}">
+                <adec:decorative xmlns:adec="http://schemas.microsoft.com/office/drawing/2017/decorative" val="1"/>
+              </a:ext>
+            </a:extLst>
+          </p:cNvPr>
+          <p:cNvSpPr>
+            <a:spLocks noGrp="1" noRot="1" noChangeAspect="1" noMove="1" noResize="1" noEditPoints="1" noAdjustHandles="1" noChangeArrowheads="1" noChangeShapeType="1" noTextEdit="1"/>
+          </p:cNvSpPr>
+          <p:nvPr>
+            <p:extLst>
+              <p:ext uri="{386F3935-93C4-4BCD-93E2-E3B085C9AB24}">
+                <p16:designElem xmlns:p16="http://schemas.microsoft.com/office/powerpoint/2015/main" val="1"/>
+              </p:ext>
+            </p:extLst>
+          </p:nvPr>
+        </p:nvSpPr>
+        <p:spPr>
+          <a:xfrm>
+            <a:off x="1156851" y="2893697"/>
+            <a:ext cx="457200" cy="45720"/>
+          </a:xfrm>
+          <a:prstGeom prst="rect">
+            <a:avLst/>
+          </a:prstGeom>
+          <a:solidFill>
+            <a:schemeClr val="tx1"/>
+          </a:solidFill>
+          <a:ln>
+            <a:noFill/>
+          </a:ln>
+        </p:spPr>
+        <p:style>
+          <a:lnRef idx="2">
+            <a:schemeClr val="accent1">
+              <a:shade val="50000"/>
+            </a:schemeClr>
+          </a:lnRef>
+          <a:fillRef idx="1">
+            <a:schemeClr val="accent1"/>
+          </a:fillRef>
+          <a:effectRef idx="0">
+            <a:schemeClr val="accent1"/>
+          </a:effectRef>
+          <a:fontRef idx="minor">
+            <a:schemeClr val="lt1"/>
+          </a:fontRef>
+        </p:style>
+        <p:txBody>
+          <a:bodyPr rtlCol="0" anchor="ctr"/>
+          <a:lstStyle/>
+          <a:p>
+            <a:pPr algn="ctr"/>
+            <a:endParaRPr lang="en-US"/>
           </a:p>
         </p:txBody>
       </p:sp>
@@ -3663,6 +4724,3556 @@
     <p:extLst>
       <p:ext uri="{BB962C8B-B14F-4D97-AF65-F5344CB8AC3E}">
         <p14:creationId xmlns:p14="http://schemas.microsoft.com/office/powerpoint/2010/main" val="2229566864"/>
+      </p:ext>
+    </p:extLst>
+  </p:cSld>
+  <p:clrMapOvr>
+    <a:masterClrMapping/>
+  </p:clrMapOvr>
+</p:sld>
+</file>
+
+<file path=ppt/slides/slide10.xml><?xml version="1.0" encoding="utf-8"?>
+<p:sld xmlns:a="http://schemas.openxmlformats.org/drawingml/2006/main" xmlns:r="http://schemas.openxmlformats.org/officeDocument/2006/relationships" xmlns:p="http://schemas.openxmlformats.org/presentationml/2006/main">
+  <p:cSld>
+    <p:spTree>
+      <p:nvGrpSpPr>
+        <p:cNvPr id="1" name="">
+          <a:extLst>
+            <a:ext uri="{FF2B5EF4-FFF2-40B4-BE49-F238E27FC236}">
+              <a16:creationId xmlns:a16="http://schemas.microsoft.com/office/drawing/2014/main" id="{C8C217A6-B87E-B275-3B39-9E6E2E836C20}"/>
+            </a:ext>
+          </a:extLst>
+        </p:cNvPr>
+        <p:cNvGrpSpPr/>
+        <p:nvPr/>
+      </p:nvGrpSpPr>
+      <p:grpSpPr>
+        <a:xfrm>
+          <a:off x="0" y="0"/>
+          <a:ext cx="0" cy="0"/>
+          <a:chOff x="0" y="0"/>
+          <a:chExt cx="0" cy="0"/>
+        </a:xfrm>
+      </p:grpSpPr>
+      <p:sp>
+        <p:nvSpPr>
+          <p:cNvPr id="2" name="タイトル 1">
+            <a:extLst>
+              <a:ext uri="{FF2B5EF4-FFF2-40B4-BE49-F238E27FC236}">
+                <a16:creationId xmlns:a16="http://schemas.microsoft.com/office/drawing/2014/main" id="{DACB9DAD-6124-A16B-B59A-0AC0351DD0A9}"/>
+              </a:ext>
+            </a:extLst>
+          </p:cNvPr>
+          <p:cNvSpPr>
+            <a:spLocks noGrp="1"/>
+          </p:cNvSpPr>
+          <p:nvPr>
+            <p:ph type="title"/>
+          </p:nvPr>
+        </p:nvSpPr>
+        <p:spPr>
+          <a:xfrm>
+            <a:off x="2016842" y="2766218"/>
+            <a:ext cx="8158316" cy="1325563"/>
+          </a:xfrm>
+        </p:spPr>
+        <p:txBody>
+          <a:bodyPr/>
+          <a:lstStyle/>
+          <a:p>
+            <a:r>
+              <a:rPr lang="ja-JP" altLang="en-US" dirty="0"/>
+              <a:t>ご清聴ありがとうございました。</a:t>
+            </a:r>
+            <a:endParaRPr kumimoji="1" lang="ja-JP" altLang="en-US" dirty="0"/>
+          </a:p>
+        </p:txBody>
+      </p:sp>
+    </p:spTree>
+    <p:extLst>
+      <p:ext uri="{BB962C8B-B14F-4D97-AF65-F5344CB8AC3E}">
+        <p14:creationId xmlns:p14="http://schemas.microsoft.com/office/powerpoint/2010/main" val="1738402980"/>
+      </p:ext>
+    </p:extLst>
+  </p:cSld>
+  <p:clrMapOvr>
+    <a:masterClrMapping/>
+  </p:clrMapOvr>
+</p:sld>
+</file>
+
+<file path=ppt/slides/slide2.xml><?xml version="1.0" encoding="utf-8"?>
+<p:sld xmlns:a="http://schemas.openxmlformats.org/drawingml/2006/main" xmlns:r="http://schemas.openxmlformats.org/officeDocument/2006/relationships" xmlns:p="http://schemas.openxmlformats.org/presentationml/2006/main">
+  <p:cSld>
+    <p:bg>
+      <p:bgPr>
+        <a:solidFill>
+          <a:schemeClr val="bg2">
+            <a:lumMod val="10000"/>
+          </a:schemeClr>
+        </a:solidFill>
+        <a:effectLst/>
+      </p:bgPr>
+    </p:bg>
+    <p:spTree>
+      <p:nvGrpSpPr>
+        <p:cNvPr id="1" name=""/>
+        <p:cNvGrpSpPr/>
+        <p:nvPr/>
+      </p:nvGrpSpPr>
+      <p:grpSpPr>
+        <a:xfrm>
+          <a:off x="0" y="0"/>
+          <a:ext cx="0" cy="0"/>
+          <a:chOff x="0" y="0"/>
+          <a:chExt cx="0" cy="0"/>
+        </a:xfrm>
+      </p:grpSpPr>
+      <p:sp>
+        <p:nvSpPr>
+          <p:cNvPr id="8" name="Rectangle 7">
+            <a:extLst>
+              <a:ext uri="{FF2B5EF4-FFF2-40B4-BE49-F238E27FC236}">
+                <a16:creationId xmlns:a16="http://schemas.microsoft.com/office/drawing/2014/main" id="{70DFC902-7D23-471A-B557-B6B6917D7A0D}"/>
+              </a:ext>
+              <a:ext uri="{C183D7F6-B498-43B3-948B-1728B52AA6E4}">
+                <adec:decorative xmlns:adec="http://schemas.microsoft.com/office/drawing/2017/decorative" val="1"/>
+              </a:ext>
+            </a:extLst>
+          </p:cNvPr>
+          <p:cNvSpPr>
+            <a:spLocks noGrp="1" noRot="1" noChangeAspect="1" noMove="1" noResize="1" noEditPoints="1" noAdjustHandles="1" noChangeArrowheads="1" noChangeShapeType="1" noTextEdit="1"/>
+          </p:cNvSpPr>
+          <p:nvPr>
+            <p:extLst>
+              <p:ext uri="{386F3935-93C4-4BCD-93E2-E3B085C9AB24}">
+                <p16:designElem xmlns:p16="http://schemas.microsoft.com/office/powerpoint/2015/main" val="1"/>
+              </p:ext>
+            </p:extLst>
+          </p:nvPr>
+        </p:nvSpPr>
+        <p:spPr>
+          <a:xfrm>
+            <a:off x="10" y="-5705"/>
+            <a:ext cx="12191990" cy="1694346"/>
+          </a:xfrm>
+          <a:prstGeom prst="rect">
+            <a:avLst/>
+          </a:prstGeom>
+          <a:solidFill>
+            <a:schemeClr val="tx1">
+              <a:lumMod val="85000"/>
+              <a:lumOff val="15000"/>
+            </a:schemeClr>
+          </a:solidFill>
+          <a:ln>
+            <a:noFill/>
+          </a:ln>
+        </p:spPr>
+        <p:style>
+          <a:lnRef idx="2">
+            <a:schemeClr val="accent1">
+              <a:shade val="50000"/>
+            </a:schemeClr>
+          </a:lnRef>
+          <a:fillRef idx="1">
+            <a:schemeClr val="accent1"/>
+          </a:fillRef>
+          <a:effectRef idx="0">
+            <a:schemeClr val="accent1"/>
+          </a:effectRef>
+          <a:fontRef idx="minor">
+            <a:schemeClr val="lt1"/>
+          </a:fontRef>
+        </p:style>
+        <p:txBody>
+          <a:bodyPr rtlCol="0" anchor="ctr"/>
+          <a:lstStyle/>
+          <a:p>
+            <a:pPr algn="ctr"/>
+            <a:endParaRPr lang="en-US"/>
+          </a:p>
+        </p:txBody>
+      </p:sp>
+      <p:sp>
+        <p:nvSpPr>
+          <p:cNvPr id="2" name="タイトル 1">
+            <a:extLst>
+              <a:ext uri="{FF2B5EF4-FFF2-40B4-BE49-F238E27FC236}">
+                <a16:creationId xmlns:a16="http://schemas.microsoft.com/office/drawing/2014/main" id="{6D071344-BD6E-497C-1E9F-A808B85E6E46}"/>
+              </a:ext>
+            </a:extLst>
+          </p:cNvPr>
+          <p:cNvSpPr>
+            <a:spLocks noGrp="1"/>
+          </p:cNvSpPr>
+          <p:nvPr>
+            <p:ph type="title"/>
+          </p:nvPr>
+        </p:nvSpPr>
+        <p:spPr>
+          <a:xfrm>
+            <a:off x="1156851" y="637762"/>
+            <a:ext cx="9888496" cy="900131"/>
+          </a:xfrm>
+        </p:spPr>
+        <p:txBody>
+          <a:bodyPr anchor="t">
+            <a:normAutofit/>
+          </a:bodyPr>
+          <a:lstStyle/>
+          <a:p>
+            <a:r>
+              <a:rPr kumimoji="1" lang="ja-JP" altLang="en-US" sz="4000" dirty="0">
+                <a:solidFill>
+                  <a:schemeClr val="bg1"/>
+                </a:solidFill>
+              </a:rPr>
+              <a:t>自分たちが考える課題</a:t>
+            </a:r>
+          </a:p>
+        </p:txBody>
+      </p:sp>
+      <p:sp>
+        <p:nvSpPr>
+          <p:cNvPr id="10" name="Rectangle 9">
+            <a:extLst>
+              <a:ext uri="{FF2B5EF4-FFF2-40B4-BE49-F238E27FC236}">
+                <a16:creationId xmlns:a16="http://schemas.microsoft.com/office/drawing/2014/main" id="{A55D5633-D557-4DCA-982C-FF36EB7A1C00}"/>
+              </a:ext>
+              <a:ext uri="{C183D7F6-B498-43B3-948B-1728B52AA6E4}">
+                <adec:decorative xmlns:adec="http://schemas.microsoft.com/office/drawing/2017/decorative" val="1"/>
+              </a:ext>
+            </a:extLst>
+          </p:cNvPr>
+          <p:cNvSpPr>
+            <a:spLocks noGrp="1" noRot="1" noChangeAspect="1" noMove="1" noResize="1" noEditPoints="1" noAdjustHandles="1" noChangeArrowheads="1" noChangeShapeType="1" noTextEdit="1"/>
+          </p:cNvSpPr>
+          <p:nvPr>
+            <p:extLst>
+              <p:ext uri="{386F3935-93C4-4BCD-93E2-E3B085C9AB24}">
+                <p16:designElem xmlns:p16="http://schemas.microsoft.com/office/powerpoint/2015/main" val="1"/>
+              </p:ext>
+            </p:extLst>
+          </p:nvPr>
+        </p:nvSpPr>
+        <p:spPr>
+          <a:xfrm>
+            <a:off x="0" y="1688641"/>
+            <a:ext cx="12191990" cy="5169359"/>
+          </a:xfrm>
+          <a:prstGeom prst="rect">
+            <a:avLst/>
+          </a:prstGeom>
+          <a:solidFill>
+            <a:schemeClr val="bg1">
+              <a:lumMod val="95000"/>
+            </a:schemeClr>
+          </a:solidFill>
+          <a:ln>
+            <a:noFill/>
+          </a:ln>
+        </p:spPr>
+        <p:style>
+          <a:lnRef idx="2">
+            <a:schemeClr val="accent1">
+              <a:shade val="50000"/>
+            </a:schemeClr>
+          </a:lnRef>
+          <a:fillRef idx="1">
+            <a:schemeClr val="accent1"/>
+          </a:fillRef>
+          <a:effectRef idx="0">
+            <a:schemeClr val="accent1"/>
+          </a:effectRef>
+          <a:fontRef idx="minor">
+            <a:schemeClr val="lt1"/>
+          </a:fontRef>
+        </p:style>
+        <p:txBody>
+          <a:bodyPr rtlCol="0" anchor="ctr"/>
+          <a:lstStyle/>
+          <a:p>
+            <a:pPr algn="ctr"/>
+            <a:endParaRPr lang="en-US"/>
+          </a:p>
+        </p:txBody>
+      </p:sp>
+      <p:sp>
+        <p:nvSpPr>
+          <p:cNvPr id="12" name="Rectangle 11">
+            <a:extLst>
+              <a:ext uri="{FF2B5EF4-FFF2-40B4-BE49-F238E27FC236}">
+                <a16:creationId xmlns:a16="http://schemas.microsoft.com/office/drawing/2014/main" id="{450D3AD2-FA80-415F-A9CE-54D884561CD7}"/>
+              </a:ext>
+              <a:ext uri="{C183D7F6-B498-43B3-948B-1728B52AA6E4}">
+                <adec:decorative xmlns:adec="http://schemas.microsoft.com/office/drawing/2017/decorative" val="1"/>
+              </a:ext>
+            </a:extLst>
+          </p:cNvPr>
+          <p:cNvSpPr>
+            <a:spLocks noGrp="1" noRot="1" noChangeAspect="1" noMove="1" noResize="1" noEditPoints="1" noAdjustHandles="1" noChangeArrowheads="1" noChangeShapeType="1" noTextEdit="1"/>
+          </p:cNvSpPr>
+          <p:nvPr>
+            <p:extLst>
+              <p:ext uri="{386F3935-93C4-4BCD-93E2-E3B085C9AB24}">
+                <p16:designElem xmlns:p16="http://schemas.microsoft.com/office/powerpoint/2015/main" val="1"/>
+              </p:ext>
+            </p:extLst>
+          </p:nvPr>
+        </p:nvSpPr>
+        <p:spPr>
+          <a:xfrm>
+            <a:off x="1156851" y="2010758"/>
+            <a:ext cx="457190" cy="45719"/>
+          </a:xfrm>
+          <a:prstGeom prst="rect">
+            <a:avLst/>
+          </a:prstGeom>
+          <a:solidFill>
+            <a:schemeClr val="tx1"/>
+          </a:solidFill>
+          <a:ln>
+            <a:noFill/>
+          </a:ln>
+        </p:spPr>
+        <p:style>
+          <a:lnRef idx="2">
+            <a:schemeClr val="accent1">
+              <a:shade val="50000"/>
+            </a:schemeClr>
+          </a:lnRef>
+          <a:fillRef idx="1">
+            <a:schemeClr val="accent1"/>
+          </a:fillRef>
+          <a:effectRef idx="0">
+            <a:schemeClr val="accent1"/>
+          </a:effectRef>
+          <a:fontRef idx="minor">
+            <a:schemeClr val="lt1"/>
+          </a:fontRef>
+        </p:style>
+        <p:txBody>
+          <a:bodyPr rtlCol="0" anchor="ctr"/>
+          <a:lstStyle/>
+          <a:p>
+            <a:pPr algn="ctr"/>
+            <a:endParaRPr lang="en-US"/>
+          </a:p>
+        </p:txBody>
+      </p:sp>
+      <p:sp>
+        <p:nvSpPr>
+          <p:cNvPr id="3" name="コンテンツ プレースホルダー 2">
+            <a:extLst>
+              <a:ext uri="{FF2B5EF4-FFF2-40B4-BE49-F238E27FC236}">
+                <a16:creationId xmlns:a16="http://schemas.microsoft.com/office/drawing/2014/main" id="{87A15464-103D-621E-5C1E-C822BD57A2AF}"/>
+              </a:ext>
+            </a:extLst>
+          </p:cNvPr>
+          <p:cNvSpPr>
+            <a:spLocks noGrp="1"/>
+          </p:cNvSpPr>
+          <p:nvPr>
+            <p:ph idx="1"/>
+          </p:nvPr>
+        </p:nvSpPr>
+        <p:spPr>
+          <a:xfrm>
+            <a:off x="1164454" y="2630298"/>
+            <a:ext cx="9880893" cy="3959619"/>
+          </a:xfrm>
+        </p:spPr>
+        <p:txBody>
+          <a:bodyPr>
+            <a:normAutofit/>
+          </a:bodyPr>
+          <a:lstStyle/>
+          <a:p>
+            <a:pPr marL="0" indent="0">
+              <a:buNone/>
+            </a:pPr>
+            <a:r>
+              <a:rPr lang="ja-JP" altLang="en-US" sz="2400" dirty="0"/>
+              <a:t> </a:t>
+            </a:r>
+            <a:endParaRPr lang="en-US" altLang="ja-JP" sz="2400" dirty="0"/>
+          </a:p>
+          <a:p>
+            <a:r>
+              <a:rPr lang="ja-JP" altLang="en-US" sz="4000" b="1" dirty="0">
+                <a:solidFill>
+                  <a:schemeClr val="tx1">
+                    <a:lumMod val="75000"/>
+                    <a:lumOff val="25000"/>
+                  </a:schemeClr>
+                </a:solidFill>
+              </a:rPr>
+              <a:t>紙媒体の使い勝手の悪さ</a:t>
+            </a:r>
+            <a:endParaRPr lang="en-US" altLang="ja-JP" sz="4000" b="1" dirty="0">
+              <a:solidFill>
+                <a:schemeClr val="tx1">
+                  <a:lumMod val="75000"/>
+                  <a:lumOff val="25000"/>
+                </a:schemeClr>
+              </a:solidFill>
+            </a:endParaRPr>
+          </a:p>
+          <a:p>
+            <a:endParaRPr lang="en-US" altLang="ja-JP" sz="4000" b="1" dirty="0">
+              <a:solidFill>
+                <a:schemeClr val="tx1">
+                  <a:lumMod val="75000"/>
+                  <a:lumOff val="25000"/>
+                </a:schemeClr>
+              </a:solidFill>
+            </a:endParaRPr>
+          </a:p>
+          <a:p>
+            <a:r>
+              <a:rPr lang="ja-JP" altLang="en-US" sz="4000" b="1" dirty="0">
+                <a:solidFill>
+                  <a:schemeClr val="tx1">
+                    <a:lumMod val="75000"/>
+                    <a:lumOff val="25000"/>
+                  </a:schemeClr>
+                </a:solidFill>
+              </a:rPr>
+              <a:t>入力データが正常かどうかがわからない</a:t>
+            </a:r>
+            <a:endParaRPr lang="en-US" altLang="ja-JP" sz="4000" b="1" dirty="0">
+              <a:solidFill>
+                <a:schemeClr val="tx1">
+                  <a:lumMod val="75000"/>
+                  <a:lumOff val="25000"/>
+                </a:schemeClr>
+              </a:solidFill>
+            </a:endParaRPr>
+          </a:p>
+          <a:p>
+            <a:pPr marL="457200" lvl="1" indent="0">
+              <a:buNone/>
+            </a:pPr>
+            <a:r>
+              <a:rPr lang="en-US" altLang="ja-JP" dirty="0"/>
+              <a:t>	</a:t>
+            </a:r>
+          </a:p>
+        </p:txBody>
+      </p:sp>
+    </p:spTree>
+    <p:extLst>
+      <p:ext uri="{BB962C8B-B14F-4D97-AF65-F5344CB8AC3E}">
+        <p14:creationId xmlns:p14="http://schemas.microsoft.com/office/powerpoint/2010/main" val="1540692925"/>
+      </p:ext>
+    </p:extLst>
+  </p:cSld>
+  <p:clrMapOvr>
+    <a:masterClrMapping/>
+  </p:clrMapOvr>
+</p:sld>
+</file>
+
+<file path=ppt/slides/slide3.xml><?xml version="1.0" encoding="utf-8"?>
+<p:sld xmlns:a="http://schemas.openxmlformats.org/drawingml/2006/main" xmlns:r="http://schemas.openxmlformats.org/officeDocument/2006/relationships" xmlns:p="http://schemas.openxmlformats.org/presentationml/2006/main">
+  <p:cSld>
+    <p:spTree>
+      <p:nvGrpSpPr>
+        <p:cNvPr id="1" name="">
+          <a:extLst>
+            <a:ext uri="{FF2B5EF4-FFF2-40B4-BE49-F238E27FC236}">
+              <a16:creationId xmlns:a16="http://schemas.microsoft.com/office/drawing/2014/main" id="{F294D5C9-F45D-490A-2F22-869A00959986}"/>
+            </a:ext>
+          </a:extLst>
+        </p:cNvPr>
+        <p:cNvGrpSpPr/>
+        <p:nvPr/>
+      </p:nvGrpSpPr>
+      <p:grpSpPr>
+        <a:xfrm>
+          <a:off x="0" y="0"/>
+          <a:ext cx="0" cy="0"/>
+          <a:chOff x="0" y="0"/>
+          <a:chExt cx="0" cy="0"/>
+        </a:xfrm>
+      </p:grpSpPr>
+      <p:sp>
+        <p:nvSpPr>
+          <p:cNvPr id="8" name="Rectangle 7">
+            <a:extLst>
+              <a:ext uri="{FF2B5EF4-FFF2-40B4-BE49-F238E27FC236}">
+                <a16:creationId xmlns:a16="http://schemas.microsoft.com/office/drawing/2014/main" id="{55ED77F5-91E5-C8EA-8180-E26CDFC662B4}"/>
+              </a:ext>
+              <a:ext uri="{C183D7F6-B498-43B3-948B-1728B52AA6E4}">
+                <adec:decorative xmlns:adec="http://schemas.microsoft.com/office/drawing/2017/decorative" val="1"/>
+              </a:ext>
+            </a:extLst>
+          </p:cNvPr>
+          <p:cNvSpPr>
+            <a:spLocks noGrp="1" noRot="1" noChangeAspect="1" noMove="1" noResize="1" noEditPoints="1" noAdjustHandles="1" noChangeArrowheads="1" noChangeShapeType="1" noTextEdit="1"/>
+          </p:cNvSpPr>
+          <p:nvPr>
+            <p:extLst>
+              <p:ext uri="{386F3935-93C4-4BCD-93E2-E3B085C9AB24}">
+                <p16:designElem xmlns:p16="http://schemas.microsoft.com/office/powerpoint/2015/main" val="1"/>
+              </p:ext>
+            </p:extLst>
+          </p:nvPr>
+        </p:nvSpPr>
+        <p:spPr>
+          <a:xfrm>
+            <a:off x="10" y="-5705"/>
+            <a:ext cx="12191990" cy="1694346"/>
+          </a:xfrm>
+          <a:prstGeom prst="rect">
+            <a:avLst/>
+          </a:prstGeom>
+          <a:solidFill>
+            <a:schemeClr val="tx1">
+              <a:lumMod val="85000"/>
+              <a:lumOff val="15000"/>
+            </a:schemeClr>
+          </a:solidFill>
+          <a:ln>
+            <a:noFill/>
+          </a:ln>
+        </p:spPr>
+        <p:style>
+          <a:lnRef idx="2">
+            <a:schemeClr val="accent1">
+              <a:shade val="50000"/>
+            </a:schemeClr>
+          </a:lnRef>
+          <a:fillRef idx="1">
+            <a:schemeClr val="accent1"/>
+          </a:fillRef>
+          <a:effectRef idx="0">
+            <a:schemeClr val="accent1"/>
+          </a:effectRef>
+          <a:fontRef idx="minor">
+            <a:schemeClr val="lt1"/>
+          </a:fontRef>
+        </p:style>
+        <p:txBody>
+          <a:bodyPr rtlCol="0" anchor="ctr"/>
+          <a:lstStyle/>
+          <a:p>
+            <a:pPr algn="ctr"/>
+            <a:endParaRPr lang="en-US"/>
+          </a:p>
+        </p:txBody>
+      </p:sp>
+      <p:sp>
+        <p:nvSpPr>
+          <p:cNvPr id="10" name="Rectangle 9">
+            <a:extLst>
+              <a:ext uri="{FF2B5EF4-FFF2-40B4-BE49-F238E27FC236}">
+                <a16:creationId xmlns:a16="http://schemas.microsoft.com/office/drawing/2014/main" id="{166D5120-82DD-A0C6-6FEC-479FE15322CC}"/>
+              </a:ext>
+              <a:ext uri="{C183D7F6-B498-43B3-948B-1728B52AA6E4}">
+                <adec:decorative xmlns:adec="http://schemas.microsoft.com/office/drawing/2017/decorative" val="1"/>
+              </a:ext>
+            </a:extLst>
+          </p:cNvPr>
+          <p:cNvSpPr>
+            <a:spLocks noGrp="1" noRot="1" noChangeAspect="1" noMove="1" noResize="1" noEditPoints="1" noAdjustHandles="1" noChangeArrowheads="1" noChangeShapeType="1" noTextEdit="1"/>
+          </p:cNvSpPr>
+          <p:nvPr>
+            <p:extLst>
+              <p:ext uri="{386F3935-93C4-4BCD-93E2-E3B085C9AB24}">
+                <p16:designElem xmlns:p16="http://schemas.microsoft.com/office/powerpoint/2015/main" val="1"/>
+              </p:ext>
+            </p:extLst>
+          </p:nvPr>
+        </p:nvSpPr>
+        <p:spPr>
+          <a:xfrm>
+            <a:off x="0" y="1688641"/>
+            <a:ext cx="12191990" cy="5169359"/>
+          </a:xfrm>
+          <a:prstGeom prst="rect">
+            <a:avLst/>
+          </a:prstGeom>
+          <a:solidFill>
+            <a:schemeClr val="bg1">
+              <a:lumMod val="95000"/>
+            </a:schemeClr>
+          </a:solidFill>
+          <a:ln>
+            <a:noFill/>
+          </a:ln>
+        </p:spPr>
+        <p:style>
+          <a:lnRef idx="2">
+            <a:schemeClr val="accent1">
+              <a:shade val="50000"/>
+            </a:schemeClr>
+          </a:lnRef>
+          <a:fillRef idx="1">
+            <a:schemeClr val="accent1"/>
+          </a:fillRef>
+          <a:effectRef idx="0">
+            <a:schemeClr val="accent1"/>
+          </a:effectRef>
+          <a:fontRef idx="minor">
+            <a:schemeClr val="lt1"/>
+          </a:fontRef>
+        </p:style>
+        <p:txBody>
+          <a:bodyPr rtlCol="0" anchor="ctr"/>
+          <a:lstStyle/>
+          <a:p>
+            <a:pPr algn="ctr"/>
+            <a:endParaRPr lang="en-US"/>
+          </a:p>
+        </p:txBody>
+      </p:sp>
+      <p:sp>
+        <p:nvSpPr>
+          <p:cNvPr id="12" name="Rectangle 11">
+            <a:extLst>
+              <a:ext uri="{FF2B5EF4-FFF2-40B4-BE49-F238E27FC236}">
+                <a16:creationId xmlns:a16="http://schemas.microsoft.com/office/drawing/2014/main" id="{80278BF6-37C8-A09F-6C40-EF4E65464A17}"/>
+              </a:ext>
+              <a:ext uri="{C183D7F6-B498-43B3-948B-1728B52AA6E4}">
+                <adec:decorative xmlns:adec="http://schemas.microsoft.com/office/drawing/2017/decorative" val="1"/>
+              </a:ext>
+            </a:extLst>
+          </p:cNvPr>
+          <p:cNvSpPr>
+            <a:spLocks noGrp="1" noRot="1" noChangeAspect="1" noMove="1" noResize="1" noEditPoints="1" noAdjustHandles="1" noChangeArrowheads="1" noChangeShapeType="1" noTextEdit="1"/>
+          </p:cNvSpPr>
+          <p:nvPr>
+            <p:extLst>
+              <p:ext uri="{386F3935-93C4-4BCD-93E2-E3B085C9AB24}">
+                <p16:designElem xmlns:p16="http://schemas.microsoft.com/office/powerpoint/2015/main" val="1"/>
+              </p:ext>
+            </p:extLst>
+          </p:nvPr>
+        </p:nvSpPr>
+        <p:spPr>
+          <a:xfrm>
+            <a:off x="1156851" y="2010758"/>
+            <a:ext cx="457190" cy="45719"/>
+          </a:xfrm>
+          <a:prstGeom prst="rect">
+            <a:avLst/>
+          </a:prstGeom>
+          <a:solidFill>
+            <a:schemeClr val="tx1"/>
+          </a:solidFill>
+          <a:ln>
+            <a:noFill/>
+          </a:ln>
+        </p:spPr>
+        <p:style>
+          <a:lnRef idx="2">
+            <a:schemeClr val="accent1">
+              <a:shade val="50000"/>
+            </a:schemeClr>
+          </a:lnRef>
+          <a:fillRef idx="1">
+            <a:schemeClr val="accent1"/>
+          </a:fillRef>
+          <a:effectRef idx="0">
+            <a:schemeClr val="accent1"/>
+          </a:effectRef>
+          <a:fontRef idx="minor">
+            <a:schemeClr val="lt1"/>
+          </a:fontRef>
+        </p:style>
+        <p:txBody>
+          <a:bodyPr rtlCol="0" anchor="ctr"/>
+          <a:lstStyle/>
+          <a:p>
+            <a:pPr algn="ctr"/>
+            <a:endParaRPr lang="en-US"/>
+          </a:p>
+        </p:txBody>
+      </p:sp>
+      <p:sp>
+        <p:nvSpPr>
+          <p:cNvPr id="9" name="タイトル 1">
+            <a:extLst>
+              <a:ext uri="{FF2B5EF4-FFF2-40B4-BE49-F238E27FC236}">
+                <a16:creationId xmlns:a16="http://schemas.microsoft.com/office/drawing/2014/main" id="{856F6928-7CFC-3593-6260-033218066366}"/>
+              </a:ext>
+            </a:extLst>
+          </p:cNvPr>
+          <p:cNvSpPr txBox="1">
+            <a:spLocks/>
+          </p:cNvSpPr>
+          <p:nvPr/>
+        </p:nvSpPr>
+        <p:spPr>
+          <a:xfrm>
+            <a:off x="1156851" y="18101"/>
+            <a:ext cx="10515600" cy="1325563"/>
+          </a:xfrm>
+          <a:prstGeom prst="rect">
+            <a:avLst/>
+          </a:prstGeom>
+        </p:spPr>
+        <p:txBody>
+          <a:bodyPr vert="horz" lIns="91440" tIns="45720" rIns="91440" bIns="45720" rtlCol="0" anchor="b">
+            <a:normAutofit/>
+          </a:bodyPr>
+          <a:lstStyle>
+            <a:lvl1pPr algn="ctr" defTabSz="914400" rtl="0" eaLnBrk="1" latinLnBrk="0" hangingPunct="1">
+              <a:lnSpc>
+                <a:spcPct val="90000"/>
+              </a:lnSpc>
+              <a:spcBef>
+                <a:spcPct val="0"/>
+              </a:spcBef>
+              <a:buNone/>
+              <a:defRPr kumimoji="1" sz="6000" kern="1200">
+                <a:solidFill>
+                  <a:schemeClr val="tx1"/>
+                </a:solidFill>
+                <a:latin typeface="+mj-lt"/>
+                <a:ea typeface="+mj-ea"/>
+                <a:cs typeface="+mj-cs"/>
+              </a:defRPr>
+            </a:lvl1pPr>
+          </a:lstStyle>
+          <a:p>
+            <a:pPr algn="l"/>
+            <a:r>
+              <a:rPr lang="ja-JP" altLang="en-US" sz="4000" dirty="0">
+                <a:solidFill>
+                  <a:schemeClr val="bg1"/>
+                </a:solidFill>
+              </a:rPr>
+              <a:t>自分たちが考える課題と解決</a:t>
+            </a:r>
+            <a:r>
+              <a:rPr lang="en-US" altLang="ja-JP" sz="4000" dirty="0">
+                <a:solidFill>
+                  <a:schemeClr val="bg1"/>
+                </a:solidFill>
+              </a:rPr>
+              <a:t>1.1</a:t>
+            </a:r>
+            <a:endParaRPr lang="ja-JP" altLang="en-US" sz="4000" dirty="0">
+              <a:solidFill>
+                <a:schemeClr val="bg1"/>
+              </a:solidFill>
+            </a:endParaRPr>
+          </a:p>
+        </p:txBody>
+      </p:sp>
+      <p:sp>
+        <p:nvSpPr>
+          <p:cNvPr id="11" name="コンテンツ プレースホルダー 2">
+            <a:extLst>
+              <a:ext uri="{FF2B5EF4-FFF2-40B4-BE49-F238E27FC236}">
+                <a16:creationId xmlns:a16="http://schemas.microsoft.com/office/drawing/2014/main" id="{ACE2B7D1-AC67-DBFD-E4C9-4B9AA32D0786}"/>
+              </a:ext>
+            </a:extLst>
+          </p:cNvPr>
+          <p:cNvSpPr txBox="1">
+            <a:spLocks/>
+          </p:cNvSpPr>
+          <p:nvPr/>
+        </p:nvSpPr>
+        <p:spPr>
+          <a:xfrm>
+            <a:off x="838200" y="2378594"/>
+            <a:ext cx="10515600" cy="2135553"/>
+          </a:xfrm>
+          <a:prstGeom prst="rect">
+            <a:avLst/>
+          </a:prstGeom>
+        </p:spPr>
+        <p:txBody>
+          <a:bodyPr vert="horz" lIns="91440" tIns="45720" rIns="91440" bIns="45720" rtlCol="0">
+            <a:normAutofit/>
+          </a:bodyPr>
+          <a:lstStyle>
+            <a:lvl1pPr marL="0" indent="0" algn="ctr" defTabSz="914400" rtl="0" eaLnBrk="1" latinLnBrk="0" hangingPunct="1">
+              <a:lnSpc>
+                <a:spcPct val="90000"/>
+              </a:lnSpc>
+              <a:spcBef>
+                <a:spcPts val="1000"/>
+              </a:spcBef>
+              <a:buFont typeface="Arial" panose="020B0604020202020204" pitchFamily="34" charset="0"/>
+              <a:buNone/>
+              <a:defRPr kumimoji="1" sz="2400" kern="1200">
+                <a:solidFill>
+                  <a:schemeClr val="tx1"/>
+                </a:solidFill>
+                <a:latin typeface="+mn-lt"/>
+                <a:ea typeface="+mn-ea"/>
+                <a:cs typeface="+mn-cs"/>
+              </a:defRPr>
+            </a:lvl1pPr>
+            <a:lvl2pPr marL="457200" indent="0" algn="ctr" defTabSz="914400" rtl="0" eaLnBrk="1" latinLnBrk="0" hangingPunct="1">
+              <a:lnSpc>
+                <a:spcPct val="90000"/>
+              </a:lnSpc>
+              <a:spcBef>
+                <a:spcPts val="500"/>
+              </a:spcBef>
+              <a:buFont typeface="Arial" panose="020B0604020202020204" pitchFamily="34" charset="0"/>
+              <a:buNone/>
+              <a:defRPr kumimoji="1" sz="2000" kern="1200">
+                <a:solidFill>
+                  <a:schemeClr val="tx1"/>
+                </a:solidFill>
+                <a:latin typeface="+mn-lt"/>
+                <a:ea typeface="+mn-ea"/>
+                <a:cs typeface="+mn-cs"/>
+              </a:defRPr>
+            </a:lvl2pPr>
+            <a:lvl3pPr marL="914400" indent="0" algn="ctr" defTabSz="914400" rtl="0" eaLnBrk="1" latinLnBrk="0" hangingPunct="1">
+              <a:lnSpc>
+                <a:spcPct val="90000"/>
+              </a:lnSpc>
+              <a:spcBef>
+                <a:spcPts val="500"/>
+              </a:spcBef>
+              <a:buFont typeface="Arial" panose="020B0604020202020204" pitchFamily="34" charset="0"/>
+              <a:buNone/>
+              <a:defRPr kumimoji="1" sz="1800" kern="1200">
+                <a:solidFill>
+                  <a:schemeClr val="tx1"/>
+                </a:solidFill>
+                <a:latin typeface="+mn-lt"/>
+                <a:ea typeface="+mn-ea"/>
+                <a:cs typeface="+mn-cs"/>
+              </a:defRPr>
+            </a:lvl3pPr>
+            <a:lvl4pPr marL="1371600" indent="0" algn="ctr" defTabSz="914400" rtl="0" eaLnBrk="1" latinLnBrk="0" hangingPunct="1">
+              <a:lnSpc>
+                <a:spcPct val="90000"/>
+              </a:lnSpc>
+              <a:spcBef>
+                <a:spcPts val="500"/>
+              </a:spcBef>
+              <a:buFont typeface="Arial" panose="020B0604020202020204" pitchFamily="34" charset="0"/>
+              <a:buNone/>
+              <a:defRPr kumimoji="1" sz="1600" kern="1200">
+                <a:solidFill>
+                  <a:schemeClr val="tx1"/>
+                </a:solidFill>
+                <a:latin typeface="+mn-lt"/>
+                <a:ea typeface="+mn-ea"/>
+                <a:cs typeface="+mn-cs"/>
+              </a:defRPr>
+            </a:lvl4pPr>
+            <a:lvl5pPr marL="1828800" indent="0" algn="ctr" defTabSz="914400" rtl="0" eaLnBrk="1" latinLnBrk="0" hangingPunct="1">
+              <a:lnSpc>
+                <a:spcPct val="90000"/>
+              </a:lnSpc>
+              <a:spcBef>
+                <a:spcPts val="500"/>
+              </a:spcBef>
+              <a:buFont typeface="Arial" panose="020B0604020202020204" pitchFamily="34" charset="0"/>
+              <a:buNone/>
+              <a:defRPr kumimoji="1" sz="1600" kern="1200">
+                <a:solidFill>
+                  <a:schemeClr val="tx1"/>
+                </a:solidFill>
+                <a:latin typeface="+mn-lt"/>
+                <a:ea typeface="+mn-ea"/>
+                <a:cs typeface="+mn-cs"/>
+              </a:defRPr>
+            </a:lvl5pPr>
+            <a:lvl6pPr marL="2286000" indent="0" algn="ctr" defTabSz="914400" rtl="0" eaLnBrk="1" latinLnBrk="0" hangingPunct="1">
+              <a:lnSpc>
+                <a:spcPct val="90000"/>
+              </a:lnSpc>
+              <a:spcBef>
+                <a:spcPts val="500"/>
+              </a:spcBef>
+              <a:buFont typeface="Arial" panose="020B0604020202020204" pitchFamily="34" charset="0"/>
+              <a:buNone/>
+              <a:defRPr kumimoji="1" sz="1600" kern="1200">
+                <a:solidFill>
+                  <a:schemeClr val="tx1"/>
+                </a:solidFill>
+                <a:latin typeface="+mn-lt"/>
+                <a:ea typeface="+mn-ea"/>
+                <a:cs typeface="+mn-cs"/>
+              </a:defRPr>
+            </a:lvl6pPr>
+            <a:lvl7pPr marL="2743200" indent="0" algn="ctr" defTabSz="914400" rtl="0" eaLnBrk="1" latinLnBrk="0" hangingPunct="1">
+              <a:lnSpc>
+                <a:spcPct val="90000"/>
+              </a:lnSpc>
+              <a:spcBef>
+                <a:spcPts val="500"/>
+              </a:spcBef>
+              <a:buFont typeface="Arial" panose="020B0604020202020204" pitchFamily="34" charset="0"/>
+              <a:buNone/>
+              <a:defRPr kumimoji="1" sz="1600" kern="1200">
+                <a:solidFill>
+                  <a:schemeClr val="tx1"/>
+                </a:solidFill>
+                <a:latin typeface="+mn-lt"/>
+                <a:ea typeface="+mn-ea"/>
+                <a:cs typeface="+mn-cs"/>
+              </a:defRPr>
+            </a:lvl7pPr>
+            <a:lvl8pPr marL="3200400" indent="0" algn="ctr" defTabSz="914400" rtl="0" eaLnBrk="1" latinLnBrk="0" hangingPunct="1">
+              <a:lnSpc>
+                <a:spcPct val="90000"/>
+              </a:lnSpc>
+              <a:spcBef>
+                <a:spcPts val="500"/>
+              </a:spcBef>
+              <a:buFont typeface="Arial" panose="020B0604020202020204" pitchFamily="34" charset="0"/>
+              <a:buNone/>
+              <a:defRPr kumimoji="1" sz="1600" kern="1200">
+                <a:solidFill>
+                  <a:schemeClr val="tx1"/>
+                </a:solidFill>
+                <a:latin typeface="+mn-lt"/>
+                <a:ea typeface="+mn-ea"/>
+                <a:cs typeface="+mn-cs"/>
+              </a:defRPr>
+            </a:lvl8pPr>
+            <a:lvl9pPr marL="3657600" indent="0" algn="ctr" defTabSz="914400" rtl="0" eaLnBrk="1" latinLnBrk="0" hangingPunct="1">
+              <a:lnSpc>
+                <a:spcPct val="90000"/>
+              </a:lnSpc>
+              <a:spcBef>
+                <a:spcPts val="500"/>
+              </a:spcBef>
+              <a:buFont typeface="Arial" panose="020B0604020202020204" pitchFamily="34" charset="0"/>
+              <a:buNone/>
+              <a:defRPr kumimoji="1" sz="1600" kern="1200">
+                <a:solidFill>
+                  <a:schemeClr val="tx1"/>
+                </a:solidFill>
+                <a:latin typeface="+mn-lt"/>
+                <a:ea typeface="+mn-ea"/>
+                <a:cs typeface="+mn-cs"/>
+              </a:defRPr>
+            </a:lvl9pPr>
+          </a:lstStyle>
+          <a:p>
+            <a:pPr algn="l">
+              <a:buFont typeface="Wingdings" panose="05000000000000000000" pitchFamily="2" charset="2"/>
+              <a:buChar char="p"/>
+            </a:pPr>
+            <a:r>
+              <a:rPr lang="ja-JP" altLang="en-US" sz="2800" dirty="0"/>
+              <a:t>課題：（記録者）紙媒体の使い勝手の悪さ</a:t>
+            </a:r>
+            <a:endParaRPr lang="en-US" altLang="ja-JP" sz="2800" dirty="0"/>
+          </a:p>
+          <a:p>
+            <a:pPr marL="800100" lvl="1" indent="-342900" algn="l">
+              <a:buFont typeface="Arial" panose="020B0604020202020204" pitchFamily="34" charset="0"/>
+              <a:buChar char="•"/>
+            </a:pPr>
+            <a:r>
+              <a:rPr lang="ja-JP" altLang="en-US" sz="2400" dirty="0"/>
+              <a:t>持ち運びに難がある</a:t>
+            </a:r>
+            <a:endParaRPr lang="en-US" altLang="ja-JP" sz="2400" dirty="0"/>
+          </a:p>
+          <a:p>
+            <a:pPr marL="800100" lvl="1" indent="-342900" algn="l">
+              <a:buFont typeface="Arial" panose="020B0604020202020204" pitchFamily="34" charset="0"/>
+              <a:buChar char="•"/>
+            </a:pPr>
+            <a:r>
+              <a:rPr lang="ja-JP" altLang="en-US" sz="2400" dirty="0"/>
+              <a:t>雨だったら屋内戻ってから記入・修正が汚くなりがち</a:t>
+            </a:r>
+            <a:endParaRPr lang="en-US" altLang="ja-JP" sz="2400" dirty="0"/>
+          </a:p>
+        </p:txBody>
+      </p:sp>
+      <p:sp>
+        <p:nvSpPr>
+          <p:cNvPr id="13" name="コンテンツ プレースホルダー 2">
+            <a:extLst>
+              <a:ext uri="{FF2B5EF4-FFF2-40B4-BE49-F238E27FC236}">
+                <a16:creationId xmlns:a16="http://schemas.microsoft.com/office/drawing/2014/main" id="{D4D70030-4287-6D5A-BBAE-3943DFF162F5}"/>
+              </a:ext>
+            </a:extLst>
+          </p:cNvPr>
+          <p:cNvSpPr txBox="1">
+            <a:spLocks/>
+          </p:cNvSpPr>
+          <p:nvPr/>
+        </p:nvSpPr>
+        <p:spPr>
+          <a:xfrm>
+            <a:off x="838200" y="3858142"/>
+            <a:ext cx="10515600" cy="2107278"/>
+          </a:xfrm>
+          <a:prstGeom prst="rect">
+            <a:avLst/>
+          </a:prstGeom>
+        </p:spPr>
+        <p:txBody>
+          <a:bodyPr vert="horz" lIns="91440" tIns="45720" rIns="91440" bIns="45720" rtlCol="0">
+            <a:normAutofit/>
+          </a:bodyPr>
+          <a:lstStyle>
+            <a:lvl1pPr marL="228600" indent="-228600" algn="l" defTabSz="914400" rtl="0" eaLnBrk="1" latinLnBrk="0" hangingPunct="1">
+              <a:lnSpc>
+                <a:spcPct val="90000"/>
+              </a:lnSpc>
+              <a:spcBef>
+                <a:spcPts val="1000"/>
+              </a:spcBef>
+              <a:buFont typeface="Arial" panose="020B0604020202020204" pitchFamily="34" charset="0"/>
+              <a:buChar char="•"/>
+              <a:defRPr kumimoji="1" sz="2800" kern="1200">
+                <a:solidFill>
+                  <a:schemeClr val="tx1"/>
+                </a:solidFill>
+                <a:latin typeface="+mn-lt"/>
+                <a:ea typeface="+mn-ea"/>
+                <a:cs typeface="+mn-cs"/>
+              </a:defRPr>
+            </a:lvl1pPr>
+            <a:lvl2pPr marL="685800" indent="-228600" algn="l" defTabSz="914400" rtl="0" eaLnBrk="1" latinLnBrk="0" hangingPunct="1">
+              <a:lnSpc>
+                <a:spcPct val="90000"/>
+              </a:lnSpc>
+              <a:spcBef>
+                <a:spcPts val="500"/>
+              </a:spcBef>
+              <a:buFont typeface="Arial" panose="020B0604020202020204" pitchFamily="34" charset="0"/>
+              <a:buChar char="•"/>
+              <a:defRPr kumimoji="1" sz="2400" kern="1200">
+                <a:solidFill>
+                  <a:schemeClr val="tx1"/>
+                </a:solidFill>
+                <a:latin typeface="+mn-lt"/>
+                <a:ea typeface="+mn-ea"/>
+                <a:cs typeface="+mn-cs"/>
+              </a:defRPr>
+            </a:lvl2pPr>
+            <a:lvl3pPr marL="1143000" indent="-228600" algn="l" defTabSz="914400" rtl="0" eaLnBrk="1" latinLnBrk="0" hangingPunct="1">
+              <a:lnSpc>
+                <a:spcPct val="90000"/>
+              </a:lnSpc>
+              <a:spcBef>
+                <a:spcPts val="500"/>
+              </a:spcBef>
+              <a:buFont typeface="Arial" panose="020B0604020202020204" pitchFamily="34" charset="0"/>
+              <a:buChar char="•"/>
+              <a:defRPr kumimoji="1" sz="2000" kern="1200">
+                <a:solidFill>
+                  <a:schemeClr val="tx1"/>
+                </a:solidFill>
+                <a:latin typeface="+mn-lt"/>
+                <a:ea typeface="+mn-ea"/>
+                <a:cs typeface="+mn-cs"/>
+              </a:defRPr>
+            </a:lvl3pPr>
+            <a:lvl4pPr marL="1600200" indent="-228600" algn="l" defTabSz="914400" rtl="0" eaLnBrk="1" latinLnBrk="0" hangingPunct="1">
+              <a:lnSpc>
+                <a:spcPct val="90000"/>
+              </a:lnSpc>
+              <a:spcBef>
+                <a:spcPts val="500"/>
+              </a:spcBef>
+              <a:buFont typeface="Arial" panose="020B0604020202020204" pitchFamily="34" charset="0"/>
+              <a:buChar char="•"/>
+              <a:defRPr kumimoji="1" sz="1800" kern="1200">
+                <a:solidFill>
+                  <a:schemeClr val="tx1"/>
+                </a:solidFill>
+                <a:latin typeface="+mn-lt"/>
+                <a:ea typeface="+mn-ea"/>
+                <a:cs typeface="+mn-cs"/>
+              </a:defRPr>
+            </a:lvl4pPr>
+            <a:lvl5pPr marL="2057400" indent="-228600" algn="l" defTabSz="914400" rtl="0" eaLnBrk="1" latinLnBrk="0" hangingPunct="1">
+              <a:lnSpc>
+                <a:spcPct val="90000"/>
+              </a:lnSpc>
+              <a:spcBef>
+                <a:spcPts val="500"/>
+              </a:spcBef>
+              <a:buFont typeface="Arial" panose="020B0604020202020204" pitchFamily="34" charset="0"/>
+              <a:buChar char="•"/>
+              <a:defRPr kumimoji="1" sz="1800" kern="1200">
+                <a:solidFill>
+                  <a:schemeClr val="tx1"/>
+                </a:solidFill>
+                <a:latin typeface="+mn-lt"/>
+                <a:ea typeface="+mn-ea"/>
+                <a:cs typeface="+mn-cs"/>
+              </a:defRPr>
+            </a:lvl5pPr>
+            <a:lvl6pPr marL="2514600" indent="-228600" algn="l" defTabSz="914400" rtl="0" eaLnBrk="1" latinLnBrk="0" hangingPunct="1">
+              <a:lnSpc>
+                <a:spcPct val="90000"/>
+              </a:lnSpc>
+              <a:spcBef>
+                <a:spcPts val="500"/>
+              </a:spcBef>
+              <a:buFont typeface="Arial" panose="020B0604020202020204" pitchFamily="34" charset="0"/>
+              <a:buChar char="•"/>
+              <a:defRPr kumimoji="1" sz="1800" kern="1200">
+                <a:solidFill>
+                  <a:schemeClr val="tx1"/>
+                </a:solidFill>
+                <a:latin typeface="+mn-lt"/>
+                <a:ea typeface="+mn-ea"/>
+                <a:cs typeface="+mn-cs"/>
+              </a:defRPr>
+            </a:lvl6pPr>
+            <a:lvl7pPr marL="2971800" indent="-228600" algn="l" defTabSz="914400" rtl="0" eaLnBrk="1" latinLnBrk="0" hangingPunct="1">
+              <a:lnSpc>
+                <a:spcPct val="90000"/>
+              </a:lnSpc>
+              <a:spcBef>
+                <a:spcPts val="500"/>
+              </a:spcBef>
+              <a:buFont typeface="Arial" panose="020B0604020202020204" pitchFamily="34" charset="0"/>
+              <a:buChar char="•"/>
+              <a:defRPr kumimoji="1" sz="1800" kern="1200">
+                <a:solidFill>
+                  <a:schemeClr val="tx1"/>
+                </a:solidFill>
+                <a:latin typeface="+mn-lt"/>
+                <a:ea typeface="+mn-ea"/>
+                <a:cs typeface="+mn-cs"/>
+              </a:defRPr>
+            </a:lvl7pPr>
+            <a:lvl8pPr marL="3429000" indent="-228600" algn="l" defTabSz="914400" rtl="0" eaLnBrk="1" latinLnBrk="0" hangingPunct="1">
+              <a:lnSpc>
+                <a:spcPct val="90000"/>
+              </a:lnSpc>
+              <a:spcBef>
+                <a:spcPts val="500"/>
+              </a:spcBef>
+              <a:buFont typeface="Arial" panose="020B0604020202020204" pitchFamily="34" charset="0"/>
+              <a:buChar char="•"/>
+              <a:defRPr kumimoji="1" sz="1800" kern="1200">
+                <a:solidFill>
+                  <a:schemeClr val="tx1"/>
+                </a:solidFill>
+                <a:latin typeface="+mn-lt"/>
+                <a:ea typeface="+mn-ea"/>
+                <a:cs typeface="+mn-cs"/>
+              </a:defRPr>
+            </a:lvl8pPr>
+            <a:lvl9pPr marL="3886200" indent="-228600" algn="l" defTabSz="914400" rtl="0" eaLnBrk="1" latinLnBrk="0" hangingPunct="1">
+              <a:lnSpc>
+                <a:spcPct val="90000"/>
+              </a:lnSpc>
+              <a:spcBef>
+                <a:spcPts val="500"/>
+              </a:spcBef>
+              <a:buFont typeface="Arial" panose="020B0604020202020204" pitchFamily="34" charset="0"/>
+              <a:buChar char="•"/>
+              <a:defRPr kumimoji="1" sz="1800" kern="1200">
+                <a:solidFill>
+                  <a:schemeClr val="tx1"/>
+                </a:solidFill>
+                <a:latin typeface="+mn-lt"/>
+                <a:ea typeface="+mn-ea"/>
+                <a:cs typeface="+mn-cs"/>
+              </a:defRPr>
+            </a:lvl9pPr>
+          </a:lstStyle>
+          <a:p>
+            <a:pPr>
+              <a:buFont typeface="Wingdings" panose="05000000000000000000" pitchFamily="2" charset="2"/>
+              <a:buChar char="ü"/>
+            </a:pPr>
+            <a:r>
+              <a:rPr lang="ja-JP" altLang="en-US" dirty="0"/>
+              <a:t>解決策：記録作業の電子化</a:t>
+            </a:r>
+            <a:endParaRPr lang="en-US" altLang="ja-JP" dirty="0"/>
+          </a:p>
+          <a:p>
+            <a:pPr lvl="1"/>
+            <a:r>
+              <a:rPr lang="ja-JP" altLang="en-US" dirty="0"/>
+              <a:t>毎日検査時の入力操作をスマートフォンなどで行うことで記録を簡単に</a:t>
+            </a:r>
+            <a:endParaRPr lang="en-US" altLang="ja-JP" dirty="0"/>
+          </a:p>
+          <a:p>
+            <a:pPr lvl="1"/>
+            <a:r>
+              <a:rPr lang="ja-JP" altLang="en-US" dirty="0"/>
+              <a:t>スマートフォンなら持ち運びもしやすく軽い。また、ケースなどで防水もできる</a:t>
+            </a:r>
+            <a:endParaRPr lang="en-US" altLang="ja-JP" dirty="0"/>
+          </a:p>
+          <a:p>
+            <a:pPr lvl="1"/>
+            <a:endParaRPr lang="en-US" altLang="ja-JP" dirty="0"/>
+          </a:p>
+        </p:txBody>
+      </p:sp>
+    </p:spTree>
+    <p:extLst>
+      <p:ext uri="{BB962C8B-B14F-4D97-AF65-F5344CB8AC3E}">
+        <p14:creationId xmlns:p14="http://schemas.microsoft.com/office/powerpoint/2010/main" val="609548007"/>
+      </p:ext>
+    </p:extLst>
+  </p:cSld>
+  <p:clrMapOvr>
+    <a:masterClrMapping/>
+  </p:clrMapOvr>
+</p:sld>
+</file>
+
+<file path=ppt/slides/slide4.xml><?xml version="1.0" encoding="utf-8"?>
+<p:sld xmlns:a="http://schemas.openxmlformats.org/drawingml/2006/main" xmlns:r="http://schemas.openxmlformats.org/officeDocument/2006/relationships" xmlns:p="http://schemas.openxmlformats.org/presentationml/2006/main">
+  <p:cSld>
+    <p:spTree>
+      <p:nvGrpSpPr>
+        <p:cNvPr id="1" name=""/>
+        <p:cNvGrpSpPr/>
+        <p:nvPr/>
+      </p:nvGrpSpPr>
+      <p:grpSpPr>
+        <a:xfrm>
+          <a:off x="0" y="0"/>
+          <a:ext cx="0" cy="0"/>
+          <a:chOff x="0" y="0"/>
+          <a:chExt cx="0" cy="0"/>
+        </a:xfrm>
+      </p:grpSpPr>
+      <p:sp>
+        <p:nvSpPr>
+          <p:cNvPr id="8" name="Rectangle 7">
+            <a:extLst>
+              <a:ext uri="{FF2B5EF4-FFF2-40B4-BE49-F238E27FC236}">
+                <a16:creationId xmlns:a16="http://schemas.microsoft.com/office/drawing/2014/main" id="{70DFC902-7D23-471A-B557-B6B6917D7A0D}"/>
+              </a:ext>
+              <a:ext uri="{C183D7F6-B498-43B3-948B-1728B52AA6E4}">
+                <adec:decorative xmlns:adec="http://schemas.microsoft.com/office/drawing/2017/decorative" val="1"/>
+              </a:ext>
+            </a:extLst>
+          </p:cNvPr>
+          <p:cNvSpPr>
+            <a:spLocks noGrp="1" noRot="1" noChangeAspect="1" noMove="1" noResize="1" noEditPoints="1" noAdjustHandles="1" noChangeArrowheads="1" noChangeShapeType="1" noTextEdit="1"/>
+          </p:cNvSpPr>
+          <p:nvPr>
+            <p:extLst>
+              <p:ext uri="{386F3935-93C4-4BCD-93E2-E3B085C9AB24}">
+                <p16:designElem xmlns:p16="http://schemas.microsoft.com/office/powerpoint/2015/main" val="1"/>
+              </p:ext>
+            </p:extLst>
+          </p:nvPr>
+        </p:nvSpPr>
+        <p:spPr>
+          <a:xfrm>
+            <a:off x="10" y="-5705"/>
+            <a:ext cx="12191990" cy="1694346"/>
+          </a:xfrm>
+          <a:prstGeom prst="rect">
+            <a:avLst/>
+          </a:prstGeom>
+          <a:solidFill>
+            <a:schemeClr val="tx1">
+              <a:lumMod val="85000"/>
+              <a:lumOff val="15000"/>
+            </a:schemeClr>
+          </a:solidFill>
+          <a:ln>
+            <a:noFill/>
+          </a:ln>
+        </p:spPr>
+        <p:style>
+          <a:lnRef idx="2">
+            <a:schemeClr val="accent1">
+              <a:shade val="50000"/>
+            </a:schemeClr>
+          </a:lnRef>
+          <a:fillRef idx="1">
+            <a:schemeClr val="accent1"/>
+          </a:fillRef>
+          <a:effectRef idx="0">
+            <a:schemeClr val="accent1"/>
+          </a:effectRef>
+          <a:fontRef idx="minor">
+            <a:schemeClr val="lt1"/>
+          </a:fontRef>
+        </p:style>
+        <p:txBody>
+          <a:bodyPr rtlCol="0" anchor="ctr"/>
+          <a:lstStyle/>
+          <a:p>
+            <a:pPr algn="ctr"/>
+            <a:endParaRPr lang="en-US"/>
+          </a:p>
+        </p:txBody>
+      </p:sp>
+      <p:sp>
+        <p:nvSpPr>
+          <p:cNvPr id="2" name="タイトル 1">
+            <a:extLst>
+              <a:ext uri="{FF2B5EF4-FFF2-40B4-BE49-F238E27FC236}">
+                <a16:creationId xmlns:a16="http://schemas.microsoft.com/office/drawing/2014/main" id="{FAFA1C18-60AF-53D2-013B-5AE524B7C172}"/>
+              </a:ext>
+            </a:extLst>
+          </p:cNvPr>
+          <p:cNvSpPr>
+            <a:spLocks noGrp="1"/>
+          </p:cNvSpPr>
+          <p:nvPr>
+            <p:ph type="title"/>
+          </p:nvPr>
+        </p:nvSpPr>
+        <p:spPr>
+          <a:xfrm>
+            <a:off x="1156851" y="637762"/>
+            <a:ext cx="9888496" cy="900131"/>
+          </a:xfrm>
+        </p:spPr>
+        <p:txBody>
+          <a:bodyPr anchor="t">
+            <a:normAutofit/>
+          </a:bodyPr>
+          <a:lstStyle/>
+          <a:p>
+            <a:r>
+              <a:rPr lang="ja-JP" altLang="en-US" sz="4000">
+                <a:solidFill>
+                  <a:schemeClr val="bg1"/>
+                </a:solidFill>
+              </a:rPr>
+              <a:t>デ</a:t>
+            </a:r>
+            <a:r>
+              <a:rPr kumimoji="1" lang="ja-JP" altLang="en-US" sz="4000">
+                <a:solidFill>
+                  <a:schemeClr val="bg1"/>
+                </a:solidFill>
+              </a:rPr>
+              <a:t>モンストレーション</a:t>
+            </a:r>
+          </a:p>
+        </p:txBody>
+      </p:sp>
+      <p:sp>
+        <p:nvSpPr>
+          <p:cNvPr id="10" name="Rectangle 9">
+            <a:extLst>
+              <a:ext uri="{FF2B5EF4-FFF2-40B4-BE49-F238E27FC236}">
+                <a16:creationId xmlns:a16="http://schemas.microsoft.com/office/drawing/2014/main" id="{A55D5633-D557-4DCA-982C-FF36EB7A1C00}"/>
+              </a:ext>
+              <a:ext uri="{C183D7F6-B498-43B3-948B-1728B52AA6E4}">
+                <adec:decorative xmlns:adec="http://schemas.microsoft.com/office/drawing/2017/decorative" val="1"/>
+              </a:ext>
+            </a:extLst>
+          </p:cNvPr>
+          <p:cNvSpPr>
+            <a:spLocks noGrp="1" noRot="1" noChangeAspect="1" noMove="1" noResize="1" noEditPoints="1" noAdjustHandles="1" noChangeArrowheads="1" noChangeShapeType="1" noTextEdit="1"/>
+          </p:cNvSpPr>
+          <p:nvPr>
+            <p:extLst>
+              <p:ext uri="{386F3935-93C4-4BCD-93E2-E3B085C9AB24}">
+                <p16:designElem xmlns:p16="http://schemas.microsoft.com/office/powerpoint/2015/main" val="1"/>
+              </p:ext>
+            </p:extLst>
+          </p:nvPr>
+        </p:nvSpPr>
+        <p:spPr>
+          <a:xfrm>
+            <a:off x="0" y="1688641"/>
+            <a:ext cx="12191990" cy="5169359"/>
+          </a:xfrm>
+          <a:prstGeom prst="rect">
+            <a:avLst/>
+          </a:prstGeom>
+          <a:solidFill>
+            <a:schemeClr val="bg1">
+              <a:lumMod val="95000"/>
+            </a:schemeClr>
+          </a:solidFill>
+          <a:ln>
+            <a:noFill/>
+          </a:ln>
+        </p:spPr>
+        <p:style>
+          <a:lnRef idx="2">
+            <a:schemeClr val="accent1">
+              <a:shade val="50000"/>
+            </a:schemeClr>
+          </a:lnRef>
+          <a:fillRef idx="1">
+            <a:schemeClr val="accent1"/>
+          </a:fillRef>
+          <a:effectRef idx="0">
+            <a:schemeClr val="accent1"/>
+          </a:effectRef>
+          <a:fontRef idx="minor">
+            <a:schemeClr val="lt1"/>
+          </a:fontRef>
+        </p:style>
+        <p:txBody>
+          <a:bodyPr rtlCol="0" anchor="ctr"/>
+          <a:lstStyle/>
+          <a:p>
+            <a:pPr algn="ctr"/>
+            <a:endParaRPr lang="en-US"/>
+          </a:p>
+        </p:txBody>
+      </p:sp>
+      <p:sp>
+        <p:nvSpPr>
+          <p:cNvPr id="12" name="Rectangle 11">
+            <a:extLst>
+              <a:ext uri="{FF2B5EF4-FFF2-40B4-BE49-F238E27FC236}">
+                <a16:creationId xmlns:a16="http://schemas.microsoft.com/office/drawing/2014/main" id="{450D3AD2-FA80-415F-A9CE-54D884561CD7}"/>
+              </a:ext>
+              <a:ext uri="{C183D7F6-B498-43B3-948B-1728B52AA6E4}">
+                <adec:decorative xmlns:adec="http://schemas.microsoft.com/office/drawing/2017/decorative" val="1"/>
+              </a:ext>
+            </a:extLst>
+          </p:cNvPr>
+          <p:cNvSpPr>
+            <a:spLocks noGrp="1" noRot="1" noChangeAspect="1" noMove="1" noResize="1" noEditPoints="1" noAdjustHandles="1" noChangeArrowheads="1" noChangeShapeType="1" noTextEdit="1"/>
+          </p:cNvSpPr>
+          <p:nvPr>
+            <p:extLst>
+              <p:ext uri="{386F3935-93C4-4BCD-93E2-E3B085C9AB24}">
+                <p16:designElem xmlns:p16="http://schemas.microsoft.com/office/powerpoint/2015/main" val="1"/>
+              </p:ext>
+            </p:extLst>
+          </p:nvPr>
+        </p:nvSpPr>
+        <p:spPr>
+          <a:xfrm>
+            <a:off x="1156851" y="2010758"/>
+            <a:ext cx="457190" cy="45719"/>
+          </a:xfrm>
+          <a:prstGeom prst="rect">
+            <a:avLst/>
+          </a:prstGeom>
+          <a:solidFill>
+            <a:schemeClr val="tx1"/>
+          </a:solidFill>
+          <a:ln>
+            <a:noFill/>
+          </a:ln>
+        </p:spPr>
+        <p:style>
+          <a:lnRef idx="2">
+            <a:schemeClr val="accent1">
+              <a:shade val="50000"/>
+            </a:schemeClr>
+          </a:lnRef>
+          <a:fillRef idx="1">
+            <a:schemeClr val="accent1"/>
+          </a:fillRef>
+          <a:effectRef idx="0">
+            <a:schemeClr val="accent1"/>
+          </a:effectRef>
+          <a:fontRef idx="minor">
+            <a:schemeClr val="lt1"/>
+          </a:fontRef>
+        </p:style>
+        <p:txBody>
+          <a:bodyPr rtlCol="0" anchor="ctr"/>
+          <a:lstStyle/>
+          <a:p>
+            <a:pPr algn="ctr"/>
+            <a:endParaRPr lang="en-US"/>
+          </a:p>
+        </p:txBody>
+      </p:sp>
+      <p:pic>
+        <p:nvPicPr>
+          <p:cNvPr id="5" name="コンテンツ プレースホルダー 4" descr="グラフィカル ユーザー インターフェイス, テキスト&#10;&#10;AI 生成コンテンツは誤りを含む可能性があります。">
+            <a:extLst>
+              <a:ext uri="{FF2B5EF4-FFF2-40B4-BE49-F238E27FC236}">
+                <a16:creationId xmlns:a16="http://schemas.microsoft.com/office/drawing/2014/main" id="{FAD9C836-3AF9-5419-497E-880148403784}"/>
+              </a:ext>
+            </a:extLst>
+          </p:cNvPr>
+          <p:cNvPicPr>
+            <a:picLocks noGrp="1" noChangeAspect="1"/>
+          </p:cNvPicPr>
+          <p:nvPr>
+            <p:ph idx="1"/>
+          </p:nvPr>
+        </p:nvPicPr>
+        <p:blipFill>
+          <a:blip r:embed="rId2">
+            <a:extLst>
+              <a:ext uri="{28A0092B-C50C-407E-A947-70E740481C1C}">
+                <a14:useLocalDpi xmlns:a14="http://schemas.microsoft.com/office/drawing/2010/main" val="0"/>
+              </a:ext>
+            </a:extLst>
+          </a:blip>
+          <a:stretch>
+            <a:fillRect/>
+          </a:stretch>
+        </p:blipFill>
+        <p:spPr>
+          <a:xfrm>
+            <a:off x="1914496" y="2181360"/>
+            <a:ext cx="8596843" cy="4652772"/>
+          </a:xfrm>
+        </p:spPr>
+      </p:pic>
+    </p:spTree>
+    <p:extLst>
+      <p:ext uri="{BB962C8B-B14F-4D97-AF65-F5344CB8AC3E}">
+        <p14:creationId xmlns:p14="http://schemas.microsoft.com/office/powerpoint/2010/main" val="3453039178"/>
+      </p:ext>
+    </p:extLst>
+  </p:cSld>
+  <p:clrMapOvr>
+    <a:masterClrMapping/>
+  </p:clrMapOvr>
+</p:sld>
+</file>
+
+<file path=ppt/slides/slide5.xml><?xml version="1.0" encoding="utf-8"?>
+<p:sld xmlns:a="http://schemas.openxmlformats.org/drawingml/2006/main" xmlns:r="http://schemas.openxmlformats.org/officeDocument/2006/relationships" xmlns:p="http://schemas.openxmlformats.org/presentationml/2006/main">
+  <p:cSld>
+    <p:bg>
+      <p:bgPr>
+        <a:solidFill>
+          <a:schemeClr val="bg1"/>
+        </a:solidFill>
+        <a:effectLst/>
+      </p:bgPr>
+    </p:bg>
+    <p:spTree>
+      <p:nvGrpSpPr>
+        <p:cNvPr id="1" name="">
+          <a:extLst>
+            <a:ext uri="{FF2B5EF4-FFF2-40B4-BE49-F238E27FC236}">
+              <a16:creationId xmlns:a16="http://schemas.microsoft.com/office/drawing/2014/main" id="{F81E12F1-9FC8-A26D-63E3-A900A8837D58}"/>
+            </a:ext>
+          </a:extLst>
+        </p:cNvPr>
+        <p:cNvGrpSpPr/>
+        <p:nvPr/>
+      </p:nvGrpSpPr>
+      <p:grpSpPr>
+        <a:xfrm>
+          <a:off x="0" y="0"/>
+          <a:ext cx="0" cy="0"/>
+          <a:chOff x="0" y="0"/>
+          <a:chExt cx="0" cy="0"/>
+        </a:xfrm>
+      </p:grpSpPr>
+      <p:sp>
+        <p:nvSpPr>
+          <p:cNvPr id="8" name="Rectangle 7">
+            <a:extLst>
+              <a:ext uri="{FF2B5EF4-FFF2-40B4-BE49-F238E27FC236}">
+                <a16:creationId xmlns:a16="http://schemas.microsoft.com/office/drawing/2014/main" id="{2F5B81A8-739C-D011-AFE9-C9D1A5604F56}"/>
+              </a:ext>
+              <a:ext uri="{C183D7F6-B498-43B3-948B-1728B52AA6E4}">
+                <adec:decorative xmlns:adec="http://schemas.microsoft.com/office/drawing/2017/decorative" val="1"/>
+              </a:ext>
+            </a:extLst>
+          </p:cNvPr>
+          <p:cNvSpPr>
+            <a:spLocks noGrp="1" noRot="1" noChangeAspect="1" noMove="1" noResize="1" noEditPoints="1" noAdjustHandles="1" noChangeArrowheads="1" noChangeShapeType="1" noTextEdit="1"/>
+          </p:cNvSpPr>
+          <p:nvPr>
+            <p:extLst>
+              <p:ext uri="{386F3935-93C4-4BCD-93E2-E3B085C9AB24}">
+                <p16:designElem xmlns:p16="http://schemas.microsoft.com/office/powerpoint/2015/main" val="1"/>
+              </p:ext>
+            </p:extLst>
+          </p:nvPr>
+        </p:nvSpPr>
+        <p:spPr>
+          <a:xfrm>
+            <a:off x="10" y="-5705"/>
+            <a:ext cx="12191990" cy="1694346"/>
+          </a:xfrm>
+          <a:prstGeom prst="rect">
+            <a:avLst/>
+          </a:prstGeom>
+          <a:solidFill>
+            <a:schemeClr val="tx1">
+              <a:lumMod val="85000"/>
+              <a:lumOff val="15000"/>
+            </a:schemeClr>
+          </a:solidFill>
+          <a:ln>
+            <a:noFill/>
+          </a:ln>
+        </p:spPr>
+        <p:style>
+          <a:lnRef idx="2">
+            <a:schemeClr val="accent1">
+              <a:shade val="50000"/>
+            </a:schemeClr>
+          </a:lnRef>
+          <a:fillRef idx="1">
+            <a:schemeClr val="accent1"/>
+          </a:fillRef>
+          <a:effectRef idx="0">
+            <a:schemeClr val="accent1"/>
+          </a:effectRef>
+          <a:fontRef idx="minor">
+            <a:schemeClr val="lt1"/>
+          </a:fontRef>
+        </p:style>
+        <p:txBody>
+          <a:bodyPr rtlCol="0" anchor="ctr"/>
+          <a:lstStyle/>
+          <a:p>
+            <a:pPr algn="ctr"/>
+            <a:endParaRPr lang="en-US"/>
+          </a:p>
+        </p:txBody>
+      </p:sp>
+      <p:sp>
+        <p:nvSpPr>
+          <p:cNvPr id="10" name="Rectangle 9">
+            <a:extLst>
+              <a:ext uri="{FF2B5EF4-FFF2-40B4-BE49-F238E27FC236}">
+                <a16:creationId xmlns:a16="http://schemas.microsoft.com/office/drawing/2014/main" id="{2B92FF6A-5F61-5F1A-03CB-4E01BB654ABA}"/>
+              </a:ext>
+              <a:ext uri="{C183D7F6-B498-43B3-948B-1728B52AA6E4}">
+                <adec:decorative xmlns:adec="http://schemas.microsoft.com/office/drawing/2017/decorative" val="1"/>
+              </a:ext>
+            </a:extLst>
+          </p:cNvPr>
+          <p:cNvSpPr>
+            <a:spLocks noGrp="1" noRot="1" noChangeAspect="1" noMove="1" noResize="1" noEditPoints="1" noAdjustHandles="1" noChangeArrowheads="1" noChangeShapeType="1" noTextEdit="1"/>
+          </p:cNvSpPr>
+          <p:nvPr>
+            <p:extLst>
+              <p:ext uri="{386F3935-93C4-4BCD-93E2-E3B085C9AB24}">
+                <p16:designElem xmlns:p16="http://schemas.microsoft.com/office/powerpoint/2015/main" val="1"/>
+              </p:ext>
+            </p:extLst>
+          </p:nvPr>
+        </p:nvSpPr>
+        <p:spPr>
+          <a:xfrm>
+            <a:off x="0" y="1688641"/>
+            <a:ext cx="12191990" cy="5169359"/>
+          </a:xfrm>
+          <a:prstGeom prst="rect">
+            <a:avLst/>
+          </a:prstGeom>
+          <a:solidFill>
+            <a:schemeClr val="bg1">
+              <a:lumMod val="95000"/>
+            </a:schemeClr>
+          </a:solidFill>
+          <a:ln>
+            <a:noFill/>
+          </a:ln>
+        </p:spPr>
+        <p:style>
+          <a:lnRef idx="2">
+            <a:schemeClr val="accent1">
+              <a:shade val="50000"/>
+            </a:schemeClr>
+          </a:lnRef>
+          <a:fillRef idx="1">
+            <a:schemeClr val="accent1"/>
+          </a:fillRef>
+          <a:effectRef idx="0">
+            <a:schemeClr val="accent1"/>
+          </a:effectRef>
+          <a:fontRef idx="minor">
+            <a:schemeClr val="lt1"/>
+          </a:fontRef>
+        </p:style>
+        <p:txBody>
+          <a:bodyPr rtlCol="0" anchor="ctr"/>
+          <a:lstStyle/>
+          <a:p>
+            <a:pPr algn="ctr"/>
+            <a:endParaRPr lang="en-US"/>
+          </a:p>
+        </p:txBody>
+      </p:sp>
+      <p:sp>
+        <p:nvSpPr>
+          <p:cNvPr id="12" name="Rectangle 11">
+            <a:extLst>
+              <a:ext uri="{FF2B5EF4-FFF2-40B4-BE49-F238E27FC236}">
+                <a16:creationId xmlns:a16="http://schemas.microsoft.com/office/drawing/2014/main" id="{755F4B27-AEFB-627A-FAEC-EA441520712B}"/>
+              </a:ext>
+              <a:ext uri="{C183D7F6-B498-43B3-948B-1728B52AA6E4}">
+                <adec:decorative xmlns:adec="http://schemas.microsoft.com/office/drawing/2017/decorative" val="1"/>
+              </a:ext>
+            </a:extLst>
+          </p:cNvPr>
+          <p:cNvSpPr>
+            <a:spLocks noGrp="1" noRot="1" noChangeAspect="1" noMove="1" noResize="1" noEditPoints="1" noAdjustHandles="1" noChangeArrowheads="1" noChangeShapeType="1" noTextEdit="1"/>
+          </p:cNvSpPr>
+          <p:nvPr>
+            <p:extLst>
+              <p:ext uri="{386F3935-93C4-4BCD-93E2-E3B085C9AB24}">
+                <p16:designElem xmlns:p16="http://schemas.microsoft.com/office/powerpoint/2015/main" val="1"/>
+              </p:ext>
+            </p:extLst>
+          </p:nvPr>
+        </p:nvSpPr>
+        <p:spPr>
+          <a:xfrm>
+            <a:off x="1156851" y="2010758"/>
+            <a:ext cx="457190" cy="45719"/>
+          </a:xfrm>
+          <a:prstGeom prst="rect">
+            <a:avLst/>
+          </a:prstGeom>
+          <a:solidFill>
+            <a:schemeClr val="tx1"/>
+          </a:solidFill>
+          <a:ln>
+            <a:noFill/>
+          </a:ln>
+        </p:spPr>
+        <p:style>
+          <a:lnRef idx="2">
+            <a:schemeClr val="accent1">
+              <a:shade val="50000"/>
+            </a:schemeClr>
+          </a:lnRef>
+          <a:fillRef idx="1">
+            <a:schemeClr val="accent1"/>
+          </a:fillRef>
+          <a:effectRef idx="0">
+            <a:schemeClr val="accent1"/>
+          </a:effectRef>
+          <a:fontRef idx="minor">
+            <a:schemeClr val="lt1"/>
+          </a:fontRef>
+        </p:style>
+        <p:txBody>
+          <a:bodyPr rtlCol="0" anchor="ctr"/>
+          <a:lstStyle/>
+          <a:p>
+            <a:pPr algn="ctr"/>
+            <a:endParaRPr lang="en-US"/>
+          </a:p>
+        </p:txBody>
+      </p:sp>
+      <p:sp>
+        <p:nvSpPr>
+          <p:cNvPr id="6" name="タイトル 1">
+            <a:extLst>
+              <a:ext uri="{FF2B5EF4-FFF2-40B4-BE49-F238E27FC236}">
+                <a16:creationId xmlns:a16="http://schemas.microsoft.com/office/drawing/2014/main" id="{A7E29876-7FEA-1C0A-531E-430353FEC3CB}"/>
+              </a:ext>
+            </a:extLst>
+          </p:cNvPr>
+          <p:cNvSpPr txBox="1">
+            <a:spLocks/>
+          </p:cNvSpPr>
+          <p:nvPr/>
+        </p:nvSpPr>
+        <p:spPr>
+          <a:xfrm>
+            <a:off x="838200" y="365125"/>
+            <a:ext cx="10515600" cy="1325563"/>
+          </a:xfrm>
+          <a:prstGeom prst="rect">
+            <a:avLst/>
+          </a:prstGeom>
+        </p:spPr>
+        <p:txBody>
+          <a:bodyPr vert="horz" lIns="91440" tIns="45720" rIns="91440" bIns="45720" rtlCol="0" anchor="ctr">
+            <a:normAutofit/>
+          </a:bodyPr>
+          <a:lstStyle>
+            <a:lvl1pPr algn="l" defTabSz="914400" rtl="0" eaLnBrk="1" latinLnBrk="0" hangingPunct="1">
+              <a:lnSpc>
+                <a:spcPct val="90000"/>
+              </a:lnSpc>
+              <a:spcBef>
+                <a:spcPct val="0"/>
+              </a:spcBef>
+              <a:buNone/>
+              <a:defRPr kumimoji="1" sz="4400" kern="1200">
+                <a:solidFill>
+                  <a:schemeClr val="tx1"/>
+                </a:solidFill>
+                <a:latin typeface="+mj-lt"/>
+                <a:ea typeface="+mj-ea"/>
+                <a:cs typeface="+mj-cs"/>
+              </a:defRPr>
+            </a:lvl1pPr>
+          </a:lstStyle>
+          <a:p>
+            <a:r>
+              <a:rPr lang="ja-JP" altLang="en-US" dirty="0">
+                <a:solidFill>
+                  <a:schemeClr val="bg1"/>
+                </a:solidFill>
+              </a:rPr>
+              <a:t>自分たちが考える課題と解決</a:t>
+            </a:r>
+            <a:r>
+              <a:rPr lang="en-US" altLang="ja-JP" dirty="0">
+                <a:solidFill>
+                  <a:schemeClr val="bg1"/>
+                </a:solidFill>
+              </a:rPr>
+              <a:t>1.2</a:t>
+            </a:r>
+            <a:endParaRPr lang="ja-JP" altLang="en-US" dirty="0">
+              <a:solidFill>
+                <a:schemeClr val="bg1"/>
+              </a:solidFill>
+            </a:endParaRPr>
+          </a:p>
+        </p:txBody>
+      </p:sp>
+      <p:sp>
+        <p:nvSpPr>
+          <p:cNvPr id="7" name="コンテンツ プレースホルダー 2">
+            <a:extLst>
+              <a:ext uri="{FF2B5EF4-FFF2-40B4-BE49-F238E27FC236}">
+                <a16:creationId xmlns:a16="http://schemas.microsoft.com/office/drawing/2014/main" id="{E5F108DE-3E94-0C45-D84B-5C5B3AFCF9AC}"/>
+              </a:ext>
+            </a:extLst>
+          </p:cNvPr>
+          <p:cNvSpPr>
+            <a:spLocks noGrp="1"/>
+          </p:cNvSpPr>
+          <p:nvPr>
+            <p:ph idx="1"/>
+          </p:nvPr>
+        </p:nvSpPr>
+        <p:spPr>
+          <a:xfrm>
+            <a:off x="838195" y="2217506"/>
+            <a:ext cx="10515600" cy="2107278"/>
+          </a:xfrm>
+        </p:spPr>
+        <p:txBody>
+          <a:bodyPr/>
+          <a:lstStyle/>
+          <a:p>
+            <a:pPr>
+              <a:buFont typeface="Wingdings" panose="05000000000000000000" pitchFamily="2" charset="2"/>
+              <a:buChar char="p"/>
+            </a:pPr>
+            <a:r>
+              <a:rPr lang="ja-JP" altLang="en-US" dirty="0"/>
+              <a:t>課題：（管理側）紙媒体の使い勝手の悪さ</a:t>
+            </a:r>
+            <a:endParaRPr lang="en-US" altLang="ja-JP" dirty="0"/>
+          </a:p>
+          <a:p>
+            <a:pPr lvl="1"/>
+            <a:r>
+              <a:rPr lang="ja-JP" altLang="en-US" dirty="0"/>
+              <a:t>火災など紙の消失は取り返しがつかない</a:t>
+            </a:r>
+            <a:endParaRPr lang="en-US" altLang="ja-JP" dirty="0"/>
+          </a:p>
+          <a:p>
+            <a:pPr lvl="1"/>
+            <a:r>
+              <a:rPr lang="ja-JP" altLang="en-US" dirty="0"/>
+              <a:t>データの活用や過去情報の検索がスムーズにできない</a:t>
+            </a:r>
+            <a:endParaRPr lang="en-US" altLang="ja-JP" dirty="0"/>
+          </a:p>
+          <a:p>
+            <a:pPr lvl="1"/>
+            <a:endParaRPr lang="en-US" altLang="ja-JP" dirty="0"/>
+          </a:p>
+        </p:txBody>
+      </p:sp>
+      <p:sp>
+        <p:nvSpPr>
+          <p:cNvPr id="9" name="コンテンツ プレースホルダー 2">
+            <a:extLst>
+              <a:ext uri="{FF2B5EF4-FFF2-40B4-BE49-F238E27FC236}">
+                <a16:creationId xmlns:a16="http://schemas.microsoft.com/office/drawing/2014/main" id="{66454A29-81B0-1334-3AAC-18C2B6F81D15}"/>
+              </a:ext>
+            </a:extLst>
+          </p:cNvPr>
+          <p:cNvSpPr txBox="1">
+            <a:spLocks/>
+          </p:cNvSpPr>
+          <p:nvPr/>
+        </p:nvSpPr>
+        <p:spPr>
+          <a:xfrm>
+            <a:off x="714065" y="3932903"/>
+            <a:ext cx="10639735" cy="2107278"/>
+          </a:xfrm>
+          <a:prstGeom prst="rect">
+            <a:avLst/>
+          </a:prstGeom>
+        </p:spPr>
+        <p:txBody>
+          <a:bodyPr vert="horz" lIns="91440" tIns="45720" rIns="91440" bIns="45720" rtlCol="0">
+            <a:normAutofit/>
+          </a:bodyPr>
+          <a:lstStyle>
+            <a:lvl1pPr marL="228600" indent="-228600" algn="l" defTabSz="914400" rtl="0" eaLnBrk="1" latinLnBrk="0" hangingPunct="1">
+              <a:lnSpc>
+                <a:spcPct val="90000"/>
+              </a:lnSpc>
+              <a:spcBef>
+                <a:spcPts val="1000"/>
+              </a:spcBef>
+              <a:buFont typeface="Arial" panose="020B0604020202020204" pitchFamily="34" charset="0"/>
+              <a:buChar char="•"/>
+              <a:defRPr kumimoji="1" sz="2800" kern="1200">
+                <a:solidFill>
+                  <a:schemeClr val="tx1"/>
+                </a:solidFill>
+                <a:latin typeface="+mn-lt"/>
+                <a:ea typeface="+mn-ea"/>
+                <a:cs typeface="+mn-cs"/>
+              </a:defRPr>
+            </a:lvl1pPr>
+            <a:lvl2pPr marL="685800" indent="-228600" algn="l" defTabSz="914400" rtl="0" eaLnBrk="1" latinLnBrk="0" hangingPunct="1">
+              <a:lnSpc>
+                <a:spcPct val="90000"/>
+              </a:lnSpc>
+              <a:spcBef>
+                <a:spcPts val="500"/>
+              </a:spcBef>
+              <a:buFont typeface="Arial" panose="020B0604020202020204" pitchFamily="34" charset="0"/>
+              <a:buChar char="•"/>
+              <a:defRPr kumimoji="1" sz="2400" kern="1200">
+                <a:solidFill>
+                  <a:schemeClr val="tx1"/>
+                </a:solidFill>
+                <a:latin typeface="+mn-lt"/>
+                <a:ea typeface="+mn-ea"/>
+                <a:cs typeface="+mn-cs"/>
+              </a:defRPr>
+            </a:lvl2pPr>
+            <a:lvl3pPr marL="1143000" indent="-228600" algn="l" defTabSz="914400" rtl="0" eaLnBrk="1" latinLnBrk="0" hangingPunct="1">
+              <a:lnSpc>
+                <a:spcPct val="90000"/>
+              </a:lnSpc>
+              <a:spcBef>
+                <a:spcPts val="500"/>
+              </a:spcBef>
+              <a:buFont typeface="Arial" panose="020B0604020202020204" pitchFamily="34" charset="0"/>
+              <a:buChar char="•"/>
+              <a:defRPr kumimoji="1" sz="2000" kern="1200">
+                <a:solidFill>
+                  <a:schemeClr val="tx1"/>
+                </a:solidFill>
+                <a:latin typeface="+mn-lt"/>
+                <a:ea typeface="+mn-ea"/>
+                <a:cs typeface="+mn-cs"/>
+              </a:defRPr>
+            </a:lvl3pPr>
+            <a:lvl4pPr marL="1600200" indent="-228600" algn="l" defTabSz="914400" rtl="0" eaLnBrk="1" latinLnBrk="0" hangingPunct="1">
+              <a:lnSpc>
+                <a:spcPct val="90000"/>
+              </a:lnSpc>
+              <a:spcBef>
+                <a:spcPts val="500"/>
+              </a:spcBef>
+              <a:buFont typeface="Arial" panose="020B0604020202020204" pitchFamily="34" charset="0"/>
+              <a:buChar char="•"/>
+              <a:defRPr kumimoji="1" sz="1800" kern="1200">
+                <a:solidFill>
+                  <a:schemeClr val="tx1"/>
+                </a:solidFill>
+                <a:latin typeface="+mn-lt"/>
+                <a:ea typeface="+mn-ea"/>
+                <a:cs typeface="+mn-cs"/>
+              </a:defRPr>
+            </a:lvl4pPr>
+            <a:lvl5pPr marL="2057400" indent="-228600" algn="l" defTabSz="914400" rtl="0" eaLnBrk="1" latinLnBrk="0" hangingPunct="1">
+              <a:lnSpc>
+                <a:spcPct val="90000"/>
+              </a:lnSpc>
+              <a:spcBef>
+                <a:spcPts val="500"/>
+              </a:spcBef>
+              <a:buFont typeface="Arial" panose="020B0604020202020204" pitchFamily="34" charset="0"/>
+              <a:buChar char="•"/>
+              <a:defRPr kumimoji="1" sz="1800" kern="1200">
+                <a:solidFill>
+                  <a:schemeClr val="tx1"/>
+                </a:solidFill>
+                <a:latin typeface="+mn-lt"/>
+                <a:ea typeface="+mn-ea"/>
+                <a:cs typeface="+mn-cs"/>
+              </a:defRPr>
+            </a:lvl5pPr>
+            <a:lvl6pPr marL="2514600" indent="-228600" algn="l" defTabSz="914400" rtl="0" eaLnBrk="1" latinLnBrk="0" hangingPunct="1">
+              <a:lnSpc>
+                <a:spcPct val="90000"/>
+              </a:lnSpc>
+              <a:spcBef>
+                <a:spcPts val="500"/>
+              </a:spcBef>
+              <a:buFont typeface="Arial" panose="020B0604020202020204" pitchFamily="34" charset="0"/>
+              <a:buChar char="•"/>
+              <a:defRPr kumimoji="1" sz="1800" kern="1200">
+                <a:solidFill>
+                  <a:schemeClr val="tx1"/>
+                </a:solidFill>
+                <a:latin typeface="+mn-lt"/>
+                <a:ea typeface="+mn-ea"/>
+                <a:cs typeface="+mn-cs"/>
+              </a:defRPr>
+            </a:lvl6pPr>
+            <a:lvl7pPr marL="2971800" indent="-228600" algn="l" defTabSz="914400" rtl="0" eaLnBrk="1" latinLnBrk="0" hangingPunct="1">
+              <a:lnSpc>
+                <a:spcPct val="90000"/>
+              </a:lnSpc>
+              <a:spcBef>
+                <a:spcPts val="500"/>
+              </a:spcBef>
+              <a:buFont typeface="Arial" panose="020B0604020202020204" pitchFamily="34" charset="0"/>
+              <a:buChar char="•"/>
+              <a:defRPr kumimoji="1" sz="1800" kern="1200">
+                <a:solidFill>
+                  <a:schemeClr val="tx1"/>
+                </a:solidFill>
+                <a:latin typeface="+mn-lt"/>
+                <a:ea typeface="+mn-ea"/>
+                <a:cs typeface="+mn-cs"/>
+              </a:defRPr>
+            </a:lvl7pPr>
+            <a:lvl8pPr marL="3429000" indent="-228600" algn="l" defTabSz="914400" rtl="0" eaLnBrk="1" latinLnBrk="0" hangingPunct="1">
+              <a:lnSpc>
+                <a:spcPct val="90000"/>
+              </a:lnSpc>
+              <a:spcBef>
+                <a:spcPts val="500"/>
+              </a:spcBef>
+              <a:buFont typeface="Arial" panose="020B0604020202020204" pitchFamily="34" charset="0"/>
+              <a:buChar char="•"/>
+              <a:defRPr kumimoji="1" sz="1800" kern="1200">
+                <a:solidFill>
+                  <a:schemeClr val="tx1"/>
+                </a:solidFill>
+                <a:latin typeface="+mn-lt"/>
+                <a:ea typeface="+mn-ea"/>
+                <a:cs typeface="+mn-cs"/>
+              </a:defRPr>
+            </a:lvl8pPr>
+            <a:lvl9pPr marL="3886200" indent="-228600" algn="l" defTabSz="914400" rtl="0" eaLnBrk="1" latinLnBrk="0" hangingPunct="1">
+              <a:lnSpc>
+                <a:spcPct val="90000"/>
+              </a:lnSpc>
+              <a:spcBef>
+                <a:spcPts val="500"/>
+              </a:spcBef>
+              <a:buFont typeface="Arial" panose="020B0604020202020204" pitchFamily="34" charset="0"/>
+              <a:buChar char="•"/>
+              <a:defRPr kumimoji="1" sz="1800" kern="1200">
+                <a:solidFill>
+                  <a:schemeClr val="tx1"/>
+                </a:solidFill>
+                <a:latin typeface="+mn-lt"/>
+                <a:ea typeface="+mn-ea"/>
+                <a:cs typeface="+mn-cs"/>
+              </a:defRPr>
+            </a:lvl9pPr>
+          </a:lstStyle>
+          <a:p>
+            <a:pPr>
+              <a:buFont typeface="Wingdings" panose="05000000000000000000" pitchFamily="2" charset="2"/>
+              <a:buChar char="ü"/>
+            </a:pPr>
+            <a:r>
+              <a:rPr lang="ja-JP" altLang="en-US" dirty="0"/>
+              <a:t>解決策：電子データ化</a:t>
+            </a:r>
+            <a:endParaRPr lang="en-US" altLang="ja-JP" dirty="0"/>
+          </a:p>
+          <a:p>
+            <a:pPr lvl="1"/>
+            <a:r>
+              <a:rPr lang="ja-JP" altLang="en-US" dirty="0"/>
+              <a:t>グーグルが提供する</a:t>
+            </a:r>
+            <a:r>
+              <a:rPr lang="en-US" altLang="ja-JP" dirty="0"/>
+              <a:t>			</a:t>
+            </a:r>
+            <a:r>
+              <a:rPr lang="ja-JP" altLang="en-US" dirty="0"/>
+              <a:t>を用いてデータを安全に管理する</a:t>
+            </a:r>
+            <a:endParaRPr lang="en-US" altLang="ja-JP" dirty="0"/>
+          </a:p>
+          <a:p>
+            <a:pPr lvl="1"/>
+            <a:r>
+              <a:rPr lang="ja-JP" altLang="en-US" dirty="0"/>
+              <a:t>管理したデータはスプレッドシートとして出力することで、見やすく、データを活用しやすくする</a:t>
+            </a:r>
+            <a:endParaRPr lang="en-US" altLang="ja-JP" dirty="0"/>
+          </a:p>
+        </p:txBody>
+      </p:sp>
+      <p:pic>
+        <p:nvPicPr>
+          <p:cNvPr id="11" name="図 10" descr="ロゴ&#10;&#10;AI 生成コンテンツは誤りを含む可能性があります。">
+            <a:extLst>
+              <a:ext uri="{FF2B5EF4-FFF2-40B4-BE49-F238E27FC236}">
+                <a16:creationId xmlns:a16="http://schemas.microsoft.com/office/drawing/2014/main" id="{AC98CD2E-6FE9-0633-60AD-23AF585189C7}"/>
+              </a:ext>
+            </a:extLst>
+          </p:cNvPr>
+          <p:cNvPicPr>
+            <a:picLocks noChangeAspect="1"/>
+          </p:cNvPicPr>
+          <p:nvPr/>
+        </p:nvPicPr>
+        <p:blipFill>
+          <a:blip r:embed="rId3">
+            <a:extLst>
+              <a:ext uri="{28A0092B-C50C-407E-A947-70E740481C1C}">
+                <a14:useLocalDpi xmlns:a14="http://schemas.microsoft.com/office/drawing/2010/main" val="0"/>
+              </a:ext>
+            </a:extLst>
+          </a:blip>
+          <a:stretch>
+            <a:fillRect/>
+          </a:stretch>
+        </p:blipFill>
+        <p:spPr>
+          <a:xfrm>
+            <a:off x="4306529" y="4324784"/>
+            <a:ext cx="2020667" cy="473846"/>
+          </a:xfrm>
+          <a:prstGeom prst="rect">
+            <a:avLst/>
+          </a:prstGeom>
+          <a:ln>
+            <a:noFill/>
+          </a:ln>
+          <a:effectLst>
+            <a:softEdge rad="88900"/>
+          </a:effectLst>
+        </p:spPr>
+      </p:pic>
+    </p:spTree>
+    <p:extLst>
+      <p:ext uri="{BB962C8B-B14F-4D97-AF65-F5344CB8AC3E}">
+        <p14:creationId xmlns:p14="http://schemas.microsoft.com/office/powerpoint/2010/main" val="2199000165"/>
+      </p:ext>
+    </p:extLst>
+  </p:cSld>
+  <p:clrMapOvr>
+    <a:masterClrMapping/>
+  </p:clrMapOvr>
+</p:sld>
+</file>
+
+<file path=ppt/slides/slide6.xml><?xml version="1.0" encoding="utf-8"?>
+<p:sld xmlns:a="http://schemas.openxmlformats.org/drawingml/2006/main" xmlns:r="http://schemas.openxmlformats.org/officeDocument/2006/relationships" xmlns:p="http://schemas.openxmlformats.org/presentationml/2006/main">
+  <p:cSld>
+    <p:bg>
+      <p:bgPr>
+        <a:solidFill>
+          <a:schemeClr val="bg1"/>
+        </a:solidFill>
+        <a:effectLst/>
+      </p:bgPr>
+    </p:bg>
+    <p:spTree>
+      <p:nvGrpSpPr>
+        <p:cNvPr id="1" name="">
+          <a:extLst>
+            <a:ext uri="{FF2B5EF4-FFF2-40B4-BE49-F238E27FC236}">
+              <a16:creationId xmlns:a16="http://schemas.microsoft.com/office/drawing/2014/main" id="{B4AB5020-3DCC-7188-7EB4-3105A9FCDBD0}"/>
+            </a:ext>
+          </a:extLst>
+        </p:cNvPr>
+        <p:cNvGrpSpPr/>
+        <p:nvPr/>
+      </p:nvGrpSpPr>
+      <p:grpSpPr>
+        <a:xfrm>
+          <a:off x="0" y="0"/>
+          <a:ext cx="0" cy="0"/>
+          <a:chOff x="0" y="0"/>
+          <a:chExt cx="0" cy="0"/>
+        </a:xfrm>
+      </p:grpSpPr>
+      <p:sp>
+        <p:nvSpPr>
+          <p:cNvPr id="8" name="Rectangle 7">
+            <a:extLst>
+              <a:ext uri="{FF2B5EF4-FFF2-40B4-BE49-F238E27FC236}">
+                <a16:creationId xmlns:a16="http://schemas.microsoft.com/office/drawing/2014/main" id="{70DFC902-7D23-471A-B557-B6B6917D7A0D}"/>
+              </a:ext>
+              <a:ext uri="{C183D7F6-B498-43B3-948B-1728B52AA6E4}">
+                <adec:decorative xmlns:adec="http://schemas.microsoft.com/office/drawing/2017/decorative" val="1"/>
+              </a:ext>
+            </a:extLst>
+          </p:cNvPr>
+          <p:cNvSpPr>
+            <a:spLocks noGrp="1" noRot="1" noChangeAspect="1" noMove="1" noResize="1" noEditPoints="1" noAdjustHandles="1" noChangeArrowheads="1" noChangeShapeType="1" noTextEdit="1"/>
+          </p:cNvSpPr>
+          <p:nvPr>
+            <p:extLst>
+              <p:ext uri="{386F3935-93C4-4BCD-93E2-E3B085C9AB24}">
+                <p16:designElem xmlns:p16="http://schemas.microsoft.com/office/powerpoint/2015/main" val="1"/>
+              </p:ext>
+            </p:extLst>
+          </p:nvPr>
+        </p:nvSpPr>
+        <p:spPr>
+          <a:xfrm>
+            <a:off x="10" y="-5705"/>
+            <a:ext cx="12191990" cy="1694346"/>
+          </a:xfrm>
+          <a:prstGeom prst="rect">
+            <a:avLst/>
+          </a:prstGeom>
+          <a:solidFill>
+            <a:schemeClr val="tx1">
+              <a:lumMod val="85000"/>
+              <a:lumOff val="15000"/>
+            </a:schemeClr>
+          </a:solidFill>
+          <a:ln>
+            <a:noFill/>
+          </a:ln>
+        </p:spPr>
+        <p:style>
+          <a:lnRef idx="2">
+            <a:schemeClr val="accent1">
+              <a:shade val="50000"/>
+            </a:schemeClr>
+          </a:lnRef>
+          <a:fillRef idx="1">
+            <a:schemeClr val="accent1"/>
+          </a:fillRef>
+          <a:effectRef idx="0">
+            <a:schemeClr val="accent1"/>
+          </a:effectRef>
+          <a:fontRef idx="minor">
+            <a:schemeClr val="lt1"/>
+          </a:fontRef>
+        </p:style>
+        <p:txBody>
+          <a:bodyPr rtlCol="0" anchor="ctr"/>
+          <a:lstStyle/>
+          <a:p>
+            <a:pPr algn="ctr"/>
+            <a:endParaRPr lang="en-US"/>
+          </a:p>
+        </p:txBody>
+      </p:sp>
+      <p:sp>
+        <p:nvSpPr>
+          <p:cNvPr id="2" name="タイトル 1">
+            <a:extLst>
+              <a:ext uri="{FF2B5EF4-FFF2-40B4-BE49-F238E27FC236}">
+                <a16:creationId xmlns:a16="http://schemas.microsoft.com/office/drawing/2014/main" id="{CAF556A4-F866-BD9E-2160-DF6B31EC20AD}"/>
+              </a:ext>
+            </a:extLst>
+          </p:cNvPr>
+          <p:cNvSpPr>
+            <a:spLocks noGrp="1"/>
+          </p:cNvSpPr>
+          <p:nvPr>
+            <p:ph type="title"/>
+          </p:nvPr>
+        </p:nvSpPr>
+        <p:spPr>
+          <a:xfrm>
+            <a:off x="1156851" y="637762"/>
+            <a:ext cx="9888496" cy="900131"/>
+          </a:xfrm>
+        </p:spPr>
+        <p:txBody>
+          <a:bodyPr anchor="t">
+            <a:normAutofit/>
+          </a:bodyPr>
+          <a:lstStyle/>
+          <a:p>
+            <a:r>
+              <a:rPr lang="ja-JP" altLang="en-US" sz="4000">
+                <a:solidFill>
+                  <a:schemeClr val="bg1"/>
+                </a:solidFill>
+              </a:rPr>
+              <a:t>デ</a:t>
+            </a:r>
+            <a:r>
+              <a:rPr kumimoji="1" lang="ja-JP" altLang="en-US" sz="4000">
+                <a:solidFill>
+                  <a:schemeClr val="bg1"/>
+                </a:solidFill>
+              </a:rPr>
+              <a:t>モンストレーション</a:t>
+            </a:r>
+          </a:p>
+        </p:txBody>
+      </p:sp>
+      <p:sp>
+        <p:nvSpPr>
+          <p:cNvPr id="10" name="Rectangle 9">
+            <a:extLst>
+              <a:ext uri="{FF2B5EF4-FFF2-40B4-BE49-F238E27FC236}">
+                <a16:creationId xmlns:a16="http://schemas.microsoft.com/office/drawing/2014/main" id="{A55D5633-D557-4DCA-982C-FF36EB7A1C00}"/>
+              </a:ext>
+              <a:ext uri="{C183D7F6-B498-43B3-948B-1728B52AA6E4}">
+                <adec:decorative xmlns:adec="http://schemas.microsoft.com/office/drawing/2017/decorative" val="1"/>
+              </a:ext>
+            </a:extLst>
+          </p:cNvPr>
+          <p:cNvSpPr>
+            <a:spLocks noGrp="1" noRot="1" noChangeAspect="1" noMove="1" noResize="1" noEditPoints="1" noAdjustHandles="1" noChangeArrowheads="1" noChangeShapeType="1" noTextEdit="1"/>
+          </p:cNvSpPr>
+          <p:nvPr>
+            <p:extLst>
+              <p:ext uri="{386F3935-93C4-4BCD-93E2-E3B085C9AB24}">
+                <p16:designElem xmlns:p16="http://schemas.microsoft.com/office/powerpoint/2015/main" val="1"/>
+              </p:ext>
+            </p:extLst>
+          </p:nvPr>
+        </p:nvSpPr>
+        <p:spPr>
+          <a:xfrm>
+            <a:off x="0" y="1688641"/>
+            <a:ext cx="12191990" cy="5169359"/>
+          </a:xfrm>
+          <a:prstGeom prst="rect">
+            <a:avLst/>
+          </a:prstGeom>
+          <a:solidFill>
+            <a:schemeClr val="bg1">
+              <a:lumMod val="95000"/>
+            </a:schemeClr>
+          </a:solidFill>
+          <a:ln>
+            <a:noFill/>
+          </a:ln>
+        </p:spPr>
+        <p:style>
+          <a:lnRef idx="2">
+            <a:schemeClr val="accent1">
+              <a:shade val="50000"/>
+            </a:schemeClr>
+          </a:lnRef>
+          <a:fillRef idx="1">
+            <a:schemeClr val="accent1"/>
+          </a:fillRef>
+          <a:effectRef idx="0">
+            <a:schemeClr val="accent1"/>
+          </a:effectRef>
+          <a:fontRef idx="minor">
+            <a:schemeClr val="lt1"/>
+          </a:fontRef>
+        </p:style>
+        <p:txBody>
+          <a:bodyPr rtlCol="0" anchor="ctr"/>
+          <a:lstStyle/>
+          <a:p>
+            <a:pPr algn="ctr"/>
+            <a:endParaRPr lang="en-US"/>
+          </a:p>
+        </p:txBody>
+      </p:sp>
+      <p:sp>
+        <p:nvSpPr>
+          <p:cNvPr id="12" name="Rectangle 11">
+            <a:extLst>
+              <a:ext uri="{FF2B5EF4-FFF2-40B4-BE49-F238E27FC236}">
+                <a16:creationId xmlns:a16="http://schemas.microsoft.com/office/drawing/2014/main" id="{450D3AD2-FA80-415F-A9CE-54D884561CD7}"/>
+              </a:ext>
+              <a:ext uri="{C183D7F6-B498-43B3-948B-1728B52AA6E4}">
+                <adec:decorative xmlns:adec="http://schemas.microsoft.com/office/drawing/2017/decorative" val="1"/>
+              </a:ext>
+            </a:extLst>
+          </p:cNvPr>
+          <p:cNvSpPr>
+            <a:spLocks noGrp="1" noRot="1" noChangeAspect="1" noMove="1" noResize="1" noEditPoints="1" noAdjustHandles="1" noChangeArrowheads="1" noChangeShapeType="1" noTextEdit="1"/>
+          </p:cNvSpPr>
+          <p:nvPr>
+            <p:extLst>
+              <p:ext uri="{386F3935-93C4-4BCD-93E2-E3B085C9AB24}">
+                <p16:designElem xmlns:p16="http://schemas.microsoft.com/office/powerpoint/2015/main" val="1"/>
+              </p:ext>
+            </p:extLst>
+          </p:nvPr>
+        </p:nvSpPr>
+        <p:spPr>
+          <a:xfrm>
+            <a:off x="1156851" y="2010758"/>
+            <a:ext cx="457190" cy="45719"/>
+          </a:xfrm>
+          <a:prstGeom prst="rect">
+            <a:avLst/>
+          </a:prstGeom>
+          <a:solidFill>
+            <a:schemeClr val="tx1"/>
+          </a:solidFill>
+          <a:ln>
+            <a:noFill/>
+          </a:ln>
+        </p:spPr>
+        <p:style>
+          <a:lnRef idx="2">
+            <a:schemeClr val="accent1">
+              <a:shade val="50000"/>
+            </a:schemeClr>
+          </a:lnRef>
+          <a:fillRef idx="1">
+            <a:schemeClr val="accent1"/>
+          </a:fillRef>
+          <a:effectRef idx="0">
+            <a:schemeClr val="accent1"/>
+          </a:effectRef>
+          <a:fontRef idx="minor">
+            <a:schemeClr val="lt1"/>
+          </a:fontRef>
+        </p:style>
+        <p:txBody>
+          <a:bodyPr rtlCol="0" anchor="ctr"/>
+          <a:lstStyle/>
+          <a:p>
+            <a:pPr algn="ctr"/>
+            <a:endParaRPr lang="en-US"/>
+          </a:p>
+        </p:txBody>
+      </p:sp>
+      <p:sp>
+        <p:nvSpPr>
+          <p:cNvPr id="3" name="コンテンツ プレースホルダー 2">
+            <a:extLst>
+              <a:ext uri="{FF2B5EF4-FFF2-40B4-BE49-F238E27FC236}">
+                <a16:creationId xmlns:a16="http://schemas.microsoft.com/office/drawing/2014/main" id="{5B4CBD03-0EEB-4979-D9D5-95ABAA12C123}"/>
+              </a:ext>
+            </a:extLst>
+          </p:cNvPr>
+          <p:cNvSpPr>
+            <a:spLocks noGrp="1"/>
+          </p:cNvSpPr>
+          <p:nvPr>
+            <p:ph idx="1"/>
+          </p:nvPr>
+        </p:nvSpPr>
+        <p:spPr>
+          <a:xfrm>
+            <a:off x="1155548" y="2217343"/>
+            <a:ext cx="9880893" cy="3959619"/>
+          </a:xfrm>
+        </p:spPr>
+        <p:txBody>
+          <a:bodyPr>
+            <a:normAutofit/>
+          </a:bodyPr>
+          <a:lstStyle/>
+          <a:p>
+            <a:pPr lvl="1"/>
+            <a:endParaRPr kumimoji="1" lang="ja-JP" altLang="en-US" dirty="0"/>
+          </a:p>
+        </p:txBody>
+      </p:sp>
+    </p:spTree>
+    <p:extLst>
+      <p:ext uri="{BB962C8B-B14F-4D97-AF65-F5344CB8AC3E}">
+        <p14:creationId xmlns:p14="http://schemas.microsoft.com/office/powerpoint/2010/main" val="2015097379"/>
+      </p:ext>
+    </p:extLst>
+  </p:cSld>
+  <p:clrMapOvr>
+    <a:masterClrMapping/>
+  </p:clrMapOvr>
+</p:sld>
+</file>
+
+<file path=ppt/slides/slide7.xml><?xml version="1.0" encoding="utf-8"?>
+<p:sld xmlns:a="http://schemas.openxmlformats.org/drawingml/2006/main" xmlns:r="http://schemas.openxmlformats.org/officeDocument/2006/relationships" xmlns:p="http://schemas.openxmlformats.org/presentationml/2006/main">
+  <p:cSld>
+    <p:bg>
+      <p:bgPr>
+        <a:solidFill>
+          <a:schemeClr val="bg1"/>
+        </a:solidFill>
+        <a:effectLst/>
+      </p:bgPr>
+    </p:bg>
+    <p:spTree>
+      <p:nvGrpSpPr>
+        <p:cNvPr id="1" name="">
+          <a:extLst>
+            <a:ext uri="{FF2B5EF4-FFF2-40B4-BE49-F238E27FC236}">
+              <a16:creationId xmlns:a16="http://schemas.microsoft.com/office/drawing/2014/main" id="{FEACDDAB-9BB4-1A92-8524-2AA72397BC74}"/>
+            </a:ext>
+          </a:extLst>
+        </p:cNvPr>
+        <p:cNvGrpSpPr/>
+        <p:nvPr/>
+      </p:nvGrpSpPr>
+      <p:grpSpPr>
+        <a:xfrm>
+          <a:off x="0" y="0"/>
+          <a:ext cx="0" cy="0"/>
+          <a:chOff x="0" y="0"/>
+          <a:chExt cx="0" cy="0"/>
+        </a:xfrm>
+      </p:grpSpPr>
+      <p:sp>
+        <p:nvSpPr>
+          <p:cNvPr id="8" name="Rectangle 7">
+            <a:extLst>
+              <a:ext uri="{FF2B5EF4-FFF2-40B4-BE49-F238E27FC236}">
+                <a16:creationId xmlns:a16="http://schemas.microsoft.com/office/drawing/2014/main" id="{0D59B844-87FC-0859-1BE7-86777580D7DD}"/>
+              </a:ext>
+              <a:ext uri="{C183D7F6-B498-43B3-948B-1728B52AA6E4}">
+                <adec:decorative xmlns:adec="http://schemas.microsoft.com/office/drawing/2017/decorative" val="1"/>
+              </a:ext>
+            </a:extLst>
+          </p:cNvPr>
+          <p:cNvSpPr>
+            <a:spLocks noGrp="1" noRot="1" noChangeAspect="1" noMove="1" noResize="1" noEditPoints="1" noAdjustHandles="1" noChangeArrowheads="1" noChangeShapeType="1" noTextEdit="1"/>
+          </p:cNvSpPr>
+          <p:nvPr>
+            <p:extLst>
+              <p:ext uri="{386F3935-93C4-4BCD-93E2-E3B085C9AB24}">
+                <p16:designElem xmlns:p16="http://schemas.microsoft.com/office/powerpoint/2015/main" val="1"/>
+              </p:ext>
+            </p:extLst>
+          </p:nvPr>
+        </p:nvSpPr>
+        <p:spPr>
+          <a:xfrm>
+            <a:off x="10" y="-5705"/>
+            <a:ext cx="12191990" cy="1694346"/>
+          </a:xfrm>
+          <a:prstGeom prst="rect">
+            <a:avLst/>
+          </a:prstGeom>
+          <a:solidFill>
+            <a:schemeClr val="tx1">
+              <a:lumMod val="85000"/>
+              <a:lumOff val="15000"/>
+            </a:schemeClr>
+          </a:solidFill>
+          <a:ln>
+            <a:noFill/>
+          </a:ln>
+        </p:spPr>
+        <p:style>
+          <a:lnRef idx="2">
+            <a:schemeClr val="accent1">
+              <a:shade val="50000"/>
+            </a:schemeClr>
+          </a:lnRef>
+          <a:fillRef idx="1">
+            <a:schemeClr val="accent1"/>
+          </a:fillRef>
+          <a:effectRef idx="0">
+            <a:schemeClr val="accent1"/>
+          </a:effectRef>
+          <a:fontRef idx="minor">
+            <a:schemeClr val="lt1"/>
+          </a:fontRef>
+        </p:style>
+        <p:txBody>
+          <a:bodyPr rtlCol="0" anchor="ctr"/>
+          <a:lstStyle/>
+          <a:p>
+            <a:pPr algn="ctr"/>
+            <a:endParaRPr lang="en-US"/>
+          </a:p>
+        </p:txBody>
+      </p:sp>
+      <p:sp>
+        <p:nvSpPr>
+          <p:cNvPr id="10" name="Rectangle 9">
+            <a:extLst>
+              <a:ext uri="{FF2B5EF4-FFF2-40B4-BE49-F238E27FC236}">
+                <a16:creationId xmlns:a16="http://schemas.microsoft.com/office/drawing/2014/main" id="{A120FEC9-161E-74F2-D32C-54068FBCE758}"/>
+              </a:ext>
+              <a:ext uri="{C183D7F6-B498-43B3-948B-1728B52AA6E4}">
+                <adec:decorative xmlns:adec="http://schemas.microsoft.com/office/drawing/2017/decorative" val="1"/>
+              </a:ext>
+            </a:extLst>
+          </p:cNvPr>
+          <p:cNvSpPr>
+            <a:spLocks noGrp="1" noRot="1" noChangeAspect="1" noMove="1" noResize="1" noEditPoints="1" noAdjustHandles="1" noChangeArrowheads="1" noChangeShapeType="1" noTextEdit="1"/>
+          </p:cNvSpPr>
+          <p:nvPr>
+            <p:extLst>
+              <p:ext uri="{386F3935-93C4-4BCD-93E2-E3B085C9AB24}">
+                <p16:designElem xmlns:p16="http://schemas.microsoft.com/office/powerpoint/2015/main" val="1"/>
+              </p:ext>
+            </p:extLst>
+          </p:nvPr>
+        </p:nvSpPr>
+        <p:spPr>
+          <a:xfrm>
+            <a:off x="0" y="1688641"/>
+            <a:ext cx="12191990" cy="5169359"/>
+          </a:xfrm>
+          <a:prstGeom prst="rect">
+            <a:avLst/>
+          </a:prstGeom>
+          <a:solidFill>
+            <a:schemeClr val="bg1">
+              <a:lumMod val="95000"/>
+            </a:schemeClr>
+          </a:solidFill>
+          <a:ln>
+            <a:noFill/>
+          </a:ln>
+        </p:spPr>
+        <p:style>
+          <a:lnRef idx="2">
+            <a:schemeClr val="accent1">
+              <a:shade val="50000"/>
+            </a:schemeClr>
+          </a:lnRef>
+          <a:fillRef idx="1">
+            <a:schemeClr val="accent1"/>
+          </a:fillRef>
+          <a:effectRef idx="0">
+            <a:schemeClr val="accent1"/>
+          </a:effectRef>
+          <a:fontRef idx="minor">
+            <a:schemeClr val="lt1"/>
+          </a:fontRef>
+        </p:style>
+        <p:txBody>
+          <a:bodyPr rtlCol="0" anchor="ctr"/>
+          <a:lstStyle/>
+          <a:p>
+            <a:pPr algn="ctr"/>
+            <a:endParaRPr lang="en-US"/>
+          </a:p>
+        </p:txBody>
+      </p:sp>
+      <p:sp>
+        <p:nvSpPr>
+          <p:cNvPr id="12" name="Rectangle 11">
+            <a:extLst>
+              <a:ext uri="{FF2B5EF4-FFF2-40B4-BE49-F238E27FC236}">
+                <a16:creationId xmlns:a16="http://schemas.microsoft.com/office/drawing/2014/main" id="{C1FCEC65-5F46-F8F9-44D5-290EC81AB3C9}"/>
+              </a:ext>
+              <a:ext uri="{C183D7F6-B498-43B3-948B-1728B52AA6E4}">
+                <adec:decorative xmlns:adec="http://schemas.microsoft.com/office/drawing/2017/decorative" val="1"/>
+              </a:ext>
+            </a:extLst>
+          </p:cNvPr>
+          <p:cNvSpPr>
+            <a:spLocks noGrp="1" noRot="1" noChangeAspect="1" noMove="1" noResize="1" noEditPoints="1" noAdjustHandles="1" noChangeArrowheads="1" noChangeShapeType="1" noTextEdit="1"/>
+          </p:cNvSpPr>
+          <p:nvPr>
+            <p:extLst>
+              <p:ext uri="{386F3935-93C4-4BCD-93E2-E3B085C9AB24}">
+                <p16:designElem xmlns:p16="http://schemas.microsoft.com/office/powerpoint/2015/main" val="1"/>
+              </p:ext>
+            </p:extLst>
+          </p:nvPr>
+        </p:nvSpPr>
+        <p:spPr>
+          <a:xfrm>
+            <a:off x="1156851" y="2010758"/>
+            <a:ext cx="457190" cy="45719"/>
+          </a:xfrm>
+          <a:prstGeom prst="rect">
+            <a:avLst/>
+          </a:prstGeom>
+          <a:solidFill>
+            <a:schemeClr val="tx1"/>
+          </a:solidFill>
+          <a:ln>
+            <a:noFill/>
+          </a:ln>
+        </p:spPr>
+        <p:style>
+          <a:lnRef idx="2">
+            <a:schemeClr val="accent1">
+              <a:shade val="50000"/>
+            </a:schemeClr>
+          </a:lnRef>
+          <a:fillRef idx="1">
+            <a:schemeClr val="accent1"/>
+          </a:fillRef>
+          <a:effectRef idx="0">
+            <a:schemeClr val="accent1"/>
+          </a:effectRef>
+          <a:fontRef idx="minor">
+            <a:schemeClr val="lt1"/>
+          </a:fontRef>
+        </p:style>
+        <p:txBody>
+          <a:bodyPr rtlCol="0" anchor="ctr"/>
+          <a:lstStyle/>
+          <a:p>
+            <a:pPr algn="ctr"/>
+            <a:endParaRPr lang="en-US"/>
+          </a:p>
+        </p:txBody>
+      </p:sp>
+      <p:sp>
+        <p:nvSpPr>
+          <p:cNvPr id="6" name="タイトル 1">
+            <a:extLst>
+              <a:ext uri="{FF2B5EF4-FFF2-40B4-BE49-F238E27FC236}">
+                <a16:creationId xmlns:a16="http://schemas.microsoft.com/office/drawing/2014/main" id="{997C60C8-03D5-B26D-F1A6-49AD22B1DF77}"/>
+              </a:ext>
+            </a:extLst>
+          </p:cNvPr>
+          <p:cNvSpPr txBox="1">
+            <a:spLocks/>
+          </p:cNvSpPr>
+          <p:nvPr/>
+        </p:nvSpPr>
+        <p:spPr>
+          <a:xfrm>
+            <a:off x="838200" y="365125"/>
+            <a:ext cx="10515600" cy="1325563"/>
+          </a:xfrm>
+          <a:prstGeom prst="rect">
+            <a:avLst/>
+          </a:prstGeom>
+        </p:spPr>
+        <p:txBody>
+          <a:bodyPr vert="horz" lIns="91440" tIns="45720" rIns="91440" bIns="45720" rtlCol="0" anchor="ctr">
+            <a:normAutofit/>
+          </a:bodyPr>
+          <a:lstStyle>
+            <a:lvl1pPr algn="l" defTabSz="914400" rtl="0" eaLnBrk="1" latinLnBrk="0" hangingPunct="1">
+              <a:lnSpc>
+                <a:spcPct val="90000"/>
+              </a:lnSpc>
+              <a:spcBef>
+                <a:spcPct val="0"/>
+              </a:spcBef>
+              <a:buNone/>
+              <a:defRPr kumimoji="1" sz="4400" kern="1200">
+                <a:solidFill>
+                  <a:schemeClr val="tx1"/>
+                </a:solidFill>
+                <a:latin typeface="+mj-lt"/>
+                <a:ea typeface="+mj-ea"/>
+                <a:cs typeface="+mj-cs"/>
+              </a:defRPr>
+            </a:lvl1pPr>
+          </a:lstStyle>
+          <a:p>
+            <a:r>
+              <a:rPr lang="ja-JP" altLang="en-US" dirty="0">
+                <a:solidFill>
+                  <a:schemeClr val="bg1"/>
+                </a:solidFill>
+              </a:rPr>
+              <a:t>自分たちが考える課題と解決</a:t>
+            </a:r>
+            <a:r>
+              <a:rPr lang="en-US" altLang="ja-JP" dirty="0">
+                <a:solidFill>
+                  <a:schemeClr val="bg1"/>
+                </a:solidFill>
+              </a:rPr>
+              <a:t>2</a:t>
+            </a:r>
+            <a:endParaRPr lang="ja-JP" altLang="en-US" dirty="0">
+              <a:solidFill>
+                <a:schemeClr val="bg1"/>
+              </a:solidFill>
+            </a:endParaRPr>
+          </a:p>
+        </p:txBody>
+      </p:sp>
+      <p:sp>
+        <p:nvSpPr>
+          <p:cNvPr id="7" name="コンテンツ プレースホルダー 2">
+            <a:extLst>
+              <a:ext uri="{FF2B5EF4-FFF2-40B4-BE49-F238E27FC236}">
+                <a16:creationId xmlns:a16="http://schemas.microsoft.com/office/drawing/2014/main" id="{57569D15-BDC9-147B-0F85-01AECD30F98B}"/>
+              </a:ext>
+            </a:extLst>
+          </p:cNvPr>
+          <p:cNvSpPr>
+            <a:spLocks noGrp="1"/>
+          </p:cNvSpPr>
+          <p:nvPr>
+            <p:ph idx="1"/>
+          </p:nvPr>
+        </p:nvSpPr>
+        <p:spPr>
+          <a:xfrm>
+            <a:off x="612047" y="2244700"/>
+            <a:ext cx="10515600" cy="2028620"/>
+          </a:xfrm>
+        </p:spPr>
+        <p:txBody>
+          <a:bodyPr/>
+          <a:lstStyle/>
+          <a:p>
+            <a:pPr>
+              <a:buFont typeface="Wingdings" panose="05000000000000000000" pitchFamily="2" charset="2"/>
+              <a:buChar char="p"/>
+            </a:pPr>
+            <a:r>
+              <a:rPr lang="ja-JP" altLang="en-US" dirty="0"/>
+              <a:t>課題：入力データが正常かどうかがわからない</a:t>
+            </a:r>
+            <a:endParaRPr lang="en-US" altLang="ja-JP" dirty="0"/>
+          </a:p>
+          <a:p>
+            <a:pPr lvl="1"/>
+            <a:r>
+              <a:rPr lang="ja-JP" altLang="en-US" dirty="0"/>
+              <a:t>記録者が入力しているときに入力したデータが正常なのか異常なのかがわからない</a:t>
+            </a:r>
+            <a:endParaRPr lang="en-US" altLang="ja-JP" dirty="0"/>
+          </a:p>
+          <a:p>
+            <a:pPr lvl="1"/>
+            <a:endParaRPr lang="en-US" altLang="ja-JP" dirty="0"/>
+          </a:p>
+          <a:p>
+            <a:pPr lvl="1"/>
+            <a:endParaRPr lang="en-US" altLang="ja-JP" dirty="0"/>
+          </a:p>
+          <a:p>
+            <a:endParaRPr kumimoji="1" lang="ja-JP" altLang="en-US" dirty="0"/>
+          </a:p>
+        </p:txBody>
+      </p:sp>
+      <p:sp>
+        <p:nvSpPr>
+          <p:cNvPr id="9" name="テキスト ボックス 8">
+            <a:extLst>
+              <a:ext uri="{FF2B5EF4-FFF2-40B4-BE49-F238E27FC236}">
+                <a16:creationId xmlns:a16="http://schemas.microsoft.com/office/drawing/2014/main" id="{D3D5B734-DC17-3F56-675D-134375B379DC}"/>
+              </a:ext>
+            </a:extLst>
+          </p:cNvPr>
+          <p:cNvSpPr txBox="1"/>
+          <p:nvPr/>
+        </p:nvSpPr>
+        <p:spPr>
+          <a:xfrm>
+            <a:off x="612057" y="4011724"/>
+            <a:ext cx="11579943" cy="1631216"/>
+          </a:xfrm>
+          <a:prstGeom prst="rect">
+            <a:avLst/>
+          </a:prstGeom>
+          <a:noFill/>
+        </p:spPr>
+        <p:txBody>
+          <a:bodyPr wrap="square">
+            <a:spAutoFit/>
+          </a:bodyPr>
+          <a:lstStyle/>
+          <a:p>
+            <a:pPr>
+              <a:buFont typeface="Wingdings" panose="05000000000000000000" pitchFamily="2" charset="2"/>
+              <a:buChar char="ü"/>
+            </a:pPr>
+            <a:r>
+              <a:rPr lang="ja-JP" altLang="en-US" sz="2800" dirty="0"/>
+              <a:t>解決策：基準値から外れる場合、入力欄に色を付けることで警告する</a:t>
+            </a:r>
+            <a:endParaRPr lang="en-US" altLang="ja-JP" sz="2400" dirty="0"/>
+          </a:p>
+          <a:p>
+            <a:pPr marL="800100" lvl="1" indent="-342900">
+              <a:buFont typeface="Arial" panose="020B0604020202020204" pitchFamily="34" charset="0"/>
+              <a:buChar char="•"/>
+            </a:pPr>
+            <a:r>
+              <a:rPr lang="ja-JP" altLang="en-US" sz="2400" dirty="0"/>
+              <a:t>法律で定められている数値や、独自に定めた数値などをアプリに設定することで、入力された際にそれが合理的かを判定する</a:t>
+            </a:r>
+            <a:endParaRPr lang="en-US" altLang="ja-JP" sz="2400" dirty="0"/>
+          </a:p>
+          <a:p>
+            <a:pPr lvl="1"/>
+            <a:endParaRPr lang="en-US" altLang="ja-JP" sz="2400" dirty="0"/>
+          </a:p>
+        </p:txBody>
+      </p:sp>
+    </p:spTree>
+    <p:extLst>
+      <p:ext uri="{BB962C8B-B14F-4D97-AF65-F5344CB8AC3E}">
+        <p14:creationId xmlns:p14="http://schemas.microsoft.com/office/powerpoint/2010/main" val="1012089376"/>
+      </p:ext>
+    </p:extLst>
+  </p:cSld>
+  <p:clrMapOvr>
+    <a:masterClrMapping/>
+  </p:clrMapOvr>
+</p:sld>
+</file>
+
+<file path=ppt/slides/slide8.xml><?xml version="1.0" encoding="utf-8"?>
+<p:sld xmlns:a="http://schemas.openxmlformats.org/drawingml/2006/main" xmlns:r="http://schemas.openxmlformats.org/officeDocument/2006/relationships" xmlns:p="http://schemas.openxmlformats.org/presentationml/2006/main">
+  <p:cSld>
+    <p:bg>
+      <p:bgPr>
+        <a:solidFill>
+          <a:schemeClr val="bg1"/>
+        </a:solidFill>
+        <a:effectLst/>
+      </p:bgPr>
+    </p:bg>
+    <p:spTree>
+      <p:nvGrpSpPr>
+        <p:cNvPr id="1" name="">
+          <a:extLst>
+            <a:ext uri="{FF2B5EF4-FFF2-40B4-BE49-F238E27FC236}">
+              <a16:creationId xmlns:a16="http://schemas.microsoft.com/office/drawing/2014/main" id="{336371C9-E671-F597-DA76-D61AEFEEEC0E}"/>
+            </a:ext>
+          </a:extLst>
+        </p:cNvPr>
+        <p:cNvGrpSpPr/>
+        <p:nvPr/>
+      </p:nvGrpSpPr>
+      <p:grpSpPr>
+        <a:xfrm>
+          <a:off x="0" y="0"/>
+          <a:ext cx="0" cy="0"/>
+          <a:chOff x="0" y="0"/>
+          <a:chExt cx="0" cy="0"/>
+        </a:xfrm>
+      </p:grpSpPr>
+      <p:sp>
+        <p:nvSpPr>
+          <p:cNvPr id="8" name="Rectangle 7">
+            <a:extLst>
+              <a:ext uri="{FF2B5EF4-FFF2-40B4-BE49-F238E27FC236}">
+                <a16:creationId xmlns:a16="http://schemas.microsoft.com/office/drawing/2014/main" id="{70DFC902-7D23-471A-B557-B6B6917D7A0D}"/>
+              </a:ext>
+              <a:ext uri="{C183D7F6-B498-43B3-948B-1728B52AA6E4}">
+                <adec:decorative xmlns:adec="http://schemas.microsoft.com/office/drawing/2017/decorative" val="1"/>
+              </a:ext>
+            </a:extLst>
+          </p:cNvPr>
+          <p:cNvSpPr>
+            <a:spLocks noGrp="1" noRot="1" noChangeAspect="1" noMove="1" noResize="1" noEditPoints="1" noAdjustHandles="1" noChangeArrowheads="1" noChangeShapeType="1" noTextEdit="1"/>
+          </p:cNvSpPr>
+          <p:nvPr>
+            <p:extLst>
+              <p:ext uri="{386F3935-93C4-4BCD-93E2-E3B085C9AB24}">
+                <p16:designElem xmlns:p16="http://schemas.microsoft.com/office/powerpoint/2015/main" val="1"/>
+              </p:ext>
+            </p:extLst>
+          </p:nvPr>
+        </p:nvSpPr>
+        <p:spPr>
+          <a:xfrm>
+            <a:off x="10" y="-5705"/>
+            <a:ext cx="12191990" cy="1694346"/>
+          </a:xfrm>
+          <a:prstGeom prst="rect">
+            <a:avLst/>
+          </a:prstGeom>
+          <a:solidFill>
+            <a:schemeClr val="tx1">
+              <a:lumMod val="85000"/>
+              <a:lumOff val="15000"/>
+            </a:schemeClr>
+          </a:solidFill>
+          <a:ln>
+            <a:noFill/>
+          </a:ln>
+        </p:spPr>
+        <p:style>
+          <a:lnRef idx="2">
+            <a:schemeClr val="accent1">
+              <a:shade val="50000"/>
+            </a:schemeClr>
+          </a:lnRef>
+          <a:fillRef idx="1">
+            <a:schemeClr val="accent1"/>
+          </a:fillRef>
+          <a:effectRef idx="0">
+            <a:schemeClr val="accent1"/>
+          </a:effectRef>
+          <a:fontRef idx="minor">
+            <a:schemeClr val="lt1"/>
+          </a:fontRef>
+        </p:style>
+        <p:txBody>
+          <a:bodyPr rtlCol="0" anchor="ctr"/>
+          <a:lstStyle/>
+          <a:p>
+            <a:pPr algn="ctr"/>
+            <a:endParaRPr lang="en-US"/>
+          </a:p>
+        </p:txBody>
+      </p:sp>
+      <p:sp>
+        <p:nvSpPr>
+          <p:cNvPr id="2" name="タイトル 1">
+            <a:extLst>
+              <a:ext uri="{FF2B5EF4-FFF2-40B4-BE49-F238E27FC236}">
+                <a16:creationId xmlns:a16="http://schemas.microsoft.com/office/drawing/2014/main" id="{92EB22BD-12C0-FB4E-9373-50401AC8BBFD}"/>
+              </a:ext>
+            </a:extLst>
+          </p:cNvPr>
+          <p:cNvSpPr>
+            <a:spLocks noGrp="1"/>
+          </p:cNvSpPr>
+          <p:nvPr>
+            <p:ph type="title"/>
+          </p:nvPr>
+        </p:nvSpPr>
+        <p:spPr>
+          <a:xfrm>
+            <a:off x="1156851" y="637762"/>
+            <a:ext cx="9888496" cy="900131"/>
+          </a:xfrm>
+        </p:spPr>
+        <p:txBody>
+          <a:bodyPr anchor="t">
+            <a:normAutofit/>
+          </a:bodyPr>
+          <a:lstStyle/>
+          <a:p>
+            <a:r>
+              <a:rPr lang="ja-JP" altLang="en-US" sz="4000">
+                <a:solidFill>
+                  <a:schemeClr val="bg1"/>
+                </a:solidFill>
+              </a:rPr>
+              <a:t>デ</a:t>
+            </a:r>
+            <a:r>
+              <a:rPr kumimoji="1" lang="ja-JP" altLang="en-US" sz="4000">
+                <a:solidFill>
+                  <a:schemeClr val="bg1"/>
+                </a:solidFill>
+              </a:rPr>
+              <a:t>モンストレーション</a:t>
+            </a:r>
+          </a:p>
+        </p:txBody>
+      </p:sp>
+      <p:sp>
+        <p:nvSpPr>
+          <p:cNvPr id="10" name="Rectangle 9">
+            <a:extLst>
+              <a:ext uri="{FF2B5EF4-FFF2-40B4-BE49-F238E27FC236}">
+                <a16:creationId xmlns:a16="http://schemas.microsoft.com/office/drawing/2014/main" id="{A55D5633-D557-4DCA-982C-FF36EB7A1C00}"/>
+              </a:ext>
+              <a:ext uri="{C183D7F6-B498-43B3-948B-1728B52AA6E4}">
+                <adec:decorative xmlns:adec="http://schemas.microsoft.com/office/drawing/2017/decorative" val="1"/>
+              </a:ext>
+            </a:extLst>
+          </p:cNvPr>
+          <p:cNvSpPr>
+            <a:spLocks noGrp="1" noRot="1" noChangeAspect="1" noMove="1" noResize="1" noEditPoints="1" noAdjustHandles="1" noChangeArrowheads="1" noChangeShapeType="1" noTextEdit="1"/>
+          </p:cNvSpPr>
+          <p:nvPr>
+            <p:extLst>
+              <p:ext uri="{386F3935-93C4-4BCD-93E2-E3B085C9AB24}">
+                <p16:designElem xmlns:p16="http://schemas.microsoft.com/office/powerpoint/2015/main" val="1"/>
+              </p:ext>
+            </p:extLst>
+          </p:nvPr>
+        </p:nvSpPr>
+        <p:spPr>
+          <a:xfrm>
+            <a:off x="0" y="1688641"/>
+            <a:ext cx="12191990" cy="5169359"/>
+          </a:xfrm>
+          <a:prstGeom prst="rect">
+            <a:avLst/>
+          </a:prstGeom>
+          <a:solidFill>
+            <a:schemeClr val="bg1">
+              <a:lumMod val="95000"/>
+            </a:schemeClr>
+          </a:solidFill>
+          <a:ln>
+            <a:noFill/>
+          </a:ln>
+        </p:spPr>
+        <p:style>
+          <a:lnRef idx="2">
+            <a:schemeClr val="accent1">
+              <a:shade val="50000"/>
+            </a:schemeClr>
+          </a:lnRef>
+          <a:fillRef idx="1">
+            <a:schemeClr val="accent1"/>
+          </a:fillRef>
+          <a:effectRef idx="0">
+            <a:schemeClr val="accent1"/>
+          </a:effectRef>
+          <a:fontRef idx="minor">
+            <a:schemeClr val="lt1"/>
+          </a:fontRef>
+        </p:style>
+        <p:txBody>
+          <a:bodyPr rtlCol="0" anchor="ctr"/>
+          <a:lstStyle/>
+          <a:p>
+            <a:pPr algn="ctr"/>
+            <a:endParaRPr lang="en-US"/>
+          </a:p>
+        </p:txBody>
+      </p:sp>
+      <p:sp>
+        <p:nvSpPr>
+          <p:cNvPr id="12" name="Rectangle 11">
+            <a:extLst>
+              <a:ext uri="{FF2B5EF4-FFF2-40B4-BE49-F238E27FC236}">
+                <a16:creationId xmlns:a16="http://schemas.microsoft.com/office/drawing/2014/main" id="{450D3AD2-FA80-415F-A9CE-54D884561CD7}"/>
+              </a:ext>
+              <a:ext uri="{C183D7F6-B498-43B3-948B-1728B52AA6E4}">
+                <adec:decorative xmlns:adec="http://schemas.microsoft.com/office/drawing/2017/decorative" val="1"/>
+              </a:ext>
+            </a:extLst>
+          </p:cNvPr>
+          <p:cNvSpPr>
+            <a:spLocks noGrp="1" noRot="1" noChangeAspect="1" noMove="1" noResize="1" noEditPoints="1" noAdjustHandles="1" noChangeArrowheads="1" noChangeShapeType="1" noTextEdit="1"/>
+          </p:cNvSpPr>
+          <p:nvPr>
+            <p:extLst>
+              <p:ext uri="{386F3935-93C4-4BCD-93E2-E3B085C9AB24}">
+                <p16:designElem xmlns:p16="http://schemas.microsoft.com/office/powerpoint/2015/main" val="1"/>
+              </p:ext>
+            </p:extLst>
+          </p:nvPr>
+        </p:nvSpPr>
+        <p:spPr>
+          <a:xfrm>
+            <a:off x="1156851" y="2010758"/>
+            <a:ext cx="457190" cy="45719"/>
+          </a:xfrm>
+          <a:prstGeom prst="rect">
+            <a:avLst/>
+          </a:prstGeom>
+          <a:solidFill>
+            <a:schemeClr val="tx1"/>
+          </a:solidFill>
+          <a:ln>
+            <a:noFill/>
+          </a:ln>
+        </p:spPr>
+        <p:style>
+          <a:lnRef idx="2">
+            <a:schemeClr val="accent1">
+              <a:shade val="50000"/>
+            </a:schemeClr>
+          </a:lnRef>
+          <a:fillRef idx="1">
+            <a:schemeClr val="accent1"/>
+          </a:fillRef>
+          <a:effectRef idx="0">
+            <a:schemeClr val="accent1"/>
+          </a:effectRef>
+          <a:fontRef idx="minor">
+            <a:schemeClr val="lt1"/>
+          </a:fontRef>
+        </p:style>
+        <p:txBody>
+          <a:bodyPr rtlCol="0" anchor="ctr"/>
+          <a:lstStyle/>
+          <a:p>
+            <a:pPr algn="ctr"/>
+            <a:endParaRPr lang="en-US"/>
+          </a:p>
+        </p:txBody>
+      </p:sp>
+      <p:sp>
+        <p:nvSpPr>
+          <p:cNvPr id="3" name="コンテンツ プレースホルダー 2">
+            <a:extLst>
+              <a:ext uri="{FF2B5EF4-FFF2-40B4-BE49-F238E27FC236}">
+                <a16:creationId xmlns:a16="http://schemas.microsoft.com/office/drawing/2014/main" id="{C72EC9F0-B893-3200-BE93-09DA7623ED6A}"/>
+              </a:ext>
+            </a:extLst>
+          </p:cNvPr>
+          <p:cNvSpPr>
+            <a:spLocks noGrp="1"/>
+          </p:cNvSpPr>
+          <p:nvPr>
+            <p:ph idx="1"/>
+          </p:nvPr>
+        </p:nvSpPr>
+        <p:spPr>
+          <a:xfrm>
+            <a:off x="1155548" y="2217343"/>
+            <a:ext cx="9880893" cy="3959619"/>
+          </a:xfrm>
+        </p:spPr>
+        <p:txBody>
+          <a:bodyPr>
+            <a:normAutofit/>
+          </a:bodyPr>
+          <a:lstStyle/>
+          <a:p>
+            <a:pPr lvl="1"/>
+            <a:endParaRPr kumimoji="1" lang="ja-JP" altLang="en-US" dirty="0"/>
+          </a:p>
+        </p:txBody>
+      </p:sp>
+    </p:spTree>
+    <p:extLst>
+      <p:ext uri="{BB962C8B-B14F-4D97-AF65-F5344CB8AC3E}">
+        <p14:creationId xmlns:p14="http://schemas.microsoft.com/office/powerpoint/2010/main" val="240101246"/>
+      </p:ext>
+    </p:extLst>
+  </p:cSld>
+  <p:clrMapOvr>
+    <a:masterClrMapping/>
+  </p:clrMapOvr>
+</p:sld>
+</file>
+
+<file path=ppt/slides/slide9.xml><?xml version="1.0" encoding="utf-8"?>
+<p:sld xmlns:a="http://schemas.openxmlformats.org/drawingml/2006/main" xmlns:r="http://schemas.openxmlformats.org/officeDocument/2006/relationships" xmlns:p="http://schemas.openxmlformats.org/presentationml/2006/main">
+  <p:cSld>
+    <p:bg>
+      <p:bgPr>
+        <a:solidFill>
+          <a:schemeClr val="bg1"/>
+        </a:solidFill>
+        <a:effectLst/>
+      </p:bgPr>
+    </p:bg>
+    <p:spTree>
+      <p:nvGrpSpPr>
+        <p:cNvPr id="1" name="">
+          <a:extLst>
+            <a:ext uri="{FF2B5EF4-FFF2-40B4-BE49-F238E27FC236}">
+              <a16:creationId xmlns:a16="http://schemas.microsoft.com/office/drawing/2014/main" id="{7EA127B1-81B8-3288-DCE8-0E59DD30E658}"/>
+            </a:ext>
+          </a:extLst>
+        </p:cNvPr>
+        <p:cNvGrpSpPr/>
+        <p:nvPr/>
+      </p:nvGrpSpPr>
+      <p:grpSpPr>
+        <a:xfrm>
+          <a:off x="0" y="0"/>
+          <a:ext cx="0" cy="0"/>
+          <a:chOff x="0" y="0"/>
+          <a:chExt cx="0" cy="0"/>
+        </a:xfrm>
+      </p:grpSpPr>
+      <p:sp>
+        <p:nvSpPr>
+          <p:cNvPr id="8" name="Rectangle 7">
+            <a:extLst>
+              <a:ext uri="{FF2B5EF4-FFF2-40B4-BE49-F238E27FC236}">
+                <a16:creationId xmlns:a16="http://schemas.microsoft.com/office/drawing/2014/main" id="{36F5131D-A17F-2D8C-7FA2-2C0338D9327E}"/>
+              </a:ext>
+              <a:ext uri="{C183D7F6-B498-43B3-948B-1728B52AA6E4}">
+                <adec:decorative xmlns:adec="http://schemas.microsoft.com/office/drawing/2017/decorative" val="1"/>
+              </a:ext>
+            </a:extLst>
+          </p:cNvPr>
+          <p:cNvSpPr>
+            <a:spLocks noGrp="1" noRot="1" noChangeAspect="1" noMove="1" noResize="1" noEditPoints="1" noAdjustHandles="1" noChangeArrowheads="1" noChangeShapeType="1" noTextEdit="1"/>
+          </p:cNvSpPr>
+          <p:nvPr>
+            <p:extLst>
+              <p:ext uri="{386F3935-93C4-4BCD-93E2-E3B085C9AB24}">
+                <p16:designElem xmlns:p16="http://schemas.microsoft.com/office/powerpoint/2015/main" val="1"/>
+              </p:ext>
+            </p:extLst>
+          </p:nvPr>
+        </p:nvSpPr>
+        <p:spPr>
+          <a:xfrm>
+            <a:off x="10" y="-5705"/>
+            <a:ext cx="12191990" cy="1694346"/>
+          </a:xfrm>
+          <a:prstGeom prst="rect">
+            <a:avLst/>
+          </a:prstGeom>
+          <a:solidFill>
+            <a:schemeClr val="tx1">
+              <a:lumMod val="85000"/>
+              <a:lumOff val="15000"/>
+            </a:schemeClr>
+          </a:solidFill>
+          <a:ln>
+            <a:noFill/>
+          </a:ln>
+        </p:spPr>
+        <p:style>
+          <a:lnRef idx="2">
+            <a:schemeClr val="accent1">
+              <a:shade val="50000"/>
+            </a:schemeClr>
+          </a:lnRef>
+          <a:fillRef idx="1">
+            <a:schemeClr val="accent1"/>
+          </a:fillRef>
+          <a:effectRef idx="0">
+            <a:schemeClr val="accent1"/>
+          </a:effectRef>
+          <a:fontRef idx="minor">
+            <a:schemeClr val="lt1"/>
+          </a:fontRef>
+        </p:style>
+        <p:txBody>
+          <a:bodyPr rtlCol="0" anchor="ctr"/>
+          <a:lstStyle/>
+          <a:p>
+            <a:pPr algn="ctr"/>
+            <a:endParaRPr lang="en-US"/>
+          </a:p>
+        </p:txBody>
+      </p:sp>
+      <p:sp>
+        <p:nvSpPr>
+          <p:cNvPr id="2" name="タイトル 1">
+            <a:extLst>
+              <a:ext uri="{FF2B5EF4-FFF2-40B4-BE49-F238E27FC236}">
+                <a16:creationId xmlns:a16="http://schemas.microsoft.com/office/drawing/2014/main" id="{622C2EF6-4F1E-836B-1E65-A253C4C6BDFC}"/>
+              </a:ext>
+            </a:extLst>
+          </p:cNvPr>
+          <p:cNvSpPr>
+            <a:spLocks noGrp="1"/>
+          </p:cNvSpPr>
+          <p:nvPr>
+            <p:ph type="title"/>
+          </p:nvPr>
+        </p:nvSpPr>
+        <p:spPr>
+          <a:xfrm>
+            <a:off x="1156851" y="637762"/>
+            <a:ext cx="9888496" cy="900131"/>
+          </a:xfrm>
+        </p:spPr>
+        <p:txBody>
+          <a:bodyPr anchor="t">
+            <a:normAutofit/>
+          </a:bodyPr>
+          <a:lstStyle/>
+          <a:p>
+            <a:r>
+              <a:rPr kumimoji="1" lang="ja-JP" altLang="en-US" sz="4000">
+                <a:solidFill>
+                  <a:schemeClr val="bg1"/>
+                </a:solidFill>
+              </a:rPr>
+              <a:t>その他の実装したい機能</a:t>
+            </a:r>
+            <a:endParaRPr kumimoji="1" lang="ja-JP" altLang="en-US" sz="4000" dirty="0">
+              <a:solidFill>
+                <a:schemeClr val="bg1"/>
+              </a:solidFill>
+            </a:endParaRPr>
+          </a:p>
+        </p:txBody>
+      </p:sp>
+      <p:sp>
+        <p:nvSpPr>
+          <p:cNvPr id="10" name="Rectangle 9">
+            <a:extLst>
+              <a:ext uri="{FF2B5EF4-FFF2-40B4-BE49-F238E27FC236}">
+                <a16:creationId xmlns:a16="http://schemas.microsoft.com/office/drawing/2014/main" id="{158F1A15-9BBE-62EB-7736-8C9F94A415D5}"/>
+              </a:ext>
+              <a:ext uri="{C183D7F6-B498-43B3-948B-1728B52AA6E4}">
+                <adec:decorative xmlns:adec="http://schemas.microsoft.com/office/drawing/2017/decorative" val="1"/>
+              </a:ext>
+            </a:extLst>
+          </p:cNvPr>
+          <p:cNvSpPr>
+            <a:spLocks noGrp="1" noRot="1" noChangeAspect="1" noMove="1" noResize="1" noEditPoints="1" noAdjustHandles="1" noChangeArrowheads="1" noChangeShapeType="1" noTextEdit="1"/>
+          </p:cNvSpPr>
+          <p:nvPr>
+            <p:extLst>
+              <p:ext uri="{386F3935-93C4-4BCD-93E2-E3B085C9AB24}">
+                <p16:designElem xmlns:p16="http://schemas.microsoft.com/office/powerpoint/2015/main" val="1"/>
+              </p:ext>
+            </p:extLst>
+          </p:nvPr>
+        </p:nvSpPr>
+        <p:spPr>
+          <a:xfrm>
+            <a:off x="0" y="1688641"/>
+            <a:ext cx="12191990" cy="5169359"/>
+          </a:xfrm>
+          <a:prstGeom prst="rect">
+            <a:avLst/>
+          </a:prstGeom>
+          <a:solidFill>
+            <a:schemeClr val="bg1">
+              <a:lumMod val="95000"/>
+            </a:schemeClr>
+          </a:solidFill>
+          <a:ln>
+            <a:noFill/>
+          </a:ln>
+        </p:spPr>
+        <p:style>
+          <a:lnRef idx="2">
+            <a:schemeClr val="accent1">
+              <a:shade val="50000"/>
+            </a:schemeClr>
+          </a:lnRef>
+          <a:fillRef idx="1">
+            <a:schemeClr val="accent1"/>
+          </a:fillRef>
+          <a:effectRef idx="0">
+            <a:schemeClr val="accent1"/>
+          </a:effectRef>
+          <a:fontRef idx="minor">
+            <a:schemeClr val="lt1"/>
+          </a:fontRef>
+        </p:style>
+        <p:txBody>
+          <a:bodyPr rtlCol="0" anchor="ctr"/>
+          <a:lstStyle/>
+          <a:p>
+            <a:pPr algn="ctr"/>
+            <a:endParaRPr lang="en-US"/>
+          </a:p>
+        </p:txBody>
+      </p:sp>
+      <p:sp>
+        <p:nvSpPr>
+          <p:cNvPr id="12" name="Rectangle 11">
+            <a:extLst>
+              <a:ext uri="{FF2B5EF4-FFF2-40B4-BE49-F238E27FC236}">
+                <a16:creationId xmlns:a16="http://schemas.microsoft.com/office/drawing/2014/main" id="{34A0D593-0358-3BFD-1312-ED166EA70099}"/>
+              </a:ext>
+              <a:ext uri="{C183D7F6-B498-43B3-948B-1728B52AA6E4}">
+                <adec:decorative xmlns:adec="http://schemas.microsoft.com/office/drawing/2017/decorative" val="1"/>
+              </a:ext>
+            </a:extLst>
+          </p:cNvPr>
+          <p:cNvSpPr>
+            <a:spLocks noGrp="1" noRot="1" noChangeAspect="1" noMove="1" noResize="1" noEditPoints="1" noAdjustHandles="1" noChangeArrowheads="1" noChangeShapeType="1" noTextEdit="1"/>
+          </p:cNvSpPr>
+          <p:nvPr>
+            <p:extLst>
+              <p:ext uri="{386F3935-93C4-4BCD-93E2-E3B085C9AB24}">
+                <p16:designElem xmlns:p16="http://schemas.microsoft.com/office/powerpoint/2015/main" val="1"/>
+              </p:ext>
+            </p:extLst>
+          </p:nvPr>
+        </p:nvSpPr>
+        <p:spPr>
+          <a:xfrm>
+            <a:off x="1156851" y="2010758"/>
+            <a:ext cx="457190" cy="45719"/>
+          </a:xfrm>
+          <a:prstGeom prst="rect">
+            <a:avLst/>
+          </a:prstGeom>
+          <a:solidFill>
+            <a:schemeClr val="tx1"/>
+          </a:solidFill>
+          <a:ln>
+            <a:noFill/>
+          </a:ln>
+        </p:spPr>
+        <p:style>
+          <a:lnRef idx="2">
+            <a:schemeClr val="accent1">
+              <a:shade val="50000"/>
+            </a:schemeClr>
+          </a:lnRef>
+          <a:fillRef idx="1">
+            <a:schemeClr val="accent1"/>
+          </a:fillRef>
+          <a:effectRef idx="0">
+            <a:schemeClr val="accent1"/>
+          </a:effectRef>
+          <a:fontRef idx="minor">
+            <a:schemeClr val="lt1"/>
+          </a:fontRef>
+        </p:style>
+        <p:txBody>
+          <a:bodyPr rtlCol="0" anchor="ctr"/>
+          <a:lstStyle/>
+          <a:p>
+            <a:pPr algn="ctr"/>
+            <a:endParaRPr lang="en-US"/>
+          </a:p>
+        </p:txBody>
+      </p:sp>
+      <p:sp>
+        <p:nvSpPr>
+          <p:cNvPr id="3" name="コンテンツ プレースホルダー 2">
+            <a:extLst>
+              <a:ext uri="{FF2B5EF4-FFF2-40B4-BE49-F238E27FC236}">
+                <a16:creationId xmlns:a16="http://schemas.microsoft.com/office/drawing/2014/main" id="{5E285365-5A36-E799-4782-684CBCEB8785}"/>
+              </a:ext>
+            </a:extLst>
+          </p:cNvPr>
+          <p:cNvSpPr>
+            <a:spLocks noGrp="1"/>
+          </p:cNvSpPr>
+          <p:nvPr>
+            <p:ph idx="1"/>
+          </p:nvPr>
+        </p:nvSpPr>
+        <p:spPr>
+          <a:xfrm>
+            <a:off x="1155548" y="2217343"/>
+            <a:ext cx="9880893" cy="3959619"/>
+          </a:xfrm>
+        </p:spPr>
+        <p:txBody>
+          <a:bodyPr>
+            <a:normAutofit/>
+          </a:bodyPr>
+          <a:lstStyle/>
+          <a:p>
+            <a:pPr>
+              <a:buFont typeface="Wingdings" panose="05000000000000000000" pitchFamily="2" charset="2"/>
+              <a:buChar char="u"/>
+            </a:pPr>
+            <a:r>
+              <a:rPr lang="ja-JP" altLang="en-US" dirty="0"/>
+              <a:t>入力する項目のカスタマイズ</a:t>
+            </a:r>
+            <a:endParaRPr lang="en-US" altLang="ja-JP" dirty="0"/>
+          </a:p>
+          <a:p>
+            <a:pPr marL="0" indent="0">
+              <a:buNone/>
+            </a:pPr>
+            <a:r>
+              <a:rPr lang="ja-JP" altLang="en-US" dirty="0"/>
+              <a:t>　様々な理由により検査項目が変わる可能性がある</a:t>
+            </a:r>
+            <a:endParaRPr lang="en-US" altLang="ja-JP" dirty="0"/>
+          </a:p>
+          <a:p>
+            <a:pPr lvl="1"/>
+            <a:r>
+              <a:rPr lang="ja-JP" altLang="en-US" dirty="0"/>
+              <a:t>検査項目の追加・削除</a:t>
+            </a:r>
+          </a:p>
+          <a:p>
+            <a:pPr lvl="1"/>
+            <a:r>
+              <a:rPr lang="ja-JP" altLang="en-US" dirty="0"/>
+              <a:t>エラーの算出範囲の調整</a:t>
+            </a:r>
+            <a:endParaRPr lang="en-US" altLang="ja-JP" dirty="0"/>
+          </a:p>
+          <a:p>
+            <a:pPr lvl="1"/>
+            <a:endParaRPr lang="en-US" altLang="ja-JP" dirty="0"/>
+          </a:p>
+          <a:p>
+            <a:pPr lvl="1"/>
+            <a:endParaRPr lang="en-US" altLang="ja-JP" dirty="0"/>
+          </a:p>
+        </p:txBody>
+      </p:sp>
+    </p:spTree>
+    <p:extLst>
+      <p:ext uri="{BB962C8B-B14F-4D97-AF65-F5344CB8AC3E}">
+        <p14:creationId xmlns:p14="http://schemas.microsoft.com/office/powerpoint/2010/main" val="671902228"/>
       </p:ext>
     </p:extLst>
   </p:cSld>
@@ -3985,4 +8596,319 @@
     </a:ext>
   </a:extLst>
 </a:theme>
+</file>
+
+<file path=ppt/theme/theme2.xml><?xml version="1.0" encoding="utf-8"?>
+<a:theme xmlns:a="http://schemas.openxmlformats.org/drawingml/2006/main" name="Office テーマ">
+  <a:themeElements>
+    <a:clrScheme name="Office">
+      <a:dk1>
+        <a:sysClr val="windowText" lastClr="000000"/>
+      </a:dk1>
+      <a:lt1>
+        <a:sysClr val="window" lastClr="FFFFFF"/>
+      </a:lt1>
+      <a:dk2>
+        <a:srgbClr val="0E2841"/>
+      </a:dk2>
+      <a:lt2>
+        <a:srgbClr val="E8E8E8"/>
+      </a:lt2>
+      <a:accent1>
+        <a:srgbClr val="156082"/>
+      </a:accent1>
+      <a:accent2>
+        <a:srgbClr val="E97132"/>
+      </a:accent2>
+      <a:accent3>
+        <a:srgbClr val="196B24"/>
+      </a:accent3>
+      <a:accent4>
+        <a:srgbClr val="0F9ED5"/>
+      </a:accent4>
+      <a:accent5>
+        <a:srgbClr val="A02B93"/>
+      </a:accent5>
+      <a:accent6>
+        <a:srgbClr val="4EA72E"/>
+      </a:accent6>
+      <a:hlink>
+        <a:srgbClr val="467886"/>
+      </a:hlink>
+      <a:folHlink>
+        <a:srgbClr val="96607D"/>
+      </a:folHlink>
+    </a:clrScheme>
+    <a:fontScheme name="Office">
+      <a:majorFont>
+        <a:latin typeface="游ゴシック Light" panose="02110004020202020204"/>
+        <a:ea typeface=""/>
+        <a:cs typeface=""/>
+        <a:font script="Jpan" typeface="游ゴシック Light"/>
+        <a:font script="Hang" typeface="맑은 고딕"/>
+        <a:font script="Hans" typeface="等线 Light"/>
+        <a:font script="Hant" typeface="新細明體"/>
+        <a:font script="Arab" typeface="Times New Roman"/>
+        <a:font script="Hebr" typeface="Times New Roman"/>
+        <a:font script="Thai" typeface="Angsana New"/>
+        <a:font script="Ethi" typeface="Nyala"/>
+        <a:font script="Beng" typeface="Vrinda"/>
+        <a:font script="Gujr" typeface="Shruti"/>
+        <a:font script="Khmr" typeface="MoolBoran"/>
+        <a:font script="Knda" typeface="Tunga"/>
+        <a:font script="Guru" typeface="Raavi"/>
+        <a:font script="Cans" typeface="Euphemia"/>
+        <a:font script="Cher" typeface="Plantagenet Cherokee"/>
+        <a:font script="Yiii" typeface="Microsoft Yi Baiti"/>
+        <a:font script="Tibt" typeface="Microsoft Himalaya"/>
+        <a:font script="Thaa" typeface="MV Boli"/>
+        <a:font script="Deva" typeface="Mangal"/>
+        <a:font script="Telu" typeface="Gautami"/>
+        <a:font script="Taml" typeface="Latha"/>
+        <a:font script="Syrc" typeface="Estrangelo Edessa"/>
+        <a:font script="Orya" typeface="Kalinga"/>
+        <a:font script="Mlym" typeface="Kartika"/>
+        <a:font script="Laoo" typeface="DokChampa"/>
+        <a:font script="Sinh" typeface="Iskoola Pota"/>
+        <a:font script="Mong" typeface="Mongolian Baiti"/>
+        <a:font script="Viet" typeface="Times New Roman"/>
+        <a:font script="Uigh" typeface="Microsoft Uighur"/>
+        <a:font script="Geor" typeface="Sylfaen"/>
+        <a:font script="Armn" typeface="Arial"/>
+        <a:font script="Bugi" typeface="Leelawadee UI"/>
+        <a:font script="Bopo" typeface="Microsoft JhengHei"/>
+        <a:font script="Java" typeface="Javanese Text"/>
+        <a:font script="Lisu" typeface="Segoe UI"/>
+        <a:font script="Mymr" typeface="Myanmar Text"/>
+        <a:font script="Nkoo" typeface="Ebrima"/>
+        <a:font script="Olck" typeface="Nirmala UI"/>
+        <a:font script="Osma" typeface="Ebrima"/>
+        <a:font script="Phag" typeface="Phagspa"/>
+        <a:font script="Syrn" typeface="Estrangelo Edessa"/>
+        <a:font script="Syrj" typeface="Estrangelo Edessa"/>
+        <a:font script="Syre" typeface="Estrangelo Edessa"/>
+        <a:font script="Sora" typeface="Nirmala UI"/>
+        <a:font script="Tale" typeface="Microsoft Tai Le"/>
+        <a:font script="Talu" typeface="Microsoft New Tai Lue"/>
+        <a:font script="Tfng" typeface="Ebrima"/>
+      </a:majorFont>
+      <a:minorFont>
+        <a:latin typeface="游ゴシック" panose="02110004020202020204"/>
+        <a:ea typeface=""/>
+        <a:cs typeface=""/>
+        <a:font script="Jpan" typeface="游ゴシック"/>
+        <a:font script="Hang" typeface="맑은 고딕"/>
+        <a:font script="Hans" typeface="等线"/>
+        <a:font script="Hant" typeface="新細明體"/>
+        <a:font script="Arab" typeface="Arial"/>
+        <a:font script="Hebr" typeface="Arial"/>
+        <a:font script="Thai" typeface="Cordia New"/>
+        <a:font script="Ethi" typeface="Nyala"/>
+        <a:font script="Beng" typeface="Vrinda"/>
+        <a:font script="Gujr" typeface="Shruti"/>
+        <a:font script="Khmr" typeface="DaunPenh"/>
+        <a:font script="Knda" typeface="Tunga"/>
+        <a:font script="Guru" typeface="Raavi"/>
+        <a:font script="Cans" typeface="Euphemia"/>
+        <a:font script="Cher" typeface="Plantagenet Cherokee"/>
+        <a:font script="Yiii" typeface="Microsoft Yi Baiti"/>
+        <a:font script="Tibt" typeface="Microsoft Himalaya"/>
+        <a:font script="Thaa" typeface="MV Boli"/>
+        <a:font script="Deva" typeface="Mangal"/>
+        <a:font script="Telu" typeface="Gautami"/>
+        <a:font script="Taml" typeface="Latha"/>
+        <a:font script="Syrc" typeface="Estrangelo Edessa"/>
+        <a:font script="Orya" typeface="Kalinga"/>
+        <a:font script="Mlym" typeface="Kartika"/>
+        <a:font script="Laoo" typeface="DokChampa"/>
+        <a:font script="Sinh" typeface="Iskoola Pota"/>
+        <a:font script="Mong" typeface="Mongolian Baiti"/>
+        <a:font script="Viet" typeface="Arial"/>
+        <a:font script="Uigh" typeface="Microsoft Uighur"/>
+        <a:font script="Geor" typeface="Sylfaen"/>
+        <a:font script="Armn" typeface="Arial"/>
+        <a:font script="Bugi" typeface="Leelawadee UI"/>
+        <a:font script="Bopo" typeface="Microsoft JhengHei"/>
+        <a:font script="Java" typeface="Javanese Text"/>
+        <a:font script="Lisu" typeface="Segoe UI"/>
+        <a:font script="Mymr" typeface="Myanmar Text"/>
+        <a:font script="Nkoo" typeface="Ebrima"/>
+        <a:font script="Olck" typeface="Nirmala UI"/>
+        <a:font script="Osma" typeface="Ebrima"/>
+        <a:font script="Phag" typeface="Phagspa"/>
+        <a:font script="Syrn" typeface="Estrangelo Edessa"/>
+        <a:font script="Syrj" typeface="Estrangelo Edessa"/>
+        <a:font script="Syre" typeface="Estrangelo Edessa"/>
+        <a:font script="Sora" typeface="Nirmala UI"/>
+        <a:font script="Tale" typeface="Microsoft Tai Le"/>
+        <a:font script="Talu" typeface="Microsoft New Tai Lue"/>
+        <a:font script="Tfng" typeface="Ebrima"/>
+      </a:minorFont>
+    </a:fontScheme>
+    <a:fmtScheme name="Office">
+      <a:fillStyleLst>
+        <a:solidFill>
+          <a:schemeClr val="phClr"/>
+        </a:solidFill>
+        <a:gradFill rotWithShape="1">
+          <a:gsLst>
+            <a:gs pos="0">
+              <a:schemeClr val="phClr">
+                <a:lumMod val="110000"/>
+                <a:satMod val="105000"/>
+                <a:tint val="67000"/>
+              </a:schemeClr>
+            </a:gs>
+            <a:gs pos="50000">
+              <a:schemeClr val="phClr">
+                <a:lumMod val="105000"/>
+                <a:satMod val="103000"/>
+                <a:tint val="73000"/>
+              </a:schemeClr>
+            </a:gs>
+            <a:gs pos="100000">
+              <a:schemeClr val="phClr">
+                <a:lumMod val="105000"/>
+                <a:satMod val="109000"/>
+                <a:tint val="81000"/>
+              </a:schemeClr>
+            </a:gs>
+          </a:gsLst>
+          <a:lin ang="5400000" scaled="0"/>
+        </a:gradFill>
+        <a:gradFill rotWithShape="1">
+          <a:gsLst>
+            <a:gs pos="0">
+              <a:schemeClr val="phClr">
+                <a:satMod val="103000"/>
+                <a:lumMod val="102000"/>
+                <a:tint val="94000"/>
+              </a:schemeClr>
+            </a:gs>
+            <a:gs pos="50000">
+              <a:schemeClr val="phClr">
+                <a:satMod val="110000"/>
+                <a:lumMod val="100000"/>
+                <a:shade val="100000"/>
+              </a:schemeClr>
+            </a:gs>
+            <a:gs pos="100000">
+              <a:schemeClr val="phClr">
+                <a:lumMod val="99000"/>
+                <a:satMod val="120000"/>
+                <a:shade val="78000"/>
+              </a:schemeClr>
+            </a:gs>
+          </a:gsLst>
+          <a:lin ang="5400000" scaled="0"/>
+        </a:gradFill>
+      </a:fillStyleLst>
+      <a:lnStyleLst>
+        <a:ln w="12700" cap="flat" cmpd="sng" algn="ctr">
+          <a:solidFill>
+            <a:schemeClr val="phClr"/>
+          </a:solidFill>
+          <a:prstDash val="solid"/>
+          <a:miter lim="800000"/>
+        </a:ln>
+        <a:ln w="19050" cap="flat" cmpd="sng" algn="ctr">
+          <a:solidFill>
+            <a:schemeClr val="phClr"/>
+          </a:solidFill>
+          <a:prstDash val="solid"/>
+          <a:miter lim="800000"/>
+        </a:ln>
+        <a:ln w="25400" cap="flat" cmpd="sng" algn="ctr">
+          <a:solidFill>
+            <a:schemeClr val="phClr"/>
+          </a:solidFill>
+          <a:prstDash val="solid"/>
+          <a:miter lim="800000"/>
+        </a:ln>
+      </a:lnStyleLst>
+      <a:effectStyleLst>
+        <a:effectStyle>
+          <a:effectLst/>
+        </a:effectStyle>
+        <a:effectStyle>
+          <a:effectLst/>
+        </a:effectStyle>
+        <a:effectStyle>
+          <a:effectLst>
+            <a:outerShdw blurRad="57150" dist="19050" dir="5400000" algn="ctr" rotWithShape="0">
+              <a:srgbClr val="000000">
+                <a:alpha val="63000"/>
+              </a:srgbClr>
+            </a:outerShdw>
+          </a:effectLst>
+        </a:effectStyle>
+      </a:effectStyleLst>
+      <a:bgFillStyleLst>
+        <a:solidFill>
+          <a:schemeClr val="phClr"/>
+        </a:solidFill>
+        <a:solidFill>
+          <a:schemeClr val="phClr">
+            <a:tint val="95000"/>
+            <a:satMod val="170000"/>
+          </a:schemeClr>
+        </a:solidFill>
+        <a:gradFill rotWithShape="1">
+          <a:gsLst>
+            <a:gs pos="0">
+              <a:schemeClr val="phClr">
+                <a:tint val="93000"/>
+                <a:satMod val="150000"/>
+                <a:shade val="98000"/>
+                <a:lumMod val="102000"/>
+              </a:schemeClr>
+            </a:gs>
+            <a:gs pos="50000">
+              <a:schemeClr val="phClr">
+                <a:tint val="98000"/>
+                <a:satMod val="130000"/>
+                <a:shade val="90000"/>
+                <a:lumMod val="103000"/>
+              </a:schemeClr>
+            </a:gs>
+            <a:gs pos="100000">
+              <a:schemeClr val="phClr">
+                <a:shade val="63000"/>
+                <a:satMod val="120000"/>
+              </a:schemeClr>
+            </a:gs>
+          </a:gsLst>
+          <a:lin ang="5400000" scaled="0"/>
+        </a:gradFill>
+      </a:bgFillStyleLst>
+    </a:fmtScheme>
+  </a:themeElements>
+  <a:objectDefaults>
+    <a:lnDef>
+      <a:spPr/>
+      <a:bodyPr/>
+      <a:lstStyle/>
+      <a:style>
+        <a:lnRef idx="2">
+          <a:schemeClr val="accent1"/>
+        </a:lnRef>
+        <a:fillRef idx="0">
+          <a:schemeClr val="accent1"/>
+        </a:fillRef>
+        <a:effectRef idx="1">
+          <a:schemeClr val="accent1"/>
+        </a:effectRef>
+        <a:fontRef idx="minor">
+          <a:schemeClr val="tx1"/>
+        </a:fontRef>
+      </a:style>
+    </a:lnDef>
+  </a:objectDefaults>
+  <a:extraClrSchemeLst/>
+  <a:extLst>
+    <a:ext uri="{05A4C25C-085E-4340-85A3-A5531E510DB2}">
+      <thm15:themeFamily xmlns:thm15="http://schemas.microsoft.com/office/thememl/2012/main" name="Office Theme" id="{2E142A2C-CD16-42D6-873A-C26D2A0506FA}" vid="{1BDDFF52-6CD6-40A5-AB3C-68EB2F1E4D0A}"/>
+    </a:ext>
+  </a:extLst>
+</a:theme>
 </file>